--- a/Containerization and Microservices Testing.pptx
+++ b/Containerization and Microservices Testing.pptx
@@ -5,7 +5,7 @@
     <p:sldMasterId id="2147483666" r:id="rId1"/>
   </p:sldMasterIdLst>
   <p:notesMasterIdLst>
-    <p:notesMasterId r:id="rId27"/>
+    <p:notesMasterId r:id="rId23"/>
   </p:notesMasterIdLst>
   <p:sldIdLst>
     <p:sldId id="257" r:id="rId2"/>
@@ -15,24 +15,20 @@
     <p:sldId id="289" r:id="rId6"/>
     <p:sldId id="407" r:id="rId7"/>
     <p:sldId id="305" r:id="rId8"/>
-    <p:sldId id="409" r:id="rId9"/>
-    <p:sldId id="308" r:id="rId10"/>
-    <p:sldId id="306" r:id="rId11"/>
-    <p:sldId id="307" r:id="rId12"/>
-    <p:sldId id="309" r:id="rId13"/>
-    <p:sldId id="310" r:id="rId14"/>
-    <p:sldId id="311" r:id="rId15"/>
-    <p:sldId id="405" r:id="rId16"/>
-    <p:sldId id="406" r:id="rId17"/>
-    <p:sldId id="398" r:id="rId18"/>
-    <p:sldId id="399" r:id="rId19"/>
-    <p:sldId id="400" r:id="rId20"/>
-    <p:sldId id="401" r:id="rId21"/>
-    <p:sldId id="402" r:id="rId22"/>
-    <p:sldId id="403" r:id="rId23"/>
-    <p:sldId id="313" r:id="rId24"/>
-    <p:sldId id="404" r:id="rId25"/>
-    <p:sldId id="287" r:id="rId26"/>
+    <p:sldId id="412" r:id="rId9"/>
+    <p:sldId id="411" r:id="rId10"/>
+    <p:sldId id="409" r:id="rId11"/>
+    <p:sldId id="308" r:id="rId12"/>
+    <p:sldId id="413" r:id="rId13"/>
+    <p:sldId id="415" r:id="rId14"/>
+    <p:sldId id="416" r:id="rId15"/>
+    <p:sldId id="418" r:id="rId16"/>
+    <p:sldId id="417" r:id="rId17"/>
+    <p:sldId id="419" r:id="rId18"/>
+    <p:sldId id="405" r:id="rId19"/>
+    <p:sldId id="406" r:id="rId20"/>
+    <p:sldId id="287" r:id="rId21"/>
+    <p:sldId id="414" r:id="rId22"/>
   </p:sldIdLst>
   <p:sldSz cx="12192000" cy="6858000"/>
   <p:notesSz cx="6858000" cy="9144000"/>
@@ -262,7 +258,7 @@
           <a:p>
             <a:fld id="{196123A9-CE3C-4C8B-8AC9-81BA8A358B74}" type="datetimeFigureOut">
               <a:rPr lang="en-US" smtClean="0"/>
-              <a:t>4/17/2024</a:t>
+              <a:t>4/19/2024</a:t>
             </a:fld>
             <a:endParaRPr lang="en-US"/>
           </a:p>
@@ -657,18 +653,15 @@
           <a:bodyPr/>
           <a:lstStyle/>
           <a:p>
-            <a:r>
-              <a:rPr lang="en-US" sz="1200" kern="1200">
-                <a:solidFill>
-                  <a:schemeClr val="tx1"/>
-                </a:solidFill>
-                <a:effectLst/>
-                <a:latin typeface="+mn-lt"/>
-                <a:ea typeface="+mn-ea"/>
-                <a:cs typeface="+mn-cs"/>
-              </a:rPr>
-              <a:t>https://kubernetes.io/docs/setup/production-environment/container-runtimes/</a:t>
-            </a:r>
+            <a:endParaRPr lang="en-US" sz="1200" kern="1200">
+              <a:solidFill>
+                <a:schemeClr val="tx1"/>
+              </a:solidFill>
+              <a:effectLst/>
+              <a:latin typeface="+mn-lt"/>
+              <a:ea typeface="+mn-ea"/>
+              <a:cs typeface="+mn-cs"/>
+            </a:endParaRPr>
           </a:p>
         </p:txBody>
       </p:sp>
@@ -698,7 +691,7 @@
     </p:spTree>
     <p:extLst>
       <p:ext uri="{BB962C8B-B14F-4D97-AF65-F5344CB8AC3E}">
-        <p14:creationId xmlns:p14="http://schemas.microsoft.com/office/powerpoint/2010/main" val="760607314"/>
+        <p14:creationId xmlns:p14="http://schemas.microsoft.com/office/powerpoint/2010/main" val="587779238"/>
       </p:ext>
     </p:extLst>
   </p:cSld>
@@ -753,18 +746,31 @@
           <a:lstStyle/>
           <a:p>
             <a:r>
-              <a:rPr lang="en-US"/>
-              <a:t>https://kubernetes.io/docs/concepts/cluster-administration/addons/</a:t>
-            </a:r>
-            <a:endParaRPr lang="en-US" sz="1200" kern="1200">
-              <a:solidFill>
-                <a:schemeClr val="tx1"/>
-              </a:solidFill>
-              <a:effectLst/>
-              <a:latin typeface="+mn-lt"/>
-              <a:ea typeface="+mn-ea"/>
-              <a:cs typeface="+mn-cs"/>
-            </a:endParaRPr>
+              <a:rPr lang="en-US" sz="1200" kern="1200" dirty="0">
+                <a:solidFill>
+                  <a:schemeClr val="tx1"/>
+                </a:solidFill>
+                <a:effectLst/>
+                <a:latin typeface="+mn-lt"/>
+                <a:ea typeface="+mn-ea"/>
+                <a:cs typeface="+mn-cs"/>
+              </a:rPr>
+              <a:t>https://kubernetes.io/docs/tasks/run-application/horizontal-pod-autoscale/</a:t>
+            </a:r>
+          </a:p>
+          <a:p>
+            <a:r>
+              <a:rPr lang="en-US" sz="1200" kern="1200" dirty="0">
+                <a:solidFill>
+                  <a:schemeClr val="tx1"/>
+                </a:solidFill>
+                <a:effectLst/>
+                <a:latin typeface="+mn-lt"/>
+                <a:ea typeface="+mn-ea"/>
+                <a:cs typeface="+mn-cs"/>
+              </a:rPr>
+              <a:t>https://viblo.asia/p/hpa-la-gi-auto-scaling-pod-bang-hpa-va-keda-ByEZkerA5Q0</a:t>
+            </a:r>
           </a:p>
         </p:txBody>
       </p:sp>
@@ -794,7 +800,7 @@
     </p:spTree>
     <p:extLst>
       <p:ext uri="{BB962C8B-B14F-4D97-AF65-F5344CB8AC3E}">
-        <p14:creationId xmlns:p14="http://schemas.microsoft.com/office/powerpoint/2010/main" val="62599171"/>
+        <p14:creationId xmlns:p14="http://schemas.microsoft.com/office/powerpoint/2010/main" val="3905237248"/>
       </p:ext>
     </p:extLst>
   </p:cSld>
@@ -848,11 +854,7 @@
           <a:bodyPr/>
           <a:lstStyle/>
           <a:p>
-            <a:r>
-              <a:rPr lang="en-US"/>
-              <a:t>https://kubernetes.io/docs/concepts/overview/working-with-objects/</a:t>
-            </a:r>
-            <a:endParaRPr lang="en-US" sz="1200" kern="1200">
+            <a:endParaRPr lang="en-US" sz="1200" kern="1200" dirty="0">
               <a:solidFill>
                 <a:schemeClr val="tx1"/>
               </a:solidFill>
@@ -890,7 +892,7 @@
     </p:spTree>
     <p:extLst>
       <p:ext uri="{BB962C8B-B14F-4D97-AF65-F5344CB8AC3E}">
-        <p14:creationId xmlns:p14="http://schemas.microsoft.com/office/powerpoint/2010/main" val="3231398547"/>
+        <p14:creationId xmlns:p14="http://schemas.microsoft.com/office/powerpoint/2010/main" val="2516117766"/>
       </p:ext>
     </p:extLst>
   </p:cSld>
@@ -944,11 +946,7 @@
           <a:bodyPr/>
           <a:lstStyle/>
           <a:p>
-            <a:r>
-              <a:rPr lang="en-US"/>
-              <a:t>https://kubernetes.io/docs/concepts/overview/working-with-objects/</a:t>
-            </a:r>
-            <a:endParaRPr lang="en-US" sz="1200" kern="1200">
+            <a:endParaRPr lang="en-US" sz="1200" kern="1200" dirty="0">
               <a:solidFill>
                 <a:schemeClr val="tx1"/>
               </a:solidFill>
@@ -986,7 +984,7 @@
     </p:spTree>
     <p:extLst>
       <p:ext uri="{BB962C8B-B14F-4D97-AF65-F5344CB8AC3E}">
-        <p14:creationId xmlns:p14="http://schemas.microsoft.com/office/powerpoint/2010/main" val="1969200544"/>
+        <p14:creationId xmlns:p14="http://schemas.microsoft.com/office/powerpoint/2010/main" val="2943144818"/>
       </p:ext>
     </p:extLst>
   </p:cSld>
@@ -1040,18 +1038,15 @@
           <a:bodyPr/>
           <a:lstStyle/>
           <a:p>
-            <a:r>
-              <a:rPr lang="en-US" sz="1200" kern="1200">
-                <a:solidFill>
-                  <a:schemeClr val="tx1"/>
-                </a:solidFill>
-                <a:effectLst/>
-                <a:latin typeface="+mn-lt"/>
-                <a:ea typeface="+mn-ea"/>
-                <a:cs typeface="+mn-cs"/>
-              </a:rPr>
-              <a:t>https://www.linuxtechi.com/install-kubernetes-k8s-on-ubuntu-20-04/</a:t>
-            </a:r>
+            <a:endParaRPr lang="en-US" sz="1200" kern="1200" dirty="0">
+              <a:solidFill>
+                <a:schemeClr val="tx1"/>
+              </a:solidFill>
+              <a:effectLst/>
+              <a:latin typeface="+mn-lt"/>
+              <a:ea typeface="+mn-ea"/>
+              <a:cs typeface="+mn-cs"/>
+            </a:endParaRPr>
           </a:p>
         </p:txBody>
       </p:sp>
@@ -1081,7 +1076,7 @@
     </p:spTree>
     <p:extLst>
       <p:ext uri="{BB962C8B-B14F-4D97-AF65-F5344CB8AC3E}">
-        <p14:creationId xmlns:p14="http://schemas.microsoft.com/office/powerpoint/2010/main" val="4021681263"/>
+        <p14:creationId xmlns:p14="http://schemas.microsoft.com/office/powerpoint/2010/main" val="3447831226"/>
       </p:ext>
     </p:extLst>
   </p:cSld>
@@ -1135,7 +1130,7 @@
           <a:bodyPr/>
           <a:lstStyle/>
           <a:p>
-            <a:endParaRPr lang="en-US" sz="1200" kern="1200">
+            <a:endParaRPr lang="en-US" sz="1200" kern="1200" dirty="0">
               <a:solidFill>
                 <a:schemeClr val="tx1"/>
               </a:solidFill>
@@ -1173,7 +1168,7 @@
     </p:spTree>
     <p:extLst>
       <p:ext uri="{BB962C8B-B14F-4D97-AF65-F5344CB8AC3E}">
-        <p14:creationId xmlns:p14="http://schemas.microsoft.com/office/powerpoint/2010/main" val="3018077525"/>
+        <p14:creationId xmlns:p14="http://schemas.microsoft.com/office/powerpoint/2010/main" val="658027639"/>
       </p:ext>
     </p:extLst>
   </p:cSld>
@@ -1227,15 +1222,60 @@
           <a:bodyPr/>
           <a:lstStyle/>
           <a:p>
-            <a:endParaRPr lang="en-US" sz="1200" kern="1200">
-              <a:solidFill>
-                <a:schemeClr val="tx1"/>
-              </a:solidFill>
-              <a:effectLst/>
-              <a:latin typeface="+mn-lt"/>
-              <a:ea typeface="+mn-ea"/>
-              <a:cs typeface="+mn-cs"/>
-            </a:endParaRPr>
+            <a:r>
+              <a:rPr lang="en-US" sz="1200" kern="1200" dirty="0">
+                <a:solidFill>
+                  <a:schemeClr val="tx1"/>
+                </a:solidFill>
+                <a:effectLst/>
+                <a:latin typeface="+mn-lt"/>
+                <a:ea typeface="+mn-ea"/>
+                <a:cs typeface="+mn-cs"/>
+              </a:rPr>
+              <a:t>7. Take a long time</a:t>
+            </a:r>
+          </a:p>
+          <a:p>
+            <a:r>
+              <a:rPr lang="en-US" sz="1200" kern="1200" dirty="0">
+                <a:solidFill>
+                  <a:schemeClr val="tx1"/>
+                </a:solidFill>
+                <a:effectLst/>
+                <a:latin typeface="+mn-lt"/>
+                <a:ea typeface="+mn-ea"/>
+                <a:cs typeface="+mn-cs"/>
+              </a:rPr>
+              <a:t>8. Actors pods scale to 10, import faster</a:t>
+            </a:r>
+          </a:p>
+          <a:p>
+            <a:r>
+              <a:rPr lang="en-US" sz="1200" kern="1200" dirty="0">
+                <a:solidFill>
+                  <a:schemeClr val="tx1"/>
+                </a:solidFill>
+                <a:effectLst/>
+                <a:latin typeface="+mn-lt"/>
+                <a:ea typeface="+mn-ea"/>
+                <a:cs typeface="+mn-cs"/>
+              </a:rPr>
+              <a:t>9. Take 250 seconds</a:t>
+            </a:r>
+          </a:p>
+          <a:p>
+            <a:r>
+              <a:rPr lang="en-US" sz="1200" kern="1200" dirty="0">
+                <a:solidFill>
+                  <a:schemeClr val="tx1"/>
+                </a:solidFill>
+                <a:effectLst/>
+                <a:latin typeface="+mn-lt"/>
+                <a:ea typeface="+mn-ea"/>
+                <a:cs typeface="+mn-cs"/>
+              </a:rPr>
+              <a:t>10. Take more than 250 seconds</a:t>
+            </a:r>
           </a:p>
         </p:txBody>
       </p:sp>
@@ -1265,7 +1305,7 @@
     </p:spTree>
     <p:extLst>
       <p:ext uri="{BB962C8B-B14F-4D97-AF65-F5344CB8AC3E}">
-        <p14:creationId xmlns:p14="http://schemas.microsoft.com/office/powerpoint/2010/main" val="3328348977"/>
+        <p14:creationId xmlns:p14="http://schemas.microsoft.com/office/powerpoint/2010/main" val="4194430601"/>
       </p:ext>
     </p:extLst>
   </p:cSld>
@@ -1320,7 +1360,7 @@
           <a:lstStyle/>
           <a:p>
             <a:r>
-              <a:rPr lang="en-US" sz="1200" kern="1200">
+              <a:rPr lang="en-US" sz="1200" kern="1200" dirty="0">
                 <a:solidFill>
                   <a:schemeClr val="tx1"/>
                 </a:solidFill>
@@ -1329,7 +1369,7 @@
                 <a:ea typeface="+mn-ea"/>
                 <a:cs typeface="+mn-cs"/>
               </a:rPr>
-              <a:t>https://www.linuxtechi.com/install-kubernetes-k8s-on-ubuntu-20-04/</a:t>
+              <a:t>11. Take 250 seconds, actor pods 10</a:t>
             </a:r>
           </a:p>
         </p:txBody>
@@ -1351,7 +1391,7 @@
           <a:p>
             <a:fld id="{B850756A-E1CA-4E5E-8241-A897EE7CB764}" type="slidenum">
               <a:rPr lang="en-US" smtClean="0"/>
-              <a:t>18</a:t>
+              <a:t>17</a:t>
             </a:fld>
             <a:endParaRPr lang="en-US"/>
           </a:p>
@@ -1360,7 +1400,7 @@
     </p:spTree>
     <p:extLst>
       <p:ext uri="{BB962C8B-B14F-4D97-AF65-F5344CB8AC3E}">
-        <p14:creationId xmlns:p14="http://schemas.microsoft.com/office/powerpoint/2010/main" val="1180653411"/>
+        <p14:creationId xmlns:p14="http://schemas.microsoft.com/office/powerpoint/2010/main" val="1389959617"/>
       </p:ext>
     </p:extLst>
   </p:cSld>
@@ -1414,18 +1454,15 @@
           <a:bodyPr/>
           <a:lstStyle/>
           <a:p>
-            <a:r>
-              <a:rPr lang="en-US" sz="1200" kern="1200">
-                <a:solidFill>
-                  <a:schemeClr val="tx1"/>
-                </a:solidFill>
-                <a:effectLst/>
-                <a:latin typeface="+mn-lt"/>
-                <a:ea typeface="+mn-ea"/>
-                <a:cs typeface="+mn-cs"/>
-              </a:rPr>
-              <a:t>https://www.linuxtechi.com/install-kubernetes-k8s-on-ubuntu-20-04/</a:t>
-            </a:r>
+            <a:endParaRPr lang="en-US" sz="1200" kern="1200">
+              <a:solidFill>
+                <a:schemeClr val="tx1"/>
+              </a:solidFill>
+              <a:effectLst/>
+              <a:latin typeface="+mn-lt"/>
+              <a:ea typeface="+mn-ea"/>
+              <a:cs typeface="+mn-cs"/>
+            </a:endParaRPr>
           </a:p>
         </p:txBody>
       </p:sp>
@@ -1446,7 +1483,7 @@
           <a:p>
             <a:fld id="{B850756A-E1CA-4E5E-8241-A897EE7CB764}" type="slidenum">
               <a:rPr lang="en-US" smtClean="0"/>
-              <a:t>19</a:t>
+              <a:t>18</a:t>
             </a:fld>
             <a:endParaRPr lang="en-US"/>
           </a:p>
@@ -1455,7 +1492,7 @@
     </p:spTree>
     <p:extLst>
       <p:ext uri="{BB962C8B-B14F-4D97-AF65-F5344CB8AC3E}">
-        <p14:creationId xmlns:p14="http://schemas.microsoft.com/office/powerpoint/2010/main" val="2066189168"/>
+        <p14:creationId xmlns:p14="http://schemas.microsoft.com/office/powerpoint/2010/main" val="3018077525"/>
       </p:ext>
     </p:extLst>
   </p:cSld>
@@ -1509,18 +1546,15 @@
           <a:bodyPr/>
           <a:lstStyle/>
           <a:p>
-            <a:r>
-              <a:rPr lang="en-US" sz="1200" kern="1200">
-                <a:solidFill>
-                  <a:schemeClr val="tx1"/>
-                </a:solidFill>
-                <a:effectLst/>
-                <a:latin typeface="+mn-lt"/>
-                <a:ea typeface="+mn-ea"/>
-                <a:cs typeface="+mn-cs"/>
-              </a:rPr>
-              <a:t>https://www.linuxtechi.com/install-kubernetes-k8s-on-ubuntu-20-04/</a:t>
-            </a:r>
+            <a:endParaRPr lang="en-US" sz="1200" kern="1200">
+              <a:solidFill>
+                <a:schemeClr val="tx1"/>
+              </a:solidFill>
+              <a:effectLst/>
+              <a:latin typeface="+mn-lt"/>
+              <a:ea typeface="+mn-ea"/>
+              <a:cs typeface="+mn-cs"/>
+            </a:endParaRPr>
           </a:p>
         </p:txBody>
       </p:sp>
@@ -1541,7 +1575,7 @@
           <a:p>
             <a:fld id="{B850756A-E1CA-4E5E-8241-A897EE7CB764}" type="slidenum">
               <a:rPr lang="en-US" smtClean="0"/>
-              <a:t>20</a:t>
+              <a:t>19</a:t>
             </a:fld>
             <a:endParaRPr lang="en-US"/>
           </a:p>
@@ -1550,7 +1584,7 @@
     </p:spTree>
     <p:extLst>
       <p:ext uri="{BB962C8B-B14F-4D97-AF65-F5344CB8AC3E}">
-        <p14:creationId xmlns:p14="http://schemas.microsoft.com/office/powerpoint/2010/main" val="3023947927"/>
+        <p14:creationId xmlns:p14="http://schemas.microsoft.com/office/powerpoint/2010/main" val="3328348977"/>
       </p:ext>
     </p:extLst>
   </p:cSld>
@@ -1696,18 +1730,7 @@
           <a:bodyPr/>
           <a:lstStyle/>
           <a:p>
-            <a:r>
-              <a:rPr lang="en-US" sz="1200" kern="1200">
-                <a:solidFill>
-                  <a:schemeClr val="tx1"/>
-                </a:solidFill>
-                <a:effectLst/>
-                <a:latin typeface="+mn-lt"/>
-                <a:ea typeface="+mn-ea"/>
-                <a:cs typeface="+mn-cs"/>
-              </a:rPr>
-              <a:t>https://www.linuxtechi.com/install-kubernetes-k8s-on-ubuntu-20-04/</a:t>
-            </a:r>
+            <a:endParaRPr lang="en-US"/>
           </a:p>
         </p:txBody>
       </p:sp>
@@ -1728,7 +1751,7 @@
           <a:p>
             <a:fld id="{B850756A-E1CA-4E5E-8241-A897EE7CB764}" type="slidenum">
               <a:rPr lang="en-US" smtClean="0"/>
-              <a:t>21</a:t>
+              <a:t>20</a:t>
             </a:fld>
             <a:endParaRPr lang="en-US"/>
           </a:p>
@@ -1737,7 +1760,7 @@
     </p:spTree>
     <p:extLst>
       <p:ext uri="{BB962C8B-B14F-4D97-AF65-F5344CB8AC3E}">
-        <p14:creationId xmlns:p14="http://schemas.microsoft.com/office/powerpoint/2010/main" val="401119458"/>
+        <p14:creationId xmlns:p14="http://schemas.microsoft.com/office/powerpoint/2010/main" val="4196192877"/>
       </p:ext>
     </p:extLst>
   </p:cSld>
@@ -1791,101 +1814,6 @@
           <a:bodyPr/>
           <a:lstStyle/>
           <a:p>
-            <a:r>
-              <a:rPr lang="en-US" sz="1200" kern="1200">
-                <a:solidFill>
-                  <a:schemeClr val="tx1"/>
-                </a:solidFill>
-                <a:effectLst/>
-                <a:latin typeface="+mn-lt"/>
-                <a:ea typeface="+mn-ea"/>
-                <a:cs typeface="+mn-cs"/>
-              </a:rPr>
-              <a:t>https://www.linuxtechi.com/install-kubernetes-k8s-on-ubuntu-20-04/</a:t>
-            </a:r>
-          </a:p>
-        </p:txBody>
-      </p:sp>
-      <p:sp>
-        <p:nvSpPr>
-          <p:cNvPr id="4" name="Slide Number Placeholder 3"/>
-          <p:cNvSpPr>
-            <a:spLocks noGrp="1"/>
-          </p:cNvSpPr>
-          <p:nvPr>
-            <p:ph type="sldNum" sz="quarter" idx="10"/>
-          </p:nvPr>
-        </p:nvSpPr>
-        <p:spPr/>
-        <p:txBody>
-          <a:bodyPr/>
-          <a:lstStyle/>
-          <a:p>
-            <a:fld id="{B850756A-E1CA-4E5E-8241-A897EE7CB764}" type="slidenum">
-              <a:rPr lang="en-US" smtClean="0"/>
-              <a:t>22</a:t>
-            </a:fld>
-            <a:endParaRPr lang="en-US"/>
-          </a:p>
-        </p:txBody>
-      </p:sp>
-    </p:spTree>
-    <p:extLst>
-      <p:ext uri="{BB962C8B-B14F-4D97-AF65-F5344CB8AC3E}">
-        <p14:creationId xmlns:p14="http://schemas.microsoft.com/office/powerpoint/2010/main" val="3617128660"/>
-      </p:ext>
-    </p:extLst>
-  </p:cSld>
-  <p:clrMapOvr>
-    <a:masterClrMapping/>
-  </p:clrMapOvr>
-</p:notes>
-</file>
-
-<file path=ppt/notesSlides/notesSlide22.xml><?xml version="1.0" encoding="utf-8"?>
-<p:notes xmlns:a="http://schemas.openxmlformats.org/drawingml/2006/main" xmlns:r="http://schemas.openxmlformats.org/officeDocument/2006/relationships" xmlns:p="http://schemas.openxmlformats.org/presentationml/2006/main">
-  <p:cSld>
-    <p:spTree>
-      <p:nvGrpSpPr>
-        <p:cNvPr id="1" name=""/>
-        <p:cNvGrpSpPr/>
-        <p:nvPr/>
-      </p:nvGrpSpPr>
-      <p:grpSpPr>
-        <a:xfrm>
-          <a:off x="0" y="0"/>
-          <a:ext cx="0" cy="0"/>
-          <a:chOff x="0" y="0"/>
-          <a:chExt cx="0" cy="0"/>
-        </a:xfrm>
-      </p:grpSpPr>
-      <p:sp>
-        <p:nvSpPr>
-          <p:cNvPr id="2" name="Slide Image Placeholder 1"/>
-          <p:cNvSpPr>
-            <a:spLocks noGrp="1" noRot="1" noChangeAspect="1"/>
-          </p:cNvSpPr>
-          <p:nvPr>
-            <p:ph type="sldImg"/>
-          </p:nvPr>
-        </p:nvSpPr>
-        <p:spPr/>
-      </p:sp>
-      <p:sp>
-        <p:nvSpPr>
-          <p:cNvPr id="3" name="Notes Placeholder 2"/>
-          <p:cNvSpPr>
-            <a:spLocks noGrp="1"/>
-          </p:cNvSpPr>
-          <p:nvPr>
-            <p:ph type="body" idx="1"/>
-          </p:nvPr>
-        </p:nvSpPr>
-        <p:spPr/>
-        <p:txBody>
-          <a:bodyPr/>
-          <a:lstStyle/>
-          <a:p>
             <a:endParaRPr lang="en-US" sz="1200" kern="1200">
               <a:solidFill>
                 <a:schemeClr val="tx1"/>
@@ -1915,7 +1843,7 @@
           <a:p>
             <a:fld id="{B850756A-E1CA-4E5E-8241-A897EE7CB764}" type="slidenum">
               <a:rPr lang="en-US" smtClean="0"/>
-              <a:t>23</a:t>
+              <a:t>21</a:t>
             </a:fld>
             <a:endParaRPr lang="en-US"/>
           </a:p>
@@ -1924,183 +1852,7 @@
     </p:spTree>
     <p:extLst>
       <p:ext uri="{BB962C8B-B14F-4D97-AF65-F5344CB8AC3E}">
-        <p14:creationId xmlns:p14="http://schemas.microsoft.com/office/powerpoint/2010/main" val="2870848376"/>
-      </p:ext>
-    </p:extLst>
-  </p:cSld>
-  <p:clrMapOvr>
-    <a:masterClrMapping/>
-  </p:clrMapOvr>
-</p:notes>
-</file>
-
-<file path=ppt/notesSlides/notesSlide23.xml><?xml version="1.0" encoding="utf-8"?>
-<p:notes xmlns:a="http://schemas.openxmlformats.org/drawingml/2006/main" xmlns:r="http://schemas.openxmlformats.org/officeDocument/2006/relationships" xmlns:p="http://schemas.openxmlformats.org/presentationml/2006/main">
-  <p:cSld>
-    <p:spTree>
-      <p:nvGrpSpPr>
-        <p:cNvPr id="1" name=""/>
-        <p:cNvGrpSpPr/>
-        <p:nvPr/>
-      </p:nvGrpSpPr>
-      <p:grpSpPr>
-        <a:xfrm>
-          <a:off x="0" y="0"/>
-          <a:ext cx="0" cy="0"/>
-          <a:chOff x="0" y="0"/>
-          <a:chExt cx="0" cy="0"/>
-        </a:xfrm>
-      </p:grpSpPr>
-      <p:sp>
-        <p:nvSpPr>
-          <p:cNvPr id="2" name="Slide Image Placeholder 1"/>
-          <p:cNvSpPr>
-            <a:spLocks noGrp="1" noRot="1" noChangeAspect="1"/>
-          </p:cNvSpPr>
-          <p:nvPr>
-            <p:ph type="sldImg"/>
-          </p:nvPr>
-        </p:nvSpPr>
-        <p:spPr/>
-      </p:sp>
-      <p:sp>
-        <p:nvSpPr>
-          <p:cNvPr id="3" name="Notes Placeholder 2"/>
-          <p:cNvSpPr>
-            <a:spLocks noGrp="1"/>
-          </p:cNvSpPr>
-          <p:nvPr>
-            <p:ph type="body" idx="1"/>
-          </p:nvPr>
-        </p:nvSpPr>
-        <p:spPr/>
-        <p:txBody>
-          <a:bodyPr/>
-          <a:lstStyle/>
-          <a:p>
-            <a:endParaRPr lang="en-US" sz="1200" kern="1200">
-              <a:solidFill>
-                <a:schemeClr val="tx1"/>
-              </a:solidFill>
-              <a:effectLst/>
-              <a:latin typeface="+mn-lt"/>
-              <a:ea typeface="+mn-ea"/>
-              <a:cs typeface="+mn-cs"/>
-            </a:endParaRPr>
-          </a:p>
-        </p:txBody>
-      </p:sp>
-      <p:sp>
-        <p:nvSpPr>
-          <p:cNvPr id="4" name="Slide Number Placeholder 3"/>
-          <p:cNvSpPr>
-            <a:spLocks noGrp="1"/>
-          </p:cNvSpPr>
-          <p:nvPr>
-            <p:ph type="sldNum" sz="quarter" idx="10"/>
-          </p:nvPr>
-        </p:nvSpPr>
-        <p:spPr/>
-        <p:txBody>
-          <a:bodyPr/>
-          <a:lstStyle/>
-          <a:p>
-            <a:fld id="{B850756A-E1CA-4E5E-8241-A897EE7CB764}" type="slidenum">
-              <a:rPr lang="en-US" smtClean="0"/>
-              <a:t>24</a:t>
-            </a:fld>
-            <a:endParaRPr lang="en-US"/>
-          </a:p>
-        </p:txBody>
-      </p:sp>
-    </p:spTree>
-    <p:extLst>
-      <p:ext uri="{BB962C8B-B14F-4D97-AF65-F5344CB8AC3E}">
-        <p14:creationId xmlns:p14="http://schemas.microsoft.com/office/powerpoint/2010/main" val="1175615304"/>
-      </p:ext>
-    </p:extLst>
-  </p:cSld>
-  <p:clrMapOvr>
-    <a:masterClrMapping/>
-  </p:clrMapOvr>
-</p:notes>
-</file>
-
-<file path=ppt/notesSlides/notesSlide24.xml><?xml version="1.0" encoding="utf-8"?>
-<p:notes xmlns:a="http://schemas.openxmlformats.org/drawingml/2006/main" xmlns:r="http://schemas.openxmlformats.org/officeDocument/2006/relationships" xmlns:p="http://schemas.openxmlformats.org/presentationml/2006/main">
-  <p:cSld>
-    <p:spTree>
-      <p:nvGrpSpPr>
-        <p:cNvPr id="1" name=""/>
-        <p:cNvGrpSpPr/>
-        <p:nvPr/>
-      </p:nvGrpSpPr>
-      <p:grpSpPr>
-        <a:xfrm>
-          <a:off x="0" y="0"/>
-          <a:ext cx="0" cy="0"/>
-          <a:chOff x="0" y="0"/>
-          <a:chExt cx="0" cy="0"/>
-        </a:xfrm>
-      </p:grpSpPr>
-      <p:sp>
-        <p:nvSpPr>
-          <p:cNvPr id="2" name="Slide Image Placeholder 1"/>
-          <p:cNvSpPr>
-            <a:spLocks noGrp="1" noRot="1" noChangeAspect="1"/>
-          </p:cNvSpPr>
-          <p:nvPr>
-            <p:ph type="sldImg"/>
-          </p:nvPr>
-        </p:nvSpPr>
-        <p:spPr/>
-      </p:sp>
-      <p:sp>
-        <p:nvSpPr>
-          <p:cNvPr id="3" name="Notes Placeholder 2"/>
-          <p:cNvSpPr>
-            <a:spLocks noGrp="1"/>
-          </p:cNvSpPr>
-          <p:nvPr>
-            <p:ph type="body" idx="1"/>
-          </p:nvPr>
-        </p:nvSpPr>
-        <p:spPr/>
-        <p:txBody>
-          <a:bodyPr/>
-          <a:lstStyle/>
-          <a:p>
-            <a:endParaRPr lang="en-US"/>
-          </a:p>
-        </p:txBody>
-      </p:sp>
-      <p:sp>
-        <p:nvSpPr>
-          <p:cNvPr id="4" name="Slide Number Placeholder 3"/>
-          <p:cNvSpPr>
-            <a:spLocks noGrp="1"/>
-          </p:cNvSpPr>
-          <p:nvPr>
-            <p:ph type="sldNum" sz="quarter" idx="10"/>
-          </p:nvPr>
-        </p:nvSpPr>
-        <p:spPr/>
-        <p:txBody>
-          <a:bodyPr/>
-          <a:lstStyle/>
-          <a:p>
-            <a:fld id="{B850756A-E1CA-4E5E-8241-A897EE7CB764}" type="slidenum">
-              <a:rPr lang="en-US" smtClean="0"/>
-              <a:t>25</a:t>
-            </a:fld>
-            <a:endParaRPr lang="en-US"/>
-          </a:p>
-        </p:txBody>
-      </p:sp>
-    </p:spTree>
-    <p:extLst>
-      <p:ext uri="{BB962C8B-B14F-4D97-AF65-F5344CB8AC3E}">
-        <p14:creationId xmlns:p14="http://schemas.microsoft.com/office/powerpoint/2010/main" val="4196192877"/>
+        <p14:creationId xmlns:p14="http://schemas.microsoft.com/office/powerpoint/2010/main" val="2083694321"/>
       </p:ext>
     </p:extLst>
   </p:cSld>
@@ -2652,7 +2404,7 @@
     </p:spTree>
     <p:extLst>
       <p:ext uri="{BB962C8B-B14F-4D97-AF65-F5344CB8AC3E}">
-        <p14:creationId xmlns:p14="http://schemas.microsoft.com/office/powerpoint/2010/main" val="587779238"/>
+        <p14:creationId xmlns:p14="http://schemas.microsoft.com/office/powerpoint/2010/main" val="1869002142"/>
       </p:ext>
     </p:extLst>
   </p:cSld>
@@ -2706,32 +2458,15 @@
           <a:bodyPr/>
           <a:lstStyle/>
           <a:p>
-            <a:r>
-              <a:rPr lang="en-US" sz="1200" kern="1200" dirty="0">
-                <a:solidFill>
-                  <a:schemeClr val="tx1"/>
-                </a:solidFill>
-                <a:effectLst/>
-                <a:latin typeface="+mn-lt"/>
-                <a:ea typeface="+mn-ea"/>
-                <a:cs typeface="+mn-cs"/>
-              </a:rPr>
-              <a:t>https://kubernetes.io/docs/tasks/run-application/horizontal-pod-autoscale/</a:t>
-            </a:r>
-          </a:p>
-          <a:p>
-            <a:r>
-              <a:rPr lang="en-US" sz="1200" kern="1200" dirty="0">
-                <a:solidFill>
-                  <a:schemeClr val="tx1"/>
-                </a:solidFill>
-                <a:effectLst/>
-                <a:latin typeface="+mn-lt"/>
-                <a:ea typeface="+mn-ea"/>
-                <a:cs typeface="+mn-cs"/>
-              </a:rPr>
-              <a:t>https://viblo.asia/p/hpa-la-gi-auto-scaling-pod-bang-hpa-va-keda-ByEZkerA5Q0</a:t>
-            </a:r>
+            <a:endParaRPr lang="en-US" sz="1200" kern="1200">
+              <a:solidFill>
+                <a:schemeClr val="tx1"/>
+              </a:solidFill>
+              <a:effectLst/>
+              <a:latin typeface="+mn-lt"/>
+              <a:ea typeface="+mn-ea"/>
+              <a:cs typeface="+mn-cs"/>
+            </a:endParaRPr>
           </a:p>
         </p:txBody>
       </p:sp>
@@ -2761,7 +2496,7 @@
     </p:spTree>
     <p:extLst>
       <p:ext uri="{BB962C8B-B14F-4D97-AF65-F5344CB8AC3E}">
-        <p14:creationId xmlns:p14="http://schemas.microsoft.com/office/powerpoint/2010/main" val="3905237248"/>
+        <p14:creationId xmlns:p14="http://schemas.microsoft.com/office/powerpoint/2010/main" val="2924399598"/>
       </p:ext>
     </p:extLst>
   </p:cSld>
@@ -7772,156 +7507,46 @@
               <a:rPr lang="en-US" sz="3200">
                 <a:cs typeface="Times New Roman" panose="02020603050405020304" pitchFamily="18" charset="0"/>
               </a:rPr>
-              <a:t>3. Kubernetes Components</a:t>
+              <a:t>3. ObaaS components and testing approach</a:t>
             </a:r>
             <a:endParaRPr lang="en-US" sz="3200"/>
           </a:p>
         </p:txBody>
       </p:sp>
-      <p:sp>
-        <p:nvSpPr>
-          <p:cNvPr id="6" name="Content Placeholder 1">
+      <p:pic>
+        <p:nvPicPr>
+          <p:cNvPr id="7" name="Picture 6">
             <a:extLst>
               <a:ext uri="{FF2B5EF4-FFF2-40B4-BE49-F238E27FC236}">
-                <a16:creationId xmlns:a16="http://schemas.microsoft.com/office/drawing/2014/main" id="{084D3E99-250A-4E8D-40ED-A2CAE1244A9B}"/>
+                <a16:creationId xmlns:a16="http://schemas.microsoft.com/office/drawing/2014/main" id="{8A286470-5D0D-4108-AD86-C9D578A18E37}"/>
               </a:ext>
             </a:extLst>
           </p:cNvPr>
-          <p:cNvSpPr>
-            <a:spLocks noGrp="1"/>
-          </p:cNvSpPr>
-          <p:nvPr>
-            <p:ph idx="1"/>
-          </p:nvPr>
-        </p:nvSpPr>
+          <p:cNvPicPr>
+            <a:picLocks noChangeAspect="1"/>
+          </p:cNvPicPr>
+          <p:nvPr/>
+        </p:nvPicPr>
+        <p:blipFill>
+          <a:blip r:embed="rId3"/>
+          <a:stretch>
+            <a:fillRect/>
+          </a:stretch>
+        </p:blipFill>
         <p:spPr>
           <a:xfrm>
-            <a:off x="466579" y="965086"/>
-            <a:ext cx="11714536" cy="4927827"/>
+            <a:off x="2073106" y="798897"/>
+            <a:ext cx="8045787" cy="5608648"/>
           </a:xfrm>
+          <a:prstGeom prst="rect">
+            <a:avLst/>
+          </a:prstGeom>
         </p:spPr>
-        <p:txBody>
-          <a:bodyPr/>
-          <a:lstStyle/>
-          <a:p>
-            <a:r>
-              <a:rPr lang="en-US" b="1">
-                <a:solidFill>
-                  <a:schemeClr val="tx1"/>
-                </a:solidFill>
-                <a:latin typeface="open sans" panose="020B0606030504020204" pitchFamily="34" charset="0"/>
-                <a:ea typeface="open sans" panose="020B0606030504020204" pitchFamily="34" charset="0"/>
-                <a:cs typeface="open sans" panose="020B0606030504020204" pitchFamily="34" charset="0"/>
-              </a:rPr>
-              <a:t>Container Runtime</a:t>
-            </a:r>
-            <a:endParaRPr lang="en-US">
-              <a:solidFill>
-                <a:schemeClr val="tx1"/>
-              </a:solidFill>
-              <a:latin typeface="open sans" panose="020B0606030504020204" pitchFamily="34" charset="0"/>
-              <a:ea typeface="open sans" panose="020B0606030504020204" pitchFamily="34" charset="0"/>
-              <a:cs typeface="open sans" panose="020B0606030504020204" pitchFamily="34" charset="0"/>
-            </a:endParaRPr>
-          </a:p>
-          <a:p>
-            <a:pPr marL="0" indent="0">
-              <a:buNone/>
-            </a:pPr>
-            <a:r>
-              <a:rPr lang="en-US">
-                <a:solidFill>
-                  <a:schemeClr val="tx1"/>
-                </a:solidFill>
-                <a:latin typeface="open sans" panose="020B0606030504020204" pitchFamily="34" charset="0"/>
-                <a:ea typeface="open sans" panose="020B0606030504020204" pitchFamily="34" charset="0"/>
-                <a:cs typeface="open sans" panose="020B0606030504020204" pitchFamily="34" charset="0"/>
-              </a:rPr>
-              <a:t>With respect to Kubernetes, A container runtime is a CRI (Container Runtime Interface) compatible application that executes and manages containers.</a:t>
-            </a:r>
-          </a:p>
-          <a:p>
-            <a:pPr>
-              <a:buFont typeface="Arial" panose="020B0604020202020204" pitchFamily="34" charset="0"/>
-              <a:buChar char="•"/>
-            </a:pPr>
-            <a:r>
-              <a:rPr lang="fr-FR" b="1">
-                <a:solidFill>
-                  <a:schemeClr val="tx1"/>
-                </a:solidFill>
-                <a:latin typeface="open sans" panose="020B0606030504020204" pitchFamily="34" charset="0"/>
-                <a:ea typeface="open sans" panose="020B0606030504020204" pitchFamily="34" charset="0"/>
-                <a:cs typeface="open sans" panose="020B0606030504020204" pitchFamily="34" charset="0"/>
-              </a:rPr>
-              <a:t>containerd</a:t>
-            </a:r>
-          </a:p>
-          <a:p>
-            <a:pPr>
-              <a:buFont typeface="Arial" panose="020B0604020202020204" pitchFamily="34" charset="0"/>
-              <a:buChar char="•"/>
-            </a:pPr>
-            <a:r>
-              <a:rPr lang="fr-FR">
-                <a:solidFill>
-                  <a:schemeClr val="tx1"/>
-                </a:solidFill>
-                <a:latin typeface="open sans" panose="020B0606030504020204" pitchFamily="34" charset="0"/>
-                <a:ea typeface="open sans" panose="020B0606030504020204" pitchFamily="34" charset="0"/>
-                <a:cs typeface="open sans" panose="020B0606030504020204" pitchFamily="34" charset="0"/>
-              </a:rPr>
-              <a:t>CRI-O</a:t>
-            </a:r>
-          </a:p>
-          <a:p>
-            <a:pPr>
-              <a:buFont typeface="Arial" panose="020B0604020202020204" pitchFamily="34" charset="0"/>
-              <a:buChar char="•"/>
-            </a:pPr>
-            <a:r>
-              <a:rPr lang="fr-FR">
-                <a:solidFill>
-                  <a:schemeClr val="tx1"/>
-                </a:solidFill>
-                <a:latin typeface="open sans" panose="020B0606030504020204" pitchFamily="34" charset="0"/>
-                <a:ea typeface="open sans" panose="020B0606030504020204" pitchFamily="34" charset="0"/>
-                <a:cs typeface="open sans" panose="020B0606030504020204" pitchFamily="34" charset="0"/>
-              </a:rPr>
-              <a:t>Docker Engine</a:t>
-            </a:r>
-          </a:p>
-          <a:p>
-            <a:pPr>
-              <a:buFont typeface="Arial" panose="020B0604020202020204" pitchFamily="34" charset="0"/>
-              <a:buChar char="•"/>
-            </a:pPr>
-            <a:r>
-              <a:rPr lang="fr-FR">
-                <a:solidFill>
-                  <a:schemeClr val="tx1"/>
-                </a:solidFill>
-                <a:latin typeface="open sans" panose="020B0606030504020204" pitchFamily="34" charset="0"/>
-                <a:ea typeface="open sans" panose="020B0606030504020204" pitchFamily="34" charset="0"/>
-                <a:cs typeface="open sans" panose="020B0606030504020204" pitchFamily="34" charset="0"/>
-              </a:rPr>
-              <a:t>Mirantis Container Runtime</a:t>
-            </a:r>
-            <a:endParaRPr lang="en-US">
-              <a:solidFill>
-                <a:schemeClr val="tx1"/>
-              </a:solidFill>
-              <a:latin typeface="open sans" panose="020B0606030504020204" pitchFamily="34" charset="0"/>
-              <a:ea typeface="open sans" panose="020B0606030504020204" pitchFamily="34" charset="0"/>
-              <a:cs typeface="open sans" panose="020B0606030504020204" pitchFamily="34" charset="0"/>
-            </a:endParaRPr>
-          </a:p>
-        </p:txBody>
-      </p:sp>
+      </p:pic>
     </p:spTree>
     <p:extLst>
       <p:ext uri="{BB962C8B-B14F-4D97-AF65-F5344CB8AC3E}">
-        <p14:creationId xmlns:p14="http://schemas.microsoft.com/office/powerpoint/2010/main" val="4207197695"/>
+        <p14:creationId xmlns:p14="http://schemas.microsoft.com/office/powerpoint/2010/main" val="1091930360"/>
       </p:ext>
     </p:extLst>
   </p:cSld>
@@ -7969,12 +7594,24 @@
           <a:lstStyle/>
           <a:p>
             <a:r>
-              <a:rPr lang="en-US" sz="3200">
+              <a:rPr lang="en-US" sz="3200" dirty="0">
                 <a:cs typeface="Times New Roman" panose="02020603050405020304" pitchFamily="18" charset="0"/>
               </a:rPr>
-              <a:t>3. Kubernetes Components</a:t>
-            </a:r>
-            <a:endParaRPr lang="en-US" sz="3200"/>
+              <a:t>3. </a:t>
+            </a:r>
+            <a:r>
+              <a:rPr lang="en-US" sz="3200" dirty="0" err="1">
+                <a:cs typeface="Times New Roman" panose="02020603050405020304" pitchFamily="18" charset="0"/>
+              </a:rPr>
+              <a:t>ObaaS</a:t>
+            </a:r>
+            <a:r>
+              <a:rPr lang="en-US" sz="3200" dirty="0">
+                <a:cs typeface="Times New Roman" panose="02020603050405020304" pitchFamily="18" charset="0"/>
+              </a:rPr>
+              <a:t> components</a:t>
+            </a:r>
+            <a:endParaRPr lang="en-US" sz="3200" dirty="0"/>
           </a:p>
         </p:txBody>
       </p:sp>
@@ -7997,15 +7634,18 @@
         <p:spPr>
           <a:xfrm>
             <a:off x="466579" y="965086"/>
-            <a:ext cx="11714536" cy="4927827"/>
+            <a:ext cx="11714536" cy="5320211"/>
           </a:xfrm>
         </p:spPr>
         <p:txBody>
           <a:bodyPr/>
           <a:lstStyle/>
           <a:p>
-            <a:r>
-              <a:rPr lang="en-US" b="1">
+            <a:pPr marL="0" indent="0">
+              <a:buNone/>
+            </a:pPr>
+            <a:r>
+              <a:rPr lang="en-US" b="1" dirty="0">
                 <a:solidFill>
                   <a:schemeClr val="tx1"/>
                 </a:solidFill>
@@ -8013,31 +7653,7 @@
                 <a:ea typeface="open sans" panose="020B0606030504020204" pitchFamily="34" charset="0"/>
                 <a:cs typeface="open sans" panose="020B0606030504020204" pitchFamily="34" charset="0"/>
               </a:rPr>
-              <a:t>Networking - CNI</a:t>
-            </a:r>
-            <a:endParaRPr lang="en-US">
-              <a:solidFill>
-                <a:schemeClr val="tx1"/>
-              </a:solidFill>
-              <a:latin typeface="open sans" panose="020B0606030504020204" pitchFamily="34" charset="0"/>
-              <a:ea typeface="open sans" panose="020B0606030504020204" pitchFamily="34" charset="0"/>
-              <a:cs typeface="open sans" panose="020B0606030504020204" pitchFamily="34" charset="0"/>
-            </a:endParaRPr>
-          </a:p>
-          <a:p>
-            <a:pPr marL="0" indent="0">
-              <a:buNone/>
-            </a:pPr>
-            <a:r>
-              <a:rPr lang="en-US">
-                <a:solidFill>
-                  <a:schemeClr val="tx1"/>
-                </a:solidFill>
-                <a:latin typeface="open sans" panose="020B0606030504020204" pitchFamily="34" charset="0"/>
-                <a:ea typeface="open sans" panose="020B0606030504020204" pitchFamily="34" charset="0"/>
-                <a:cs typeface="open sans" panose="020B0606030504020204" pitchFamily="34" charset="0"/>
-              </a:rPr>
-              <a:t>Networking within Kubernetes is plumbed via the Container Network  Interface (CNI), an interface between a container runtime and a network  implementation plugin.</a:t>
+              <a:t>Components</a:t>
             </a:r>
           </a:p>
           <a:p>
@@ -8046,7 +7662,7 @@
               <a:buChar char="•"/>
             </a:pPr>
             <a:r>
-              <a:rPr lang="en-US" b="1">
+              <a:rPr lang="en-US" dirty="0">
                 <a:solidFill>
                   <a:schemeClr val="tx1"/>
                 </a:solidFill>
@@ -8054,10 +7670,16 @@
                 <a:ea typeface="open sans" panose="020B0606030504020204" pitchFamily="34" charset="0"/>
                 <a:cs typeface="open sans" panose="020B0606030504020204" pitchFamily="34" charset="0"/>
               </a:rPr>
-              <a:t>Flannel</a:t>
-            </a:r>
-            <a:r>
-              <a:rPr lang="en-US">
+              <a:t>Pod : </a:t>
+            </a:r>
+          </a:p>
+          <a:p>
+            <a:pPr lvl="1">
+              <a:buFont typeface="Wingdings" panose="05000000000000000000" pitchFamily="2" charset="2"/>
+              <a:buChar char="§"/>
+            </a:pPr>
+            <a:r>
+              <a:rPr lang="en-US" dirty="0">
                 <a:solidFill>
                   <a:schemeClr val="tx1"/>
                 </a:solidFill>
@@ -8065,16 +7687,147 @@
                 <a:ea typeface="open sans" panose="020B0606030504020204" pitchFamily="34" charset="0"/>
                 <a:cs typeface="open sans" panose="020B0606030504020204" pitchFamily="34" charset="0"/>
               </a:rPr>
-              <a:t>: A simple, lightweight layer 3 fabric for Kubernetes. It is easy to set up and manage, and supports a variety of backend mechanisms.</a:t>
-            </a:r>
-            <a:endParaRPr lang="en-US" sz="2800">
-              <a:solidFill>
-                <a:schemeClr val="tx1"/>
-              </a:solidFill>
-              <a:latin typeface="open sans" panose="020B0606030504020204" pitchFamily="34" charset="0"/>
-              <a:ea typeface="open sans" panose="020B0606030504020204" pitchFamily="34" charset="0"/>
-              <a:cs typeface="open sans" panose="020B0606030504020204" pitchFamily="34" charset="0"/>
-            </a:endParaRPr>
+              <a:t>outbound-campaigns-</a:t>
+            </a:r>
+            <a:r>
+              <a:rPr lang="en-US" dirty="0" err="1">
+                <a:solidFill>
+                  <a:schemeClr val="tx1"/>
+                </a:solidFill>
+                <a:latin typeface="open sans" panose="020B0606030504020204" pitchFamily="34" charset="0"/>
+                <a:ea typeface="open sans" panose="020B0606030504020204" pitchFamily="34" charset="0"/>
+                <a:cs typeface="open sans" panose="020B0606030504020204" pitchFamily="34" charset="0"/>
+              </a:rPr>
+              <a:t>ui</a:t>
+            </a:r>
+            <a:r>
+              <a:rPr lang="en-US" dirty="0">
+                <a:solidFill>
+                  <a:schemeClr val="tx1"/>
+                </a:solidFill>
+                <a:latin typeface="open sans" panose="020B0606030504020204" pitchFamily="34" charset="0"/>
+                <a:ea typeface="open sans" panose="020B0606030504020204" pitchFamily="34" charset="0"/>
+                <a:cs typeface="open sans" panose="020B0606030504020204" pitchFamily="34" charset="0"/>
+              </a:rPr>
+              <a:t>, outbound-campaigns-</a:t>
+            </a:r>
+            <a:r>
+              <a:rPr lang="en-US" dirty="0" err="1">
+                <a:solidFill>
+                  <a:schemeClr val="tx1"/>
+                </a:solidFill>
+                <a:latin typeface="open sans" panose="020B0606030504020204" pitchFamily="34" charset="0"/>
+                <a:ea typeface="open sans" panose="020B0606030504020204" pitchFamily="34" charset="0"/>
+                <a:cs typeface="open sans" panose="020B0606030504020204" pitchFamily="34" charset="0"/>
+              </a:rPr>
+              <a:t>api</a:t>
+            </a:r>
+            <a:r>
+              <a:rPr lang="en-US" dirty="0">
+                <a:solidFill>
+                  <a:schemeClr val="tx1"/>
+                </a:solidFill>
+                <a:latin typeface="open sans" panose="020B0606030504020204" pitchFamily="34" charset="0"/>
+                <a:ea typeface="open sans" panose="020B0606030504020204" pitchFamily="34" charset="0"/>
+                <a:cs typeface="open sans" panose="020B0606030504020204" pitchFamily="34" charset="0"/>
+              </a:rPr>
+              <a:t> (3), outbound-campaigns-actors (3-10)</a:t>
+            </a:r>
+          </a:p>
+          <a:p>
+            <a:pPr lvl="1">
+              <a:buFont typeface="Wingdings" panose="05000000000000000000" pitchFamily="2" charset="2"/>
+              <a:buChar char="§"/>
+            </a:pPr>
+            <a:r>
+              <a:rPr lang="en-US" dirty="0">
+                <a:solidFill>
+                  <a:schemeClr val="tx1"/>
+                </a:solidFill>
+                <a:latin typeface="open sans" panose="020B0606030504020204" pitchFamily="34" charset="0"/>
+                <a:ea typeface="open sans" panose="020B0606030504020204" pitchFamily="34" charset="0"/>
+                <a:cs typeface="open sans" panose="020B0606030504020204" pitchFamily="34" charset="0"/>
+              </a:rPr>
+              <a:t>outbound-contacts-</a:t>
+            </a:r>
+            <a:r>
+              <a:rPr lang="en-US" dirty="0" err="1">
+                <a:solidFill>
+                  <a:schemeClr val="tx1"/>
+                </a:solidFill>
+                <a:latin typeface="open sans" panose="020B0606030504020204" pitchFamily="34" charset="0"/>
+                <a:ea typeface="open sans" panose="020B0606030504020204" pitchFamily="34" charset="0"/>
+                <a:cs typeface="open sans" panose="020B0606030504020204" pitchFamily="34" charset="0"/>
+              </a:rPr>
+              <a:t>ui</a:t>
+            </a:r>
+            <a:r>
+              <a:rPr lang="en-US" dirty="0">
+                <a:solidFill>
+                  <a:schemeClr val="tx1"/>
+                </a:solidFill>
+                <a:latin typeface="open sans" panose="020B0606030504020204" pitchFamily="34" charset="0"/>
+                <a:ea typeface="open sans" panose="020B0606030504020204" pitchFamily="34" charset="0"/>
+                <a:cs typeface="open sans" panose="020B0606030504020204" pitchFamily="34" charset="0"/>
+              </a:rPr>
+              <a:t>, outbound-contacts-</a:t>
+            </a:r>
+            <a:r>
+              <a:rPr lang="en-US" dirty="0" err="1">
+                <a:solidFill>
+                  <a:schemeClr val="tx1"/>
+                </a:solidFill>
+                <a:latin typeface="open sans" panose="020B0606030504020204" pitchFamily="34" charset="0"/>
+                <a:ea typeface="open sans" panose="020B0606030504020204" pitchFamily="34" charset="0"/>
+                <a:cs typeface="open sans" panose="020B0606030504020204" pitchFamily="34" charset="0"/>
+              </a:rPr>
+              <a:t>api</a:t>
+            </a:r>
+            <a:r>
+              <a:rPr lang="en-US" dirty="0">
+                <a:solidFill>
+                  <a:schemeClr val="tx1"/>
+                </a:solidFill>
+                <a:latin typeface="open sans" panose="020B0606030504020204" pitchFamily="34" charset="0"/>
+                <a:ea typeface="open sans" panose="020B0606030504020204" pitchFamily="34" charset="0"/>
+                <a:cs typeface="open sans" panose="020B0606030504020204" pitchFamily="34" charset="0"/>
+              </a:rPr>
+              <a:t> (3), outbound-contacts-actors (3-10)</a:t>
+            </a:r>
+          </a:p>
+          <a:p>
+            <a:pPr lvl="1">
+              <a:buFont typeface="Wingdings" panose="05000000000000000000" pitchFamily="2" charset="2"/>
+              <a:buChar char="§"/>
+            </a:pPr>
+            <a:r>
+              <a:rPr lang="en-US" dirty="0">
+                <a:solidFill>
+                  <a:schemeClr val="tx1"/>
+                </a:solidFill>
+                <a:latin typeface="open sans" panose="020B0606030504020204" pitchFamily="34" charset="0"/>
+                <a:ea typeface="open sans" panose="020B0606030504020204" pitchFamily="34" charset="0"/>
+                <a:cs typeface="open sans" panose="020B0606030504020204" pitchFamily="34" charset="0"/>
+              </a:rPr>
+              <a:t>outbound-provision</a:t>
+            </a:r>
+          </a:p>
+          <a:p>
+            <a:pPr lvl="1">
+              <a:buFont typeface="Wingdings" panose="05000000000000000000" pitchFamily="2" charset="2"/>
+              <a:buChar char="§"/>
+            </a:pPr>
+            <a:r>
+              <a:rPr lang="en-US" dirty="0">
+                <a:solidFill>
+                  <a:schemeClr val="tx1"/>
+                </a:solidFill>
+                <a:latin typeface="open sans" panose="020B0606030504020204" pitchFamily="34" charset="0"/>
+                <a:ea typeface="open sans" panose="020B0606030504020204" pitchFamily="34" charset="0"/>
+                <a:cs typeface="open sans" panose="020B0606030504020204" pitchFamily="34" charset="0"/>
+              </a:rPr>
+              <a:t>outbound-simulators</a:t>
+            </a:r>
           </a:p>
           <a:p>
             <a:pPr>
@@ -8082,7 +7835,7 @@
               <a:buChar char="•"/>
             </a:pPr>
             <a:r>
-              <a:rPr lang="en-US" b="1">
+              <a:rPr lang="en-US" dirty="0">
                 <a:solidFill>
                   <a:schemeClr val="tx1"/>
                 </a:solidFill>
@@ -8090,10 +7843,10 @@
                 <a:ea typeface="open sans" panose="020B0606030504020204" pitchFamily="34" charset="0"/>
                 <a:cs typeface="open sans" panose="020B0606030504020204" pitchFamily="34" charset="0"/>
               </a:rPr>
-              <a:t>Calico</a:t>
-            </a:r>
-            <a:r>
-              <a:rPr lang="en-US">
+              <a:t>Namespace: outbound-campaigns, outbound-contacts, outbound-connectors, outbound-campaign-actors, outbound-contacts-</a:t>
+            </a:r>
+            <a:r>
+              <a:rPr lang="en-US" dirty="0" err="1">
                 <a:solidFill>
                   <a:schemeClr val="tx1"/>
                 </a:solidFill>
@@ -8101,15 +7854,44 @@
                 <a:ea typeface="open sans" panose="020B0606030504020204" pitchFamily="34" charset="0"/>
                 <a:cs typeface="open sans" panose="020B0606030504020204" pitchFamily="34" charset="0"/>
               </a:rPr>
-              <a:t>: A networking and network policy provider for Kubernetes. It offers advanced network administration and security capabilities.</a:t>
-            </a:r>
+              <a:t>actors,outbound</a:t>
+            </a:r>
+            <a:r>
+              <a:rPr lang="en-US" dirty="0">
+                <a:solidFill>
+                  <a:schemeClr val="tx1"/>
+                </a:solidFill>
+                <a:latin typeface="open sans" panose="020B0606030504020204" pitchFamily="34" charset="0"/>
+                <a:ea typeface="open sans" panose="020B0606030504020204" pitchFamily="34" charset="0"/>
+                <a:cs typeface="open sans" panose="020B0606030504020204" pitchFamily="34" charset="0"/>
+              </a:rPr>
+              <a:t>-simulator</a:t>
+            </a:r>
+          </a:p>
+          <a:p>
+            <a:pPr>
+              <a:buFont typeface="Arial" panose="020B0604020202020204" pitchFamily="34" charset="0"/>
+              <a:buChar char="•"/>
+            </a:pPr>
+            <a:r>
+              <a:rPr lang="en-US" dirty="0">
+                <a:solidFill>
+                  <a:schemeClr val="tx1"/>
+                </a:solidFill>
+                <a:latin typeface="open sans" panose="020B0606030504020204" pitchFamily="34" charset="0"/>
+                <a:ea typeface="open sans" panose="020B0606030504020204" pitchFamily="34" charset="0"/>
+                <a:cs typeface="open sans" panose="020B0606030504020204" pitchFamily="34" charset="0"/>
+              </a:rPr>
+              <a:t>Horizontal Pod Autoscaling (HPA): campaign-actors, contact-actors </a:t>
+            </a:r>
+            <a:endParaRPr lang="en-US" dirty="0"/>
           </a:p>
         </p:txBody>
       </p:sp>
     </p:spTree>
     <p:extLst>
       <p:ext uri="{BB962C8B-B14F-4D97-AF65-F5344CB8AC3E}">
-        <p14:creationId xmlns:p14="http://schemas.microsoft.com/office/powerpoint/2010/main" val="3422543822"/>
+        <p14:creationId xmlns:p14="http://schemas.microsoft.com/office/powerpoint/2010/main" val="2396587199"/>
       </p:ext>
     </p:extLst>
   </p:cSld>
@@ -8157,12 +7939,12 @@
           <a:lstStyle/>
           <a:p>
             <a:r>
-              <a:rPr lang="en-US" sz="3200">
+              <a:rPr lang="en-US" sz="3200" dirty="0">
                 <a:cs typeface="Times New Roman" panose="02020603050405020304" pitchFamily="18" charset="0"/>
               </a:rPr>
-              <a:t>3. Kubernetes Components</a:t>
-            </a:r>
-            <a:endParaRPr lang="en-US" sz="3200"/>
+              <a:t>3. Testing approach</a:t>
+            </a:r>
+            <a:endParaRPr lang="en-US" sz="3200" dirty="0"/>
           </a:p>
         </p:txBody>
       </p:sp>
@@ -8185,15 +7967,18 @@
         <p:spPr>
           <a:xfrm>
             <a:off x="466579" y="965086"/>
-            <a:ext cx="11714536" cy="4927827"/>
+            <a:ext cx="11714536" cy="5320211"/>
           </a:xfrm>
         </p:spPr>
         <p:txBody>
           <a:bodyPr/>
           <a:lstStyle/>
           <a:p>
-            <a:r>
-              <a:rPr lang="en-US" b="1">
+            <a:pPr marL="0" indent="0">
+              <a:buNone/>
+            </a:pPr>
+            <a:r>
+              <a:rPr lang="en-US" b="1" dirty="0" err="1">
                 <a:solidFill>
                   <a:schemeClr val="tx1"/>
                 </a:solidFill>
@@ -8201,90 +7986,35 @@
                 <a:ea typeface="open sans" panose="020B0606030504020204" pitchFamily="34" charset="0"/>
                 <a:cs typeface="open sans" panose="020B0606030504020204" pitchFamily="34" charset="0"/>
               </a:rPr>
-              <a:t>Objects In Kubernetes</a:t>
-            </a:r>
-          </a:p>
-          <a:p>
-            <a:pPr marL="0" indent="0" algn="l">
-              <a:buNone/>
-            </a:pPr>
-            <a:r>
-              <a:rPr lang="en-US" b="0" i="1">
-                <a:solidFill>
-                  <a:schemeClr val="tx1"/>
-                </a:solidFill>
-                <a:effectLst/>
+              <a:t>Obaas</a:t>
+            </a:r>
+            <a:r>
+              <a:rPr lang="en-US" b="1" dirty="0">
+                <a:solidFill>
+                  <a:schemeClr val="tx1"/>
+                </a:solidFill>
                 <a:latin typeface="open sans" panose="020B0606030504020204" pitchFamily="34" charset="0"/>
                 <a:ea typeface="open sans" panose="020B0606030504020204" pitchFamily="34" charset="0"/>
                 <a:cs typeface="open sans" panose="020B0606030504020204" pitchFamily="34" charset="0"/>
               </a:rPr>
-              <a:t>Kubernetes objects</a:t>
-            </a:r>
-            <a:r>
-              <a:rPr lang="en-US" b="0" i="0">
-                <a:solidFill>
-                  <a:schemeClr val="tx1"/>
-                </a:solidFill>
-                <a:effectLst/>
+              <a:t> design approach</a:t>
+            </a:r>
+          </a:p>
+          <a:p>
+            <a:pPr>
+              <a:buFont typeface="Arial" panose="020B0604020202020204" pitchFamily="34" charset="0"/>
+              <a:buChar char="•"/>
+            </a:pPr>
+            <a:r>
+              <a:rPr lang="en-US" dirty="0">
+                <a:solidFill>
+                  <a:schemeClr val="tx1"/>
+                </a:solidFill>
                 <a:latin typeface="open sans" panose="020B0606030504020204" pitchFamily="34" charset="0"/>
                 <a:ea typeface="open sans" panose="020B0606030504020204" pitchFamily="34" charset="0"/>
                 <a:cs typeface="open sans" panose="020B0606030504020204" pitchFamily="34" charset="0"/>
               </a:rPr>
-              <a:t> are persistent entities in the Kubernetes system. Kubernetes uses these entities to represent the state of your cluster. Specifically, they can describe:</a:t>
-            </a:r>
-          </a:p>
-          <a:p>
-            <a:pPr algn="l">
-              <a:buFont typeface="Arial" panose="020B0604020202020204" pitchFamily="34" charset="0"/>
-              <a:buChar char="•"/>
-            </a:pPr>
-            <a:r>
-              <a:rPr lang="en-US" b="0" i="0">
-                <a:solidFill>
-                  <a:schemeClr val="tx1"/>
-                </a:solidFill>
-                <a:effectLst/>
-                <a:latin typeface="open sans" panose="020B0606030504020204" pitchFamily="34" charset="0"/>
-                <a:ea typeface="open sans" panose="020B0606030504020204" pitchFamily="34" charset="0"/>
-                <a:cs typeface="open sans" panose="020B0606030504020204" pitchFamily="34" charset="0"/>
-              </a:rPr>
-              <a:t>What containerized applications are running (and on which nodes)</a:t>
-            </a:r>
-          </a:p>
-          <a:p>
-            <a:pPr algn="l">
-              <a:buFont typeface="Arial" panose="020B0604020202020204" pitchFamily="34" charset="0"/>
-              <a:buChar char="•"/>
-            </a:pPr>
-            <a:r>
-              <a:rPr lang="en-US" b="0" i="0">
-                <a:solidFill>
-                  <a:schemeClr val="tx1"/>
-                </a:solidFill>
-                <a:effectLst/>
-                <a:latin typeface="open sans" panose="020B0606030504020204" pitchFamily="34" charset="0"/>
-                <a:ea typeface="open sans" panose="020B0606030504020204" pitchFamily="34" charset="0"/>
-                <a:cs typeface="open sans" panose="020B0606030504020204" pitchFamily="34" charset="0"/>
-              </a:rPr>
-              <a:t>The resources available to those applications</a:t>
-            </a:r>
-          </a:p>
-          <a:p>
-            <a:pPr algn="l">
-              <a:buFont typeface="Arial" panose="020B0604020202020204" pitchFamily="34" charset="0"/>
-              <a:buChar char="•"/>
-            </a:pPr>
-            <a:r>
-              <a:rPr lang="en-US" b="0" i="0">
-                <a:solidFill>
-                  <a:schemeClr val="tx1"/>
-                </a:solidFill>
-                <a:effectLst/>
-                <a:latin typeface="open sans" panose="020B0606030504020204" pitchFamily="34" charset="0"/>
-                <a:ea typeface="open sans" panose="020B0606030504020204" pitchFamily="34" charset="0"/>
-                <a:cs typeface="open sans" panose="020B0606030504020204" pitchFamily="34" charset="0"/>
-              </a:rPr>
-              <a:t>The policies around how those applications behave, such as restart policies, upgrades, and fault-tolerance</a:t>
+              <a:t>Pod working : </a:t>
             </a:r>
           </a:p>
           <a:p>
@@ -8292,20 +8022,202 @@
               <a:buFont typeface="Wingdings" panose="05000000000000000000" pitchFamily="2" charset="2"/>
               <a:buChar char="§"/>
             </a:pPr>
-            <a:endParaRPr lang="en-US">
-              <a:solidFill>
-                <a:schemeClr val="accent1">
-                  <a:lumMod val="75000"/>
-                </a:schemeClr>
-              </a:solidFill>
-            </a:endParaRPr>
+            <a:r>
+              <a:rPr lang="en-US" dirty="0">
+                <a:solidFill>
+                  <a:schemeClr val="tx1"/>
+                </a:solidFill>
+                <a:latin typeface="open sans" panose="020B0606030504020204" pitchFamily="34" charset="0"/>
+                <a:ea typeface="open sans" panose="020B0606030504020204" pitchFamily="34" charset="0"/>
+                <a:cs typeface="open sans" panose="020B0606030504020204" pitchFamily="34" charset="0"/>
+              </a:rPr>
+              <a:t>Each pod runs independently</a:t>
+            </a:r>
+          </a:p>
+          <a:p>
+            <a:pPr lvl="1">
+              <a:buFont typeface="Wingdings" panose="05000000000000000000" pitchFamily="2" charset="2"/>
+              <a:buChar char="§"/>
+            </a:pPr>
+            <a:r>
+              <a:rPr lang="en-US" dirty="0">
+                <a:solidFill>
+                  <a:schemeClr val="tx1"/>
+                </a:solidFill>
+                <a:latin typeface="open sans" panose="020B0606030504020204" pitchFamily="34" charset="0"/>
+                <a:ea typeface="open sans" panose="020B0606030504020204" pitchFamily="34" charset="0"/>
+                <a:cs typeface="open sans" panose="020B0606030504020204" pitchFamily="34" charset="0"/>
+              </a:rPr>
+              <a:t>Each service can operate independently</a:t>
+            </a:r>
+          </a:p>
+          <a:p>
+            <a:pPr lvl="1">
+              <a:buFont typeface="Wingdings" panose="05000000000000000000" pitchFamily="2" charset="2"/>
+              <a:buChar char="§"/>
+            </a:pPr>
+            <a:r>
+              <a:rPr lang="en-US" dirty="0">
+                <a:solidFill>
+                  <a:schemeClr val="tx1"/>
+                </a:solidFill>
+                <a:latin typeface="open sans" panose="020B0606030504020204" pitchFamily="34" charset="0"/>
+                <a:ea typeface="open sans" panose="020B0606030504020204" pitchFamily="34" charset="0"/>
+                <a:cs typeface="open sans" panose="020B0606030504020204" pitchFamily="34" charset="0"/>
+              </a:rPr>
+              <a:t>If the </a:t>
+            </a:r>
+            <a:r>
+              <a:rPr lang="en-US" dirty="0" err="1">
+                <a:solidFill>
+                  <a:schemeClr val="tx1"/>
+                </a:solidFill>
+                <a:latin typeface="open sans" panose="020B0606030504020204" pitchFamily="34" charset="0"/>
+                <a:ea typeface="open sans" panose="020B0606030504020204" pitchFamily="34" charset="0"/>
+                <a:cs typeface="open sans" panose="020B0606030504020204" pitchFamily="34" charset="0"/>
+              </a:rPr>
+              <a:t>ui</a:t>
+            </a:r>
+            <a:r>
+              <a:rPr lang="en-US" dirty="0">
+                <a:solidFill>
+                  <a:schemeClr val="tx1"/>
+                </a:solidFill>
+                <a:latin typeface="open sans" panose="020B0606030504020204" pitchFamily="34" charset="0"/>
+                <a:ea typeface="open sans" panose="020B0606030504020204" pitchFamily="34" charset="0"/>
+                <a:cs typeface="open sans" panose="020B0606030504020204" pitchFamily="34" charset="0"/>
+              </a:rPr>
+              <a:t> service is down, it means the </a:t>
+            </a:r>
+            <a:r>
+              <a:rPr lang="en-US" dirty="0" err="1">
+                <a:solidFill>
+                  <a:schemeClr val="tx1"/>
+                </a:solidFill>
+                <a:latin typeface="open sans" panose="020B0606030504020204" pitchFamily="34" charset="0"/>
+                <a:ea typeface="open sans" panose="020B0606030504020204" pitchFamily="34" charset="0"/>
+                <a:cs typeface="open sans" panose="020B0606030504020204" pitchFamily="34" charset="0"/>
+              </a:rPr>
+              <a:t>ui</a:t>
+            </a:r>
+            <a:r>
+              <a:rPr lang="en-US" dirty="0">
+                <a:solidFill>
+                  <a:schemeClr val="tx1"/>
+                </a:solidFill>
+                <a:latin typeface="open sans" panose="020B0606030504020204" pitchFamily="34" charset="0"/>
+                <a:ea typeface="open sans" panose="020B0606030504020204" pitchFamily="34" charset="0"/>
+                <a:cs typeface="open sans" panose="020B0606030504020204" pitchFamily="34" charset="0"/>
+              </a:rPr>
+              <a:t> is not accessible but the backend service is still working normally. And vice versa.</a:t>
+            </a:r>
+          </a:p>
+          <a:p>
+            <a:pPr lvl="1">
+              <a:buFont typeface="Wingdings" panose="05000000000000000000" pitchFamily="2" charset="2"/>
+              <a:buChar char="§"/>
+            </a:pPr>
+            <a:r>
+              <a:rPr lang="en-US" dirty="0">
+                <a:solidFill>
+                  <a:schemeClr val="tx1"/>
+                </a:solidFill>
+                <a:latin typeface="open sans" panose="020B0606030504020204" pitchFamily="34" charset="0"/>
+                <a:ea typeface="open sans" panose="020B0606030504020204" pitchFamily="34" charset="0"/>
+                <a:cs typeface="open sans" panose="020B0606030504020204" pitchFamily="34" charset="0"/>
+              </a:rPr>
+              <a:t>The backend uses Spring Boot implementing the </a:t>
+            </a:r>
+            <a:r>
+              <a:rPr lang="en-US" dirty="0" err="1">
+                <a:solidFill>
+                  <a:schemeClr val="tx1"/>
+                </a:solidFill>
+                <a:latin typeface="open sans" panose="020B0606030504020204" pitchFamily="34" charset="0"/>
+                <a:ea typeface="open sans" panose="020B0606030504020204" pitchFamily="34" charset="0"/>
+                <a:cs typeface="open sans" panose="020B0606030504020204" pitchFamily="34" charset="0"/>
+              </a:rPr>
+              <a:t>Akka</a:t>
+            </a:r>
+            <a:r>
+              <a:rPr lang="en-US" dirty="0">
+                <a:solidFill>
+                  <a:schemeClr val="tx1"/>
+                </a:solidFill>
+                <a:latin typeface="open sans" panose="020B0606030504020204" pitchFamily="34" charset="0"/>
+                <a:ea typeface="open sans" panose="020B0606030504020204" pitchFamily="34" charset="0"/>
+                <a:cs typeface="open sans" panose="020B0606030504020204" pitchFamily="34" charset="0"/>
+              </a:rPr>
+              <a:t> framework. When we need to work with a large amount of task, the </a:t>
+            </a:r>
+            <a:r>
+              <a:rPr lang="en-US" dirty="0" err="1">
+                <a:solidFill>
+                  <a:schemeClr val="tx1"/>
+                </a:solidFill>
+                <a:latin typeface="open sans" panose="020B0606030504020204" pitchFamily="34" charset="0"/>
+                <a:ea typeface="open sans" panose="020B0606030504020204" pitchFamily="34" charset="0"/>
+                <a:cs typeface="open sans" panose="020B0606030504020204" pitchFamily="34" charset="0"/>
+              </a:rPr>
+              <a:t>api</a:t>
+            </a:r>
+            <a:r>
+              <a:rPr lang="en-US" dirty="0">
+                <a:solidFill>
+                  <a:schemeClr val="tx1"/>
+                </a:solidFill>
+                <a:latin typeface="open sans" panose="020B0606030504020204" pitchFamily="34" charset="0"/>
+                <a:ea typeface="open sans" panose="020B0606030504020204" pitchFamily="34" charset="0"/>
+                <a:cs typeface="open sans" panose="020B0606030504020204" pitchFamily="34" charset="0"/>
+              </a:rPr>
+              <a:t> will plan operations and assign them to processing actors. The actors will follow the plan and handle the requests. </a:t>
+            </a:r>
+          </a:p>
+          <a:p>
+            <a:pPr lvl="1">
+              <a:buFont typeface="Wingdings" panose="05000000000000000000" pitchFamily="2" charset="2"/>
+              <a:buChar char="§"/>
+            </a:pPr>
+            <a:r>
+              <a:rPr lang="en-US" dirty="0">
+                <a:solidFill>
+                  <a:schemeClr val="tx1"/>
+                </a:solidFill>
+                <a:latin typeface="open sans" panose="020B0606030504020204" pitchFamily="34" charset="0"/>
+                <a:ea typeface="open sans" panose="020B0606030504020204" pitchFamily="34" charset="0"/>
+                <a:cs typeface="open sans" panose="020B0606030504020204" pitchFamily="34" charset="0"/>
+              </a:rPr>
+              <a:t>When the </a:t>
+            </a:r>
+            <a:r>
+              <a:rPr lang="en-US" dirty="0" err="1">
+                <a:solidFill>
+                  <a:schemeClr val="tx1"/>
+                </a:solidFill>
+                <a:latin typeface="open sans" panose="020B0606030504020204" pitchFamily="34" charset="0"/>
+                <a:ea typeface="open sans" panose="020B0606030504020204" pitchFamily="34" charset="0"/>
+                <a:cs typeface="open sans" panose="020B0606030504020204" pitchFamily="34" charset="0"/>
+              </a:rPr>
+              <a:t>api</a:t>
+            </a:r>
+            <a:r>
+              <a:rPr lang="en-US" dirty="0">
+                <a:solidFill>
+                  <a:schemeClr val="tx1"/>
+                </a:solidFill>
+                <a:latin typeface="open sans" panose="020B0606030504020204" pitchFamily="34" charset="0"/>
+                <a:ea typeface="open sans" panose="020B0606030504020204" pitchFamily="34" charset="0"/>
+                <a:cs typeface="open sans" panose="020B0606030504020204" pitchFamily="34" charset="0"/>
+              </a:rPr>
+              <a:t> is down, the backend becomes inaccessible. Once the API is running, the backend will also be available to access.</a:t>
+            </a:r>
           </a:p>
         </p:txBody>
       </p:sp>
     </p:spTree>
     <p:extLst>
       <p:ext uri="{BB962C8B-B14F-4D97-AF65-F5344CB8AC3E}">
-        <p14:creationId xmlns:p14="http://schemas.microsoft.com/office/powerpoint/2010/main" val="952607112"/>
+        <p14:creationId xmlns:p14="http://schemas.microsoft.com/office/powerpoint/2010/main" val="4214394714"/>
       </p:ext>
     </p:extLst>
   </p:cSld>
@@ -8353,12 +8265,12 @@
           <a:lstStyle/>
           <a:p>
             <a:r>
-              <a:rPr lang="en-US" sz="3200">
+              <a:rPr lang="en-US" sz="3200" dirty="0">
                 <a:cs typeface="Times New Roman" panose="02020603050405020304" pitchFamily="18" charset="0"/>
               </a:rPr>
-              <a:t>3. Kubernetes Components</a:t>
-            </a:r>
-            <a:endParaRPr lang="en-US" sz="3200"/>
+              <a:t>3. Testing approach</a:t>
+            </a:r>
+            <a:endParaRPr lang="en-US" sz="3200" dirty="0"/>
           </a:p>
         </p:txBody>
       </p:sp>
@@ -8381,15 +8293,18 @@
         <p:spPr>
           <a:xfrm>
             <a:off x="466579" y="965086"/>
-            <a:ext cx="11714536" cy="4927827"/>
+            <a:ext cx="11714536" cy="5320211"/>
           </a:xfrm>
         </p:spPr>
         <p:txBody>
           <a:bodyPr/>
           <a:lstStyle/>
           <a:p>
-            <a:r>
-              <a:rPr lang="en-US" b="1">
+            <a:pPr marL="0" indent="0">
+              <a:buNone/>
+            </a:pPr>
+            <a:r>
+              <a:rPr lang="en-US" b="1" dirty="0" err="1">
                 <a:solidFill>
                   <a:schemeClr val="tx1"/>
                 </a:solidFill>
@@ -8397,7 +8312,35 @@
                 <a:ea typeface="open sans" panose="020B0606030504020204" pitchFamily="34" charset="0"/>
                 <a:cs typeface="open sans" panose="020B0606030504020204" pitchFamily="34" charset="0"/>
               </a:rPr>
-              <a:t>Objects In Kubernetes</a:t>
+              <a:t>Obaas</a:t>
+            </a:r>
+            <a:r>
+              <a:rPr lang="en-US" b="1" dirty="0">
+                <a:solidFill>
+                  <a:schemeClr val="tx1"/>
+                </a:solidFill>
+                <a:latin typeface="open sans" panose="020B0606030504020204" pitchFamily="34" charset="0"/>
+                <a:ea typeface="open sans" panose="020B0606030504020204" pitchFamily="34" charset="0"/>
+                <a:cs typeface="open sans" panose="020B0606030504020204" pitchFamily="34" charset="0"/>
+              </a:rPr>
+              <a:t> design approach</a:t>
+            </a:r>
+          </a:p>
+          <a:p>
+            <a:pPr>
+              <a:buFont typeface="Arial" panose="020B0604020202020204" pitchFamily="34" charset="0"/>
+              <a:buChar char="•"/>
+            </a:pPr>
+            <a:r>
+              <a:rPr lang="en-US" dirty="0">
+                <a:solidFill>
+                  <a:schemeClr val="tx1"/>
+                </a:solidFill>
+                <a:latin typeface="open sans" panose="020B0606030504020204" pitchFamily="34" charset="0"/>
+                <a:ea typeface="open sans" panose="020B0606030504020204" pitchFamily="34" charset="0"/>
+                <a:cs typeface="open sans" panose="020B0606030504020204" pitchFamily="34" charset="0"/>
+              </a:rPr>
+              <a:t>Pod working : </a:t>
             </a:r>
           </a:p>
           <a:p>
@@ -8405,50 +8348,75 @@
               <a:buFont typeface="Wingdings" panose="05000000000000000000" pitchFamily="2" charset="2"/>
               <a:buChar char="§"/>
             </a:pPr>
-            <a:endParaRPr lang="en-US">
-              <a:solidFill>
-                <a:schemeClr val="accent1">
-                  <a:lumMod val="75000"/>
-                </a:schemeClr>
-              </a:solidFill>
-            </a:endParaRPr>
-          </a:p>
-        </p:txBody>
-      </p:sp>
-      <p:pic>
-        <p:nvPicPr>
-          <p:cNvPr id="3" name="Picture 2">
-            <a:extLst>
-              <a:ext uri="{FF2B5EF4-FFF2-40B4-BE49-F238E27FC236}">
-                <a16:creationId xmlns:a16="http://schemas.microsoft.com/office/drawing/2014/main" id="{1C1AFA4F-133F-607B-4D61-6626F70F6447}"/>
-              </a:ext>
-            </a:extLst>
-          </p:cNvPr>
-          <p:cNvPicPr>
-            <a:picLocks noChangeAspect="1"/>
-          </p:cNvPicPr>
-          <p:nvPr/>
-        </p:nvPicPr>
-        <p:blipFill>
-          <a:blip r:embed="rId3"/>
-          <a:stretch>
-            <a:fillRect/>
-          </a:stretch>
-        </p:blipFill>
-        <p:spPr>
-          <a:xfrm>
-            <a:off x="1905703" y="1681316"/>
-            <a:ext cx="8380593" cy="4661873"/>
-          </a:xfrm>
-          <a:prstGeom prst="rect">
-            <a:avLst/>
-          </a:prstGeom>
-        </p:spPr>
-      </p:pic>
+            <a:r>
+              <a:rPr lang="en-US" dirty="0">
+                <a:solidFill>
+                  <a:schemeClr val="tx1"/>
+                </a:solidFill>
+                <a:latin typeface="open sans" panose="020B0606030504020204" pitchFamily="34" charset="0"/>
+                <a:ea typeface="open sans" panose="020B0606030504020204" pitchFamily="34" charset="0"/>
+                <a:cs typeface="open sans" panose="020B0606030504020204" pitchFamily="34" charset="0"/>
+              </a:rPr>
+              <a:t>The larger the number of actors, the more jobs can be performed in the queue. </a:t>
+            </a:r>
+          </a:p>
+          <a:p>
+            <a:pPr lvl="1">
+              <a:buFont typeface="Wingdings" panose="05000000000000000000" pitchFamily="2" charset="2"/>
+              <a:buChar char="§"/>
+            </a:pPr>
+            <a:r>
+              <a:rPr lang="en-US" dirty="0">
+                <a:solidFill>
+                  <a:schemeClr val="tx1"/>
+                </a:solidFill>
+                <a:latin typeface="open sans" panose="020B0606030504020204" pitchFamily="34" charset="0"/>
+                <a:ea typeface="open sans" panose="020B0606030504020204" pitchFamily="34" charset="0"/>
+                <a:cs typeface="open sans" panose="020B0606030504020204" pitchFamily="34" charset="0"/>
+              </a:rPr>
+              <a:t>If there is no actor then the job is pending, when the actor returns then the job will continue.</a:t>
+            </a:r>
+          </a:p>
+          <a:p>
+            <a:pPr lvl="1">
+              <a:buFont typeface="Wingdings" panose="05000000000000000000" pitchFamily="2" charset="2"/>
+              <a:buChar char="§"/>
+            </a:pPr>
+            <a:r>
+              <a:rPr lang="en-US" dirty="0">
+                <a:solidFill>
+                  <a:schemeClr val="tx1"/>
+                </a:solidFill>
+                <a:latin typeface="open sans" panose="020B0606030504020204" pitchFamily="34" charset="0"/>
+                <a:ea typeface="open sans" panose="020B0606030504020204" pitchFamily="34" charset="0"/>
+                <a:cs typeface="open sans" panose="020B0606030504020204" pitchFamily="34" charset="0"/>
+              </a:rPr>
+              <a:t>Campaign uses pace to determine the amount of processing, e.g. 40 SMS/s, 10 Calls/s</a:t>
+            </a:r>
+          </a:p>
+          <a:p>
+            <a:pPr lvl="1">
+              <a:buFont typeface="Wingdings" panose="05000000000000000000" pitchFamily="2" charset="2"/>
+              <a:buChar char="§"/>
+            </a:pPr>
+            <a:r>
+              <a:rPr lang="en-US" dirty="0">
+                <a:solidFill>
+                  <a:schemeClr val="tx1"/>
+                </a:solidFill>
+                <a:latin typeface="open sans" panose="020B0606030504020204" pitchFamily="34" charset="0"/>
+                <a:ea typeface="open sans" panose="020B0606030504020204" pitchFamily="34" charset="0"/>
+                <a:cs typeface="open sans" panose="020B0606030504020204" pitchFamily="34" charset="0"/>
+              </a:rPr>
+              <a:t>Contacts use maximum actor's capacity to process imported contacts.</a:t>
+            </a:r>
+          </a:p>
+        </p:txBody>
+      </p:sp>
     </p:spTree>
     <p:extLst>
       <p:ext uri="{BB962C8B-B14F-4D97-AF65-F5344CB8AC3E}">
-        <p14:creationId xmlns:p14="http://schemas.microsoft.com/office/powerpoint/2010/main" val="2860738043"/>
+        <p14:creationId xmlns:p14="http://schemas.microsoft.com/office/powerpoint/2010/main" val="209826009"/>
       </p:ext>
     </p:extLst>
   </p:cSld>
@@ -8496,16 +8464,12 @@
           <a:lstStyle/>
           <a:p>
             <a:r>
-              <a:rPr lang="en-US" sz="3200">
+              <a:rPr lang="en-US" sz="3200" dirty="0">
                 <a:cs typeface="Times New Roman" panose="02020603050405020304" pitchFamily="18" charset="0"/>
               </a:rPr>
-              <a:t>4. </a:t>
-            </a:r>
-            <a:r>
-              <a:rPr lang="en-US" sz="3200" b="1"/>
-              <a:t>Install Kubernetes on Ubuntu Server</a:t>
-            </a:r>
-            <a:endParaRPr lang="en-US" sz="3200"/>
+              <a:t>3. Testing approach</a:t>
+            </a:r>
+            <a:endParaRPr lang="en-US" sz="3200" dirty="0"/>
           </a:p>
         </p:txBody>
       </p:sp>
@@ -8528,19 +8492,46 @@
         <p:spPr>
           <a:xfrm>
             <a:off x="466579" y="965086"/>
-            <a:ext cx="11714536" cy="4927827"/>
+            <a:ext cx="11714536" cy="5320211"/>
           </a:xfrm>
         </p:spPr>
         <p:txBody>
           <a:bodyPr/>
           <a:lstStyle/>
+          <a:p>
+            <a:pPr marL="0" indent="0">
+              <a:buNone/>
+            </a:pPr>
+            <a:r>
+              <a:rPr lang="en-US" b="1" dirty="0" err="1">
+                <a:solidFill>
+                  <a:schemeClr val="tx1"/>
+                </a:solidFill>
+                <a:latin typeface="open sans" panose="020B0606030504020204" pitchFamily="34" charset="0"/>
+                <a:ea typeface="open sans" panose="020B0606030504020204" pitchFamily="34" charset="0"/>
+                <a:cs typeface="open sans" panose="020B0606030504020204" pitchFamily="34" charset="0"/>
+              </a:rPr>
+              <a:t>Obaas</a:t>
+            </a:r>
+            <a:r>
+              <a:rPr lang="en-US" b="1" dirty="0">
+                <a:solidFill>
+                  <a:schemeClr val="tx1"/>
+                </a:solidFill>
+                <a:latin typeface="open sans" panose="020B0606030504020204" pitchFamily="34" charset="0"/>
+                <a:ea typeface="open sans" panose="020B0606030504020204" pitchFamily="34" charset="0"/>
+                <a:cs typeface="open sans" panose="020B0606030504020204" pitchFamily="34" charset="0"/>
+              </a:rPr>
+              <a:t> design approach</a:t>
+            </a:r>
+          </a:p>
           <a:p>
             <a:pPr>
               <a:buFont typeface="Arial" panose="020B0604020202020204" pitchFamily="34" charset="0"/>
               <a:buChar char="•"/>
             </a:pPr>
             <a:r>
-              <a:rPr lang="en-US">
+              <a:rPr lang="en-US" dirty="0">
                 <a:solidFill>
                   <a:schemeClr val="tx1"/>
                 </a:solidFill>
@@ -8548,143 +8539,49 @@
                 <a:ea typeface="open sans" panose="020B0606030504020204" pitchFamily="34" charset="0"/>
                 <a:cs typeface="open sans" panose="020B0606030504020204" pitchFamily="34" charset="0"/>
               </a:rPr>
-              <a:t>GNU/Linux - Ubuntu server</a:t>
-            </a:r>
-          </a:p>
-          <a:p>
-            <a:pPr>
-              <a:buFont typeface="Arial" panose="020B0604020202020204" pitchFamily="34" charset="0"/>
-              <a:buChar char="•"/>
+              <a:t>HPA: </a:t>
+            </a:r>
+          </a:p>
+          <a:p>
+            <a:pPr lvl="1">
+              <a:buFont typeface="Wingdings" panose="05000000000000000000" pitchFamily="2" charset="2"/>
+              <a:buChar char="§"/>
             </a:pPr>
             <a:r>
-              <a:rPr lang="en-US">
-                <a:solidFill>
-                  <a:srgbClr val="222222"/>
+              <a:rPr lang="en-US" dirty="0">
+                <a:solidFill>
+                  <a:schemeClr val="tx1"/>
                 </a:solidFill>
                 <a:latin typeface="open sans" panose="020B0606030504020204" pitchFamily="34" charset="0"/>
-              </a:rPr>
-              <a:t>Set hostname of Each Node</a:t>
-            </a:r>
-          </a:p>
-          <a:p>
-            <a:pPr>
-              <a:buFont typeface="Arial" panose="020B0604020202020204" pitchFamily="34" charset="0"/>
-              <a:buChar char="•"/>
+                <a:ea typeface="open sans" panose="020B0606030504020204" pitchFamily="34" charset="0"/>
+                <a:cs typeface="open sans" panose="020B0606030504020204" pitchFamily="34" charset="0"/>
+              </a:rPr>
+              <a:t>HPA enable for actors.</a:t>
+            </a:r>
+          </a:p>
+          <a:p>
+            <a:pPr lvl="1">
+              <a:buFont typeface="Wingdings" panose="05000000000000000000" pitchFamily="2" charset="2"/>
+              <a:buChar char="§"/>
             </a:pPr>
             <a:r>
-              <a:rPr lang="en-US">
-                <a:solidFill>
-                  <a:srgbClr val="222222"/>
+              <a:rPr lang="en-US" dirty="0">
+                <a:solidFill>
+                  <a:schemeClr val="tx1"/>
                 </a:solidFill>
                 <a:latin typeface="open sans" panose="020B0606030504020204" pitchFamily="34" charset="0"/>
-              </a:rPr>
-              <a:t>Disable swap and Add Kernel Modules</a:t>
-            </a:r>
-          </a:p>
-          <a:p>
-            <a:pPr>
-              <a:buFont typeface="Arial" panose="020B0604020202020204" pitchFamily="34" charset="0"/>
-              <a:buChar char="•"/>
-            </a:pPr>
-            <a:r>
-              <a:rPr lang="en-US">
-                <a:solidFill>
-                  <a:srgbClr val="222222"/>
-                </a:solidFill>
-                <a:latin typeface="open sans" panose="020B0606030504020204" pitchFamily="34" charset="0"/>
-              </a:rPr>
-              <a:t>Install Containerd Runtime on All Nodes</a:t>
-            </a:r>
-          </a:p>
-          <a:p>
-            <a:pPr>
-              <a:buFont typeface="Arial" panose="020B0604020202020204" pitchFamily="34" charset="0"/>
-              <a:buChar char="•"/>
-            </a:pPr>
-            <a:r>
-              <a:rPr lang="en-US">
-                <a:solidFill>
-                  <a:srgbClr val="222222"/>
-                </a:solidFill>
-                <a:latin typeface="open sans" panose="020B0606030504020204" pitchFamily="34" charset="0"/>
-              </a:rPr>
-              <a:t>Install Kubectl, kubelet and kubeadm on all nodes</a:t>
-            </a:r>
-          </a:p>
-          <a:p>
-            <a:pPr>
-              <a:buFont typeface="Arial" panose="020B0604020202020204" pitchFamily="34" charset="0"/>
-              <a:buChar char="•"/>
-            </a:pPr>
-            <a:r>
-              <a:rPr lang="en-US">
-                <a:solidFill>
-                  <a:srgbClr val="222222"/>
-                </a:solidFill>
-                <a:latin typeface="open sans" panose="020B0606030504020204" pitchFamily="34" charset="0"/>
-              </a:rPr>
-              <a:t>Install Kubernetes Cluster using kubeadm</a:t>
-            </a:r>
-          </a:p>
-          <a:p>
-            <a:pPr>
-              <a:buFont typeface="Arial" panose="020B0604020202020204" pitchFamily="34" charset="0"/>
-              <a:buChar char="•"/>
-            </a:pPr>
-            <a:r>
-              <a:rPr lang="en-US">
-                <a:solidFill>
-                  <a:srgbClr val="222222"/>
-                </a:solidFill>
-                <a:latin typeface="open sans" panose="020B0606030504020204" pitchFamily="34" charset="0"/>
-              </a:rPr>
-              <a:t>Add Worker Nodes to Kubernetes Cluster</a:t>
-            </a:r>
-          </a:p>
-          <a:p>
-            <a:pPr>
-              <a:buFont typeface="Arial" panose="020B0604020202020204" pitchFamily="34" charset="0"/>
-              <a:buChar char="•"/>
-            </a:pPr>
-            <a:r>
-              <a:rPr lang="en-US">
-                <a:solidFill>
-                  <a:srgbClr val="222222"/>
-                </a:solidFill>
-                <a:latin typeface="open sans" panose="020B0606030504020204" pitchFamily="34" charset="0"/>
-              </a:rPr>
-              <a:t>Deploy Calico Pod Network Add-on</a:t>
-            </a:r>
-          </a:p>
-          <a:p>
-            <a:pPr>
-              <a:buFont typeface="Arial" panose="020B0604020202020204" pitchFamily="34" charset="0"/>
-              <a:buChar char="•"/>
-            </a:pPr>
-            <a:r>
-              <a:rPr lang="en-US">
-                <a:solidFill>
-                  <a:srgbClr val="222222"/>
-                </a:solidFill>
-                <a:latin typeface="open sans" panose="020B0606030504020204" pitchFamily="34" charset="0"/>
-              </a:rPr>
-              <a:t>Test and Verify Kubernetes Cluster Installation</a:t>
-            </a:r>
-          </a:p>
-          <a:p>
-            <a:endParaRPr lang="en-US">
-              <a:solidFill>
-                <a:srgbClr val="222222"/>
-              </a:solidFill>
-              <a:latin typeface="open sans" panose="020B0606030504020204" pitchFamily="34" charset="0"/>
-            </a:endParaRPr>
+                <a:ea typeface="open sans" panose="020B0606030504020204" pitchFamily="34" charset="0"/>
+                <a:cs typeface="open sans" panose="020B0606030504020204" pitchFamily="34" charset="0"/>
+              </a:rPr>
+              <a:t>Start with 3 pods and maximum 10 pods.</a:t>
+            </a:r>
           </a:p>
         </p:txBody>
       </p:sp>
     </p:spTree>
     <p:extLst>
       <p:ext uri="{BB962C8B-B14F-4D97-AF65-F5344CB8AC3E}">
-        <p14:creationId xmlns:p14="http://schemas.microsoft.com/office/powerpoint/2010/main" val="970588987"/>
+        <p14:creationId xmlns:p14="http://schemas.microsoft.com/office/powerpoint/2010/main" val="3170893592"/>
       </p:ext>
     </p:extLst>
   </p:cSld>
@@ -8732,23 +8629,124 @@
           <a:lstStyle/>
           <a:p>
             <a:r>
-              <a:rPr lang="en-US" sz="3200">
+              <a:rPr lang="en-US" sz="3200" dirty="0">
                 <a:cs typeface="Times New Roman" panose="02020603050405020304" pitchFamily="18" charset="0"/>
               </a:rPr>
-              <a:t>5. </a:t>
-            </a:r>
-            <a:r>
-              <a:rPr lang="en-US" sz="3200" b="1"/>
-              <a:t>Demo</a:t>
-            </a:r>
-            <a:endParaRPr lang="en-US" sz="3200"/>
+              <a:t>3. Testing approach</a:t>
+            </a:r>
+            <a:endParaRPr lang="en-US" sz="3200" dirty="0"/>
+          </a:p>
+        </p:txBody>
+      </p:sp>
+      <p:sp>
+        <p:nvSpPr>
+          <p:cNvPr id="6" name="Content Placeholder 1">
+            <a:extLst>
+              <a:ext uri="{FF2B5EF4-FFF2-40B4-BE49-F238E27FC236}">
+                <a16:creationId xmlns:a16="http://schemas.microsoft.com/office/drawing/2014/main" id="{084D3E99-250A-4E8D-40ED-A2CAE1244A9B}"/>
+              </a:ext>
+            </a:extLst>
+          </p:cNvPr>
+          <p:cNvSpPr>
+            <a:spLocks noGrp="1"/>
+          </p:cNvSpPr>
+          <p:nvPr>
+            <p:ph idx="1"/>
+          </p:nvPr>
+        </p:nvSpPr>
+        <p:spPr>
+          <a:xfrm>
+            <a:off x="466579" y="965086"/>
+            <a:ext cx="11714536" cy="5320211"/>
+          </a:xfrm>
+        </p:spPr>
+        <p:txBody>
+          <a:bodyPr/>
+          <a:lstStyle/>
+          <a:p>
+            <a:pPr marL="0" indent="0">
+              <a:buNone/>
+            </a:pPr>
+            <a:r>
+              <a:rPr lang="en-US" b="1" dirty="0" err="1">
+                <a:solidFill>
+                  <a:schemeClr val="tx1"/>
+                </a:solidFill>
+                <a:latin typeface="open sans" panose="020B0606030504020204" pitchFamily="34" charset="0"/>
+                <a:ea typeface="open sans" panose="020B0606030504020204" pitchFamily="34" charset="0"/>
+                <a:cs typeface="open sans" panose="020B0606030504020204" pitchFamily="34" charset="0"/>
+              </a:rPr>
+              <a:t>Obaas</a:t>
+            </a:r>
+            <a:r>
+              <a:rPr lang="en-US" b="1" dirty="0">
+                <a:solidFill>
+                  <a:schemeClr val="tx1"/>
+                </a:solidFill>
+                <a:latin typeface="open sans" panose="020B0606030504020204" pitchFamily="34" charset="0"/>
+                <a:ea typeface="open sans" panose="020B0606030504020204" pitchFamily="34" charset="0"/>
+                <a:cs typeface="open sans" panose="020B0606030504020204" pitchFamily="34" charset="0"/>
+              </a:rPr>
+              <a:t> design approach</a:t>
+            </a:r>
+          </a:p>
+          <a:p>
+            <a:pPr>
+              <a:buFont typeface="Arial" panose="020B0604020202020204" pitchFamily="34" charset="0"/>
+              <a:buChar char="•"/>
+            </a:pPr>
+            <a:r>
+              <a:rPr lang="en-US" dirty="0">
+                <a:solidFill>
+                  <a:schemeClr val="tx1"/>
+                </a:solidFill>
+                <a:latin typeface="open sans" panose="020B0606030504020204" pitchFamily="34" charset="0"/>
+                <a:ea typeface="open sans" panose="020B0606030504020204" pitchFamily="34" charset="0"/>
+                <a:cs typeface="open sans" panose="020B0606030504020204" pitchFamily="34" charset="0"/>
+              </a:rPr>
+              <a:t>Resources: </a:t>
+            </a:r>
+          </a:p>
+          <a:p>
+            <a:pPr lvl="1">
+              <a:buFont typeface="Wingdings" panose="05000000000000000000" pitchFamily="2" charset="2"/>
+              <a:buChar char="§"/>
+            </a:pPr>
+            <a:r>
+              <a:rPr lang="en-US" dirty="0">
+                <a:solidFill>
+                  <a:schemeClr val="tx1"/>
+                </a:solidFill>
+                <a:latin typeface="open sans" panose="020B0606030504020204" pitchFamily="34" charset="0"/>
+                <a:ea typeface="open sans" panose="020B0606030504020204" pitchFamily="34" charset="0"/>
+                <a:cs typeface="open sans" panose="020B0606030504020204" pitchFamily="34" charset="0"/>
+              </a:rPr>
+              <a:t>CPU, memory for each pod.</a:t>
+            </a:r>
+          </a:p>
+          <a:p>
+            <a:pPr lvl="1">
+              <a:buFont typeface="Wingdings" panose="05000000000000000000" pitchFamily="2" charset="2"/>
+              <a:buChar char="§"/>
+            </a:pPr>
+            <a:r>
+              <a:rPr lang="en-US" dirty="0">
+                <a:solidFill>
+                  <a:schemeClr val="tx1"/>
+                </a:solidFill>
+                <a:latin typeface="open sans" panose="020B0606030504020204" pitchFamily="34" charset="0"/>
+                <a:ea typeface="open sans" panose="020B0606030504020204" pitchFamily="34" charset="0"/>
+                <a:cs typeface="open sans" panose="020B0606030504020204" pitchFamily="34" charset="0"/>
+              </a:rPr>
+              <a:t>Monitor number of pod</a:t>
+            </a:r>
           </a:p>
         </p:txBody>
       </p:sp>
     </p:spTree>
     <p:extLst>
       <p:ext uri="{BB962C8B-B14F-4D97-AF65-F5344CB8AC3E}">
-        <p14:creationId xmlns:p14="http://schemas.microsoft.com/office/powerpoint/2010/main" val="3154558323"/>
+        <p14:creationId xmlns:p14="http://schemas.microsoft.com/office/powerpoint/2010/main" val="68405045"/>
       </p:ext>
     </p:extLst>
   </p:cSld>
@@ -8796,23 +8794,248 @@
           <a:lstStyle/>
           <a:p>
             <a:r>
-              <a:rPr lang="en-US" sz="3200">
+              <a:rPr lang="en-US" sz="3200" dirty="0">
                 <a:cs typeface="Times New Roman" panose="02020603050405020304" pitchFamily="18" charset="0"/>
               </a:rPr>
-              <a:t>6. </a:t>
-            </a:r>
-            <a:r>
-              <a:rPr lang="en-US" sz="3200" b="1"/>
-              <a:t>QA</a:t>
-            </a:r>
-            <a:endParaRPr lang="en-US" sz="3200"/>
+              <a:t>4. </a:t>
+            </a:r>
+            <a:r>
+              <a:rPr lang="en-US" sz="3200" b="1" dirty="0"/>
+              <a:t>Test cases</a:t>
+            </a:r>
+            <a:endParaRPr lang="en-US" sz="3200" dirty="0"/>
+          </a:p>
+        </p:txBody>
+      </p:sp>
+      <p:sp>
+        <p:nvSpPr>
+          <p:cNvPr id="6" name="Content Placeholder 1">
+            <a:extLst>
+              <a:ext uri="{FF2B5EF4-FFF2-40B4-BE49-F238E27FC236}">
+                <a16:creationId xmlns:a16="http://schemas.microsoft.com/office/drawing/2014/main" id="{084D3E99-250A-4E8D-40ED-A2CAE1244A9B}"/>
+              </a:ext>
+            </a:extLst>
+          </p:cNvPr>
+          <p:cNvSpPr>
+            <a:spLocks noGrp="1"/>
+          </p:cNvSpPr>
+          <p:nvPr>
+            <p:ph idx="1"/>
+          </p:nvPr>
+        </p:nvSpPr>
+        <p:spPr>
+          <a:xfrm>
+            <a:off x="466579" y="965086"/>
+            <a:ext cx="11714536" cy="5320211"/>
+          </a:xfrm>
+        </p:spPr>
+        <p:txBody>
+          <a:bodyPr/>
+          <a:lstStyle/>
+          <a:p>
+            <a:pPr marL="457200" indent="-457200">
+              <a:buFont typeface="+mj-lt"/>
+              <a:buAutoNum type="arabicPeriod"/>
+            </a:pPr>
+            <a:r>
+              <a:rPr lang="en-US" sz="2000" dirty="0">
+                <a:solidFill>
+                  <a:schemeClr val="tx1"/>
+                </a:solidFill>
+                <a:latin typeface="open sans" panose="020B0606030504020204" pitchFamily="34" charset="0"/>
+                <a:ea typeface="open sans" panose="020B0606030504020204" pitchFamily="34" charset="0"/>
+                <a:cs typeface="open sans" panose="020B0606030504020204" pitchFamily="34" charset="0"/>
+              </a:rPr>
+              <a:t>UI crashes, Backend still works</a:t>
+            </a:r>
+          </a:p>
+          <a:p>
+            <a:pPr marL="457200" indent="-457200">
+              <a:buFont typeface="+mj-lt"/>
+              <a:buAutoNum type="arabicPeriod"/>
+            </a:pPr>
+            <a:r>
+              <a:rPr lang="en-US" sz="2000" dirty="0">
+                <a:solidFill>
+                  <a:schemeClr val="tx1"/>
+                </a:solidFill>
+                <a:latin typeface="open sans" panose="020B0606030504020204" pitchFamily="34" charset="0"/>
+                <a:ea typeface="open sans" panose="020B0606030504020204" pitchFamily="34" charset="0"/>
+                <a:cs typeface="open sans" panose="020B0606030504020204" pitchFamily="34" charset="0"/>
+              </a:rPr>
+              <a:t>Backend crashes, UI sill works</a:t>
+            </a:r>
+          </a:p>
+          <a:p>
+            <a:pPr marL="457200" indent="-457200">
+              <a:buFont typeface="+mj-lt"/>
+              <a:buAutoNum type="arabicPeriod"/>
+            </a:pPr>
+            <a:r>
+              <a:rPr lang="en-US" sz="2000" dirty="0">
+                <a:solidFill>
+                  <a:schemeClr val="tx1"/>
+                </a:solidFill>
+                <a:latin typeface="open sans" panose="020B0606030504020204" pitchFamily="34" charset="0"/>
+                <a:ea typeface="open sans" panose="020B0606030504020204" pitchFamily="34" charset="0"/>
+                <a:cs typeface="open sans" panose="020B0606030504020204" pitchFamily="34" charset="0"/>
+              </a:rPr>
+              <a:t>The UI/API is broken and will automatically be replaced by a new instance (new pod), then the services will be accessible</a:t>
+            </a:r>
+          </a:p>
+          <a:p>
+            <a:pPr marL="457200" indent="-457200">
+              <a:buFont typeface="+mj-lt"/>
+              <a:buAutoNum type="arabicPeriod"/>
+            </a:pPr>
+            <a:r>
+              <a:rPr lang="en-US" sz="2000" dirty="0">
+                <a:solidFill>
+                  <a:schemeClr val="tx1"/>
+                </a:solidFill>
+                <a:latin typeface="open sans" panose="020B0606030504020204" pitchFamily="34" charset="0"/>
+                <a:ea typeface="open sans" panose="020B0606030504020204" pitchFamily="34" charset="0"/>
+                <a:cs typeface="open sans" panose="020B0606030504020204" pitchFamily="34" charset="0"/>
+              </a:rPr>
+              <a:t>Campaign service crashes, Contact service still works</a:t>
+            </a:r>
+          </a:p>
+          <a:p>
+            <a:pPr marL="457200" indent="-457200">
+              <a:buFont typeface="+mj-lt"/>
+              <a:buAutoNum type="arabicPeriod"/>
+            </a:pPr>
+            <a:r>
+              <a:rPr lang="en-US" sz="2000" dirty="0">
+                <a:solidFill>
+                  <a:schemeClr val="tx1"/>
+                </a:solidFill>
+                <a:latin typeface="open sans" panose="020B0606030504020204" pitchFamily="34" charset="0"/>
+                <a:ea typeface="open sans" panose="020B0606030504020204" pitchFamily="34" charset="0"/>
+                <a:cs typeface="open sans" panose="020B0606030504020204" pitchFamily="34" charset="0"/>
+              </a:rPr>
+              <a:t>Can create contact list when all actor pods are terminated.</a:t>
+            </a:r>
+          </a:p>
+          <a:p>
+            <a:pPr marL="457200" indent="-457200">
+              <a:buFont typeface="+mj-lt"/>
+              <a:buAutoNum type="arabicPeriod"/>
+            </a:pPr>
+            <a:r>
+              <a:rPr lang="en-US" sz="2000" dirty="0">
+                <a:solidFill>
+                  <a:schemeClr val="tx1"/>
+                </a:solidFill>
+                <a:latin typeface="open sans" panose="020B0606030504020204" pitchFamily="34" charset="0"/>
+                <a:ea typeface="open sans" panose="020B0606030504020204" pitchFamily="34" charset="0"/>
+                <a:cs typeface="open sans" panose="020B0606030504020204" pitchFamily="34" charset="0"/>
+              </a:rPr>
+              <a:t>Can create campaign when actor pods are terminated.</a:t>
+            </a:r>
+          </a:p>
+          <a:p>
+            <a:pPr marL="457200" indent="-457200">
+              <a:buFont typeface="+mj-lt"/>
+              <a:buAutoNum type="arabicPeriod"/>
+            </a:pPr>
+            <a:r>
+              <a:rPr lang="en-US" sz="2000" dirty="0">
+                <a:solidFill>
+                  <a:schemeClr val="tx1"/>
+                </a:solidFill>
+                <a:latin typeface="open sans" panose="020B0606030504020204" pitchFamily="34" charset="0"/>
+                <a:ea typeface="open sans" panose="020B0606030504020204" pitchFamily="34" charset="0"/>
+                <a:cs typeface="open sans" panose="020B0606030504020204" pitchFamily="34" charset="0"/>
+              </a:rPr>
+              <a:t>HPA off, contact actors = 3, run import 1000 contact lists with 10k contacts.</a:t>
+            </a:r>
+          </a:p>
+          <a:p>
+            <a:pPr marL="457200" indent="-457200">
+              <a:buFont typeface="+mj-lt"/>
+              <a:buAutoNum type="arabicPeriod"/>
+            </a:pPr>
+            <a:r>
+              <a:rPr lang="en-US" sz="2000" dirty="0">
+                <a:solidFill>
+                  <a:schemeClr val="tx1"/>
+                </a:solidFill>
+                <a:latin typeface="open sans" panose="020B0606030504020204" pitchFamily="34" charset="0"/>
+                <a:ea typeface="open sans" panose="020B0606030504020204" pitchFamily="34" charset="0"/>
+                <a:cs typeface="open sans" panose="020B0606030504020204" pitchFamily="34" charset="0"/>
+              </a:rPr>
+              <a:t>HPA on, start contact actor = 3, run import 1000 contact lists with 10k contacts.</a:t>
+            </a:r>
+          </a:p>
+          <a:p>
+            <a:pPr marL="457200" indent="-457200">
+              <a:buFont typeface="+mj-lt"/>
+              <a:buAutoNum type="arabicPeriod"/>
+            </a:pPr>
+            <a:r>
+              <a:rPr lang="en-US" sz="2000" dirty="0">
+                <a:solidFill>
+                  <a:schemeClr val="tx1"/>
+                </a:solidFill>
+                <a:latin typeface="open sans" panose="020B0606030504020204" pitchFamily="34" charset="0"/>
+                <a:ea typeface="open sans" panose="020B0606030504020204" pitchFamily="34" charset="0"/>
+                <a:cs typeface="open sans" panose="020B0606030504020204" pitchFamily="34" charset="0"/>
+              </a:rPr>
+              <a:t>HPA off, campaign actors  = 3, pace = 40sms/s, run 1 campaign 10k contacts.</a:t>
+            </a:r>
+          </a:p>
+          <a:p>
+            <a:pPr marL="457200" indent="-457200">
+              <a:buFont typeface="+mj-lt"/>
+              <a:buAutoNum type="arabicPeriod"/>
+            </a:pPr>
+            <a:r>
+              <a:rPr lang="en-US" sz="2000" dirty="0">
+                <a:solidFill>
+                  <a:schemeClr val="tx1"/>
+                </a:solidFill>
+                <a:latin typeface="open sans" panose="020B0606030504020204" pitchFamily="34" charset="0"/>
+                <a:ea typeface="open sans" panose="020B0606030504020204" pitchFamily="34" charset="0"/>
+                <a:cs typeface="open sans" panose="020B0606030504020204" pitchFamily="34" charset="0"/>
+              </a:rPr>
+              <a:t>HPA off, campaign actors  = 3, pace = 40sms/s, run 1000 campaign 10k contacts.</a:t>
+            </a:r>
+          </a:p>
+          <a:p>
+            <a:pPr>
+              <a:buFont typeface="Wingdings" panose="05000000000000000000" pitchFamily="2" charset="2"/>
+              <a:buChar char="§"/>
+            </a:pPr>
+            <a:endParaRPr lang="en-US" sz="2000" dirty="0">
+              <a:solidFill>
+                <a:schemeClr val="tx1"/>
+              </a:solidFill>
+              <a:latin typeface="open sans" panose="020B0606030504020204" pitchFamily="34" charset="0"/>
+              <a:ea typeface="open sans" panose="020B0606030504020204" pitchFamily="34" charset="0"/>
+              <a:cs typeface="open sans" panose="020B0606030504020204" pitchFamily="34" charset="0"/>
+            </a:endParaRPr>
+          </a:p>
+          <a:p>
+            <a:pPr>
+              <a:buFont typeface="Wingdings" panose="05000000000000000000" pitchFamily="2" charset="2"/>
+              <a:buChar char="§"/>
+            </a:pPr>
+            <a:endParaRPr lang="en-US" sz="2000" dirty="0">
+              <a:solidFill>
+                <a:schemeClr val="tx1"/>
+              </a:solidFill>
+              <a:latin typeface="open sans" panose="020B0606030504020204" pitchFamily="34" charset="0"/>
+              <a:ea typeface="open sans" panose="020B0606030504020204" pitchFamily="34" charset="0"/>
+              <a:cs typeface="open sans" panose="020B0606030504020204" pitchFamily="34" charset="0"/>
+            </a:endParaRPr>
           </a:p>
         </p:txBody>
       </p:sp>
     </p:spTree>
     <p:extLst>
       <p:ext uri="{BB962C8B-B14F-4D97-AF65-F5344CB8AC3E}">
-        <p14:creationId xmlns:p14="http://schemas.microsoft.com/office/powerpoint/2010/main" val="3589395570"/>
+        <p14:creationId xmlns:p14="http://schemas.microsoft.com/office/powerpoint/2010/main" val="322543488"/>
       </p:ext>
     </p:extLst>
   </p:cSld>
@@ -8841,10 +9064,44 @@
       </p:grpSpPr>
       <p:sp>
         <p:nvSpPr>
-          <p:cNvPr id="3" name="Content Placeholder 2">
+          <p:cNvPr id="4" name="Title 3"/>
+          <p:cNvSpPr>
+            <a:spLocks noGrp="1"/>
+          </p:cNvSpPr>
+          <p:nvPr>
+            <p:ph type="title"/>
+          </p:nvPr>
+        </p:nvSpPr>
+        <p:spPr>
+          <a:xfrm>
+            <a:off x="466579" y="240324"/>
+            <a:ext cx="11714536" cy="933957"/>
+          </a:xfrm>
+        </p:spPr>
+        <p:txBody>
+          <a:bodyPr/>
+          <a:lstStyle/>
+          <a:p>
+            <a:r>
+              <a:rPr lang="en-US" sz="3200" dirty="0">
+                <a:cs typeface="Times New Roman" panose="02020603050405020304" pitchFamily="18" charset="0"/>
+              </a:rPr>
+              <a:t>4. </a:t>
+            </a:r>
+            <a:r>
+              <a:rPr lang="en-US" sz="3200" b="1" dirty="0"/>
+              <a:t>Test cases</a:t>
+            </a:r>
+            <a:endParaRPr lang="en-US" sz="3200" dirty="0"/>
+          </a:p>
+        </p:txBody>
+      </p:sp>
+      <p:sp>
+        <p:nvSpPr>
+          <p:cNvPr id="6" name="Content Placeholder 1">
             <a:extLst>
               <a:ext uri="{FF2B5EF4-FFF2-40B4-BE49-F238E27FC236}">
-                <a16:creationId xmlns:a16="http://schemas.microsoft.com/office/drawing/2014/main" id="{FCBD70A9-9917-87A8-06C9-B5A19F43977E}"/>
+                <a16:creationId xmlns:a16="http://schemas.microsoft.com/office/drawing/2014/main" id="{084D3E99-250A-4E8D-40ED-A2CAE1244A9B}"/>
               </a:ext>
             </a:extLst>
           </p:cNvPr>
@@ -8857,24 +9114,89 @@
         </p:nvSpPr>
         <p:spPr>
           <a:xfrm>
-            <a:off x="238732" y="2253366"/>
-            <a:ext cx="11714535" cy="1741667"/>
+            <a:off x="466579" y="965086"/>
+            <a:ext cx="11714536" cy="5320211"/>
           </a:xfrm>
         </p:spPr>
         <p:txBody>
-          <a:bodyPr numCol="1"/>
+          <a:bodyPr/>
           <a:lstStyle/>
           <a:p>
-            <a:pPr marL="0" indent="0" algn="ctr">
-              <a:buNone/>
+            <a:pPr marL="457200" indent="-457200">
+              <a:buFont typeface="+mj-lt"/>
+              <a:buAutoNum type="arabicPeriod" startAt="11"/>
             </a:pPr>
             <a:r>
-              <a:rPr lang="en-US" sz="6000" b="1">
-                <a:solidFill>
-                  <a:srgbClr val="249DD8"/>
-                </a:solidFill>
-              </a:rPr>
-              <a:t>Microservices Testing</a:t>
+              <a:rPr lang="en-US" sz="2000" dirty="0">
+                <a:solidFill>
+                  <a:schemeClr val="tx1"/>
+                </a:solidFill>
+                <a:latin typeface="open sans" panose="020B0606030504020204" pitchFamily="34" charset="0"/>
+                <a:ea typeface="open sans" panose="020B0606030504020204" pitchFamily="34" charset="0"/>
+                <a:cs typeface="open sans" panose="020B0606030504020204" pitchFamily="34" charset="0"/>
+              </a:rPr>
+              <a:t>HPA on, start campaign actors  = 3, pace = 40sms/s, run 1000 campaign 10k contacts</a:t>
+            </a:r>
+          </a:p>
+          <a:p>
+            <a:pPr marL="457200" indent="-457200">
+              <a:buFont typeface="+mj-lt"/>
+              <a:buAutoNum type="arabicPeriod" startAt="11"/>
+            </a:pPr>
+            <a:r>
+              <a:rPr lang="en-US" sz="2000" dirty="0">
+                <a:solidFill>
+                  <a:schemeClr val="tx1"/>
+                </a:solidFill>
+                <a:latin typeface="open sans" panose="020B0606030504020204" pitchFamily="34" charset="0"/>
+                <a:ea typeface="open sans" panose="020B0606030504020204" pitchFamily="34" charset="0"/>
+                <a:cs typeface="open sans" panose="020B0606030504020204" pitchFamily="34" charset="0"/>
+              </a:rPr>
+              <a:t>Run 1 campaign, scale actor to 0, campaign stop sending </a:t>
+            </a:r>
+            <a:r>
+              <a:rPr lang="en-US" sz="2000" dirty="0" err="1">
+                <a:solidFill>
+                  <a:schemeClr val="tx1"/>
+                </a:solidFill>
+                <a:latin typeface="open sans" panose="020B0606030504020204" pitchFamily="34" charset="0"/>
+                <a:ea typeface="open sans" panose="020B0606030504020204" pitchFamily="34" charset="0"/>
+                <a:cs typeface="open sans" panose="020B0606030504020204" pitchFamily="34" charset="0"/>
+              </a:rPr>
+              <a:t>sms</a:t>
+            </a:r>
+            <a:r>
+              <a:rPr lang="en-US" sz="2000" dirty="0">
+                <a:solidFill>
+                  <a:schemeClr val="tx1"/>
+                </a:solidFill>
+                <a:latin typeface="open sans" panose="020B0606030504020204" pitchFamily="34" charset="0"/>
+                <a:ea typeface="open sans" panose="020B0606030504020204" pitchFamily="34" charset="0"/>
+                <a:cs typeface="open sans" panose="020B0606030504020204" pitchFamily="34" charset="0"/>
+              </a:rPr>
+              <a:t>, scale to 1, campaign start sending </a:t>
+            </a:r>
+            <a:r>
+              <a:rPr lang="en-US" sz="2000" dirty="0" err="1">
+                <a:solidFill>
+                  <a:schemeClr val="tx1"/>
+                </a:solidFill>
+                <a:latin typeface="open sans" panose="020B0606030504020204" pitchFamily="34" charset="0"/>
+                <a:ea typeface="open sans" panose="020B0606030504020204" pitchFamily="34" charset="0"/>
+                <a:cs typeface="open sans" panose="020B0606030504020204" pitchFamily="34" charset="0"/>
+              </a:rPr>
+              <a:t>sms</a:t>
+            </a:r>
+            <a:r>
+              <a:rPr lang="en-US" sz="2000" dirty="0">
+                <a:solidFill>
+                  <a:schemeClr val="tx1"/>
+                </a:solidFill>
+                <a:latin typeface="open sans" panose="020B0606030504020204" pitchFamily="34" charset="0"/>
+                <a:ea typeface="open sans" panose="020B0606030504020204" pitchFamily="34" charset="0"/>
+                <a:cs typeface="open sans" panose="020B0606030504020204" pitchFamily="34" charset="0"/>
+              </a:rPr>
+              <a:t> again.</a:t>
             </a:r>
           </a:p>
         </p:txBody>
@@ -8882,7 +9204,7 @@
     </p:spTree>
     <p:extLst>
       <p:ext uri="{BB962C8B-B14F-4D97-AF65-F5344CB8AC3E}">
-        <p14:creationId xmlns:p14="http://schemas.microsoft.com/office/powerpoint/2010/main" val="2304284074"/>
+        <p14:creationId xmlns:p14="http://schemas.microsoft.com/office/powerpoint/2010/main" val="1490553556"/>
       </p:ext>
     </p:extLst>
   </p:cSld>
@@ -8933,121 +9255,20 @@
               <a:rPr lang="en-US" sz="3200">
                 <a:cs typeface="Times New Roman" panose="02020603050405020304" pitchFamily="18" charset="0"/>
               </a:rPr>
-              <a:t>1. </a:t>
+              <a:t>5. </a:t>
             </a:r>
             <a:r>
               <a:rPr lang="en-US" sz="3200" b="1"/>
-              <a:t>Types of testing with K8s</a:t>
+              <a:t>Demo</a:t>
             </a:r>
             <a:endParaRPr lang="en-US" sz="3200"/>
-          </a:p>
-        </p:txBody>
-      </p:sp>
-      <p:sp>
-        <p:nvSpPr>
-          <p:cNvPr id="6" name="Content Placeholder 1">
-            <a:extLst>
-              <a:ext uri="{FF2B5EF4-FFF2-40B4-BE49-F238E27FC236}">
-                <a16:creationId xmlns:a16="http://schemas.microsoft.com/office/drawing/2014/main" id="{084D3E99-250A-4E8D-40ED-A2CAE1244A9B}"/>
-              </a:ext>
-            </a:extLst>
-          </p:cNvPr>
-          <p:cNvSpPr>
-            <a:spLocks noGrp="1"/>
-          </p:cNvSpPr>
-          <p:nvPr>
-            <p:ph idx="1"/>
-          </p:nvPr>
-        </p:nvSpPr>
-        <p:spPr>
-          <a:xfrm>
-            <a:off x="477464" y="1695216"/>
-            <a:ext cx="11714536" cy="3467567"/>
-          </a:xfrm>
-        </p:spPr>
-        <p:txBody>
-          <a:bodyPr/>
-          <a:lstStyle/>
-          <a:p>
-            <a:pPr>
-              <a:buFont typeface="Arial" panose="020B0604020202020204" pitchFamily="34" charset="0"/>
-              <a:buChar char="•"/>
-            </a:pPr>
-            <a:r>
-              <a:rPr lang="en-US">
-                <a:solidFill>
-                  <a:schemeClr val="tx1"/>
-                </a:solidFill>
-                <a:latin typeface="open sans" panose="020B0606030504020204" pitchFamily="34" charset="0"/>
-                <a:ea typeface="open sans" panose="020B0606030504020204" pitchFamily="34" charset="0"/>
-                <a:cs typeface="open sans" panose="020B0606030504020204" pitchFamily="34" charset="0"/>
-              </a:rPr>
-              <a:t>Unit Tests</a:t>
-            </a:r>
-          </a:p>
-          <a:p>
-            <a:pPr>
-              <a:buFont typeface="Arial" panose="020B0604020202020204" pitchFamily="34" charset="0"/>
-              <a:buChar char="•"/>
-            </a:pPr>
-            <a:r>
-              <a:rPr lang="en-US">
-                <a:solidFill>
-                  <a:schemeClr val="tx1"/>
-                </a:solidFill>
-                <a:latin typeface="open sans" panose="020B0606030504020204" pitchFamily="34" charset="0"/>
-                <a:ea typeface="open sans" panose="020B0606030504020204" pitchFamily="34" charset="0"/>
-                <a:cs typeface="open sans" panose="020B0606030504020204" pitchFamily="34" charset="0"/>
-              </a:rPr>
-              <a:t>Integration Tests</a:t>
-            </a:r>
-          </a:p>
-          <a:p>
-            <a:pPr>
-              <a:buFont typeface="Arial" panose="020B0604020202020204" pitchFamily="34" charset="0"/>
-              <a:buChar char="•"/>
-            </a:pPr>
-            <a:r>
-              <a:rPr lang="en-US">
-                <a:solidFill>
-                  <a:schemeClr val="tx1"/>
-                </a:solidFill>
-                <a:latin typeface="open sans" panose="020B0606030504020204" pitchFamily="34" charset="0"/>
-                <a:ea typeface="open sans" panose="020B0606030504020204" pitchFamily="34" charset="0"/>
-                <a:cs typeface="open sans" panose="020B0606030504020204" pitchFamily="34" charset="0"/>
-              </a:rPr>
-              <a:t>End-to-End (E2E) Tests</a:t>
-            </a:r>
-          </a:p>
-          <a:p>
-            <a:pPr>
-              <a:buFont typeface="Arial" panose="020B0604020202020204" pitchFamily="34" charset="0"/>
-              <a:buChar char="•"/>
-            </a:pPr>
-            <a:r>
-              <a:rPr lang="en-US">
-                <a:solidFill>
-                  <a:schemeClr val="tx1"/>
-                </a:solidFill>
-                <a:latin typeface="open sans" panose="020B0606030504020204" pitchFamily="34" charset="0"/>
-                <a:ea typeface="open sans" panose="020B0606030504020204" pitchFamily="34" charset="0"/>
-                <a:cs typeface="open sans" panose="020B0606030504020204" pitchFamily="34" charset="0"/>
-              </a:rPr>
-              <a:t>Performance or Load Tests</a:t>
-            </a:r>
-            <a:endParaRPr lang="en-US">
-              <a:solidFill>
-                <a:srgbClr val="222222"/>
-              </a:solidFill>
-              <a:latin typeface="open sans" panose="020B0606030504020204" pitchFamily="34" charset="0"/>
-            </a:endParaRPr>
           </a:p>
         </p:txBody>
       </p:sp>
     </p:spTree>
     <p:extLst>
       <p:ext uri="{BB962C8B-B14F-4D97-AF65-F5344CB8AC3E}">
-        <p14:creationId xmlns:p14="http://schemas.microsoft.com/office/powerpoint/2010/main" val="995217219"/>
+        <p14:creationId xmlns:p14="http://schemas.microsoft.com/office/powerpoint/2010/main" val="3154558323"/>
       </p:ext>
     </p:extLst>
   </p:cSld>
@@ -9098,149 +9319,20 @@
               <a:rPr lang="en-US" sz="3200">
                 <a:cs typeface="Times New Roman" panose="02020603050405020304" pitchFamily="18" charset="0"/>
               </a:rPr>
-              <a:t>2. </a:t>
+              <a:t>6. </a:t>
             </a:r>
             <a:r>
               <a:rPr lang="en-US" sz="3200" b="1"/>
-              <a:t>Automation’s current problems</a:t>
+              <a:t>QA</a:t>
             </a:r>
             <a:endParaRPr lang="en-US" sz="3200"/>
           </a:p>
         </p:txBody>
       </p:sp>
-      <p:sp>
-        <p:nvSpPr>
-          <p:cNvPr id="6" name="Content Placeholder 1">
-            <a:extLst>
-              <a:ext uri="{FF2B5EF4-FFF2-40B4-BE49-F238E27FC236}">
-                <a16:creationId xmlns:a16="http://schemas.microsoft.com/office/drawing/2014/main" id="{084D3E99-250A-4E8D-40ED-A2CAE1244A9B}"/>
-              </a:ext>
-            </a:extLst>
-          </p:cNvPr>
-          <p:cNvSpPr>
-            <a:spLocks noGrp="1"/>
-          </p:cNvSpPr>
-          <p:nvPr>
-            <p:ph idx="1"/>
-          </p:nvPr>
-        </p:nvSpPr>
-        <p:spPr>
-          <a:xfrm>
-            <a:off x="477464" y="1695216"/>
-            <a:ext cx="11714536" cy="3467567"/>
-          </a:xfrm>
-        </p:spPr>
-        <p:txBody>
-          <a:bodyPr/>
-          <a:lstStyle/>
-          <a:p>
-            <a:pPr>
-              <a:buClr>
-                <a:srgbClr val="FF0000"/>
-              </a:buClr>
-              <a:buFont typeface="open sans" panose="020B0606030504020204" pitchFamily="34" charset="0"/>
-              <a:buChar char="×"/>
-            </a:pPr>
-            <a:r>
-              <a:rPr lang="en-US">
-                <a:solidFill>
-                  <a:schemeClr val="tx1"/>
-                </a:solidFill>
-                <a:latin typeface="open sans" panose="020B0606030504020204" pitchFamily="34" charset="0"/>
-                <a:ea typeface="open sans" panose="020B0606030504020204" pitchFamily="34" charset="0"/>
-                <a:cs typeface="open sans" panose="020B0606030504020204" pitchFamily="34" charset="0"/>
-              </a:rPr>
-              <a:t>Monitor system resources</a:t>
-            </a:r>
-          </a:p>
-          <a:p>
-            <a:pPr>
-              <a:buClr>
-                <a:srgbClr val="FF0000"/>
-              </a:buClr>
-              <a:buFont typeface="open sans" panose="020B0606030504020204" pitchFamily="34" charset="0"/>
-              <a:buChar char="×"/>
-            </a:pPr>
-            <a:r>
-              <a:rPr lang="en-US">
-                <a:solidFill>
-                  <a:schemeClr val="tx1"/>
-                </a:solidFill>
-                <a:latin typeface="open sans" panose="020B0606030504020204" pitchFamily="34" charset="0"/>
-                <a:ea typeface="open sans" panose="020B0606030504020204" pitchFamily="34" charset="0"/>
-                <a:cs typeface="open sans" panose="020B0606030504020204" pitchFamily="34" charset="0"/>
-              </a:rPr>
-              <a:t>Verify pod status</a:t>
-            </a:r>
-          </a:p>
-          <a:p>
-            <a:pPr>
-              <a:buClr>
-                <a:srgbClr val="FF0000"/>
-              </a:buClr>
-              <a:buFont typeface="open sans" panose="020B0606030504020204" pitchFamily="34" charset="0"/>
-              <a:buChar char="×"/>
-            </a:pPr>
-            <a:r>
-              <a:rPr lang="en-US">
-                <a:solidFill>
-                  <a:schemeClr val="tx1"/>
-                </a:solidFill>
-                <a:latin typeface="open sans" panose="020B0606030504020204" pitchFamily="34" charset="0"/>
-                <a:ea typeface="open sans" panose="020B0606030504020204" pitchFamily="34" charset="0"/>
-                <a:cs typeface="open sans" panose="020B0606030504020204" pitchFamily="34" charset="0"/>
-              </a:rPr>
-              <a:t>Scale up/down pod</a:t>
-            </a:r>
-            <a:endParaRPr lang="en-US">
-              <a:solidFill>
-                <a:srgbClr val="222222"/>
-              </a:solidFill>
-              <a:latin typeface="open sans" panose="020B0606030504020204" pitchFamily="34" charset="0"/>
-            </a:endParaRPr>
-          </a:p>
-        </p:txBody>
-      </p:sp>
-      <p:pic>
-        <p:nvPicPr>
-          <p:cNvPr id="2" name="Picture 1">
-            <a:extLst>
-              <a:ext uri="{FF2B5EF4-FFF2-40B4-BE49-F238E27FC236}">
-                <a16:creationId xmlns:a16="http://schemas.microsoft.com/office/drawing/2014/main" id="{9B5FC2CC-3F1D-9C23-4F2B-2FE8919BCE4F}"/>
-              </a:ext>
-            </a:extLst>
-          </p:cNvPr>
-          <p:cNvPicPr>
-            <a:picLocks noChangeAspect="1"/>
-          </p:cNvPicPr>
-          <p:nvPr/>
-        </p:nvPicPr>
-        <p:blipFill>
-          <a:blip r:embed="rId3" cstate="print">
-            <a:extLst>
-              <a:ext uri="{28A0092B-C50C-407E-A947-70E740481C1C}">
-                <a14:useLocalDpi xmlns:a14="http://schemas.microsoft.com/office/drawing/2010/main" val="0"/>
-              </a:ext>
-            </a:extLst>
-          </a:blip>
-          <a:stretch>
-            <a:fillRect/>
-          </a:stretch>
-        </p:blipFill>
-        <p:spPr>
-          <a:xfrm>
-            <a:off x="6312580" y="1881553"/>
-            <a:ext cx="4914900" cy="2948940"/>
-          </a:xfrm>
-          <a:prstGeom prst="rect">
-            <a:avLst/>
-          </a:prstGeom>
-        </p:spPr>
-      </p:pic>
     </p:spTree>
     <p:extLst>
       <p:ext uri="{BB962C8B-B14F-4D97-AF65-F5344CB8AC3E}">
-        <p14:creationId xmlns:p14="http://schemas.microsoft.com/office/powerpoint/2010/main" val="1755729727"/>
+        <p14:creationId xmlns:p14="http://schemas.microsoft.com/office/powerpoint/2010/main" val="3589395570"/>
       </p:ext>
     </p:extLst>
   </p:cSld>
@@ -9286,22 +9378,46 @@
               <a:buNone/>
             </a:pPr>
             <a:r>
-              <a:rPr lang="en-US" sz="2800" b="1"/>
-              <a:t>1. What is ObaaS?</a:t>
+              <a:rPr lang="en-US" sz="2800" b="1" dirty="0"/>
+              <a:t>1. What is </a:t>
+            </a:r>
+            <a:r>
+              <a:rPr lang="en-US" sz="2800" b="1" dirty="0" err="1"/>
+              <a:t>ObaaS</a:t>
+            </a:r>
+            <a:r>
+              <a:rPr lang="en-US" sz="2800" b="1" dirty="0"/>
+              <a:t>?</a:t>
             </a:r>
             <a:br>
-              <a:rPr lang="en-US" sz="2800" b="1"/>
+              <a:rPr lang="en-US" sz="2800" b="1" dirty="0"/>
             </a:br>
             <a:r>
-              <a:rPr lang="en-US" sz="2800" b="1"/>
-              <a:t>2. ObaaS cloud deployment</a:t>
+              <a:rPr lang="en-US" sz="2800" b="1" dirty="0"/>
+              <a:t>2. </a:t>
+            </a:r>
+            <a:r>
+              <a:rPr lang="en-US" sz="2800" b="1" dirty="0" err="1"/>
+              <a:t>ObaaS</a:t>
+            </a:r>
+            <a:r>
+              <a:rPr lang="en-US" sz="2800" b="1" dirty="0"/>
+              <a:t> cloud deployment</a:t>
             </a:r>
             <a:br>
-              <a:rPr lang="en-US" sz="2800" b="1"/>
+              <a:rPr lang="en-US" sz="2800" b="1" dirty="0"/>
             </a:br>
             <a:r>
-              <a:rPr lang="en-US" sz="2800" b="1"/>
-              <a:t>3. ObaaS components and testing approach</a:t>
+              <a:rPr lang="en-US" sz="2800" b="1" dirty="0"/>
+              <a:t>3. </a:t>
+            </a:r>
+            <a:r>
+              <a:rPr lang="en-US" sz="2800" b="1" dirty="0" err="1"/>
+              <a:t>ObaaS</a:t>
+            </a:r>
+            <a:r>
+              <a:rPr lang="en-US" sz="2800" b="1" dirty="0"/>
+              <a:t> components and testing approach</a:t>
             </a:r>
           </a:p>
           <a:p>
@@ -9309,14 +9425,14 @@
               <a:buNone/>
             </a:pPr>
             <a:r>
-              <a:rPr lang="en-US" sz="2800" b="1"/>
+              <a:rPr lang="en-US" sz="2800" b="1" dirty="0"/>
               <a:t>4. Test cases</a:t>
             </a:r>
             <a:br>
-              <a:rPr lang="en-US" sz="2800" b="1"/>
+              <a:rPr lang="en-US" sz="2800" b="1" dirty="0"/>
             </a:br>
             <a:r>
-              <a:rPr lang="en-US" sz="2800" b="1"/>
+              <a:rPr lang="en-US" sz="2800" b="1" dirty="0"/>
               <a:t>5. Demo</a:t>
             </a:r>
           </a:p>
@@ -9325,10 +9441,10 @@
               <a:buNone/>
             </a:pPr>
             <a:r>
-              <a:rPr lang="en-US" sz="2800" b="1"/>
+              <a:rPr lang="en-US" sz="2800" b="1" dirty="0"/>
               <a:t>6. Q/A</a:t>
             </a:r>
-            <a:endParaRPr lang="en-US" sz="2800" b="1">
+            <a:endParaRPr lang="en-US" sz="2800" b="1" dirty="0">
               <a:latin typeface="Times New Roman" panose="02020603050405020304" pitchFamily="18" charset="0"/>
               <a:cs typeface="Times New Roman" panose="02020603050405020304" pitchFamily="18" charset="0"/>
             </a:endParaRPr>
@@ -9396,254 +9512,174 @@
       </p:grpSpPr>
       <p:sp>
         <p:nvSpPr>
-          <p:cNvPr id="4" name="Title 3"/>
-          <p:cNvSpPr>
-            <a:spLocks noGrp="1"/>
-          </p:cNvSpPr>
-          <p:nvPr>
-            <p:ph type="title"/>
-          </p:nvPr>
-        </p:nvSpPr>
-        <p:spPr>
+          <p:cNvPr id="3" name="TextBox 2"/>
+          <p:cNvSpPr txBox="1">
+            <a:spLocks noChangeArrowheads="1"/>
+          </p:cNvSpPr>
+          <p:nvPr/>
+        </p:nvSpPr>
+        <p:spPr bwMode="auto">
           <a:xfrm>
-            <a:off x="466579" y="240324"/>
-            <a:ext cx="11714536" cy="933957"/>
+            <a:off x="3870008" y="3069273"/>
+            <a:ext cx="4421187" cy="922337"/>
           </a:xfrm>
+          <a:prstGeom prst="rect">
+            <a:avLst/>
+          </a:prstGeom>
+          <a:noFill/>
+          <a:ln>
+            <a:noFill/>
+          </a:ln>
+          <a:extLst>
+            <a:ext uri="{909E8E84-426E-40DD-AFC4-6F175D3DCCD1}">
+              <a14:hiddenFill xmlns:a14="http://schemas.microsoft.com/office/drawing/2010/main">
+                <a:solidFill>
+                  <a:srgbClr val="FFFFFF"/>
+                </a:solidFill>
+              </a14:hiddenFill>
+            </a:ext>
+            <a:ext uri="{91240B29-F687-4F45-9708-019B960494DF}">
+              <a14:hiddenLine xmlns:a14="http://schemas.microsoft.com/office/drawing/2010/main" w="9525">
+                <a:solidFill>
+                  <a:srgbClr val="000000"/>
+                </a:solidFill>
+                <a:miter lim="800000"/>
+                <a:headEnd/>
+                <a:tailEnd/>
+              </a14:hiddenLine>
+            </a:ext>
+          </a:extLst>
         </p:spPr>
         <p:txBody>
-          <a:bodyPr/>
-          <a:lstStyle/>
-          <a:p>
-            <a:r>
-              <a:rPr lang="en-US" sz="3200">
-                <a:cs typeface="Times New Roman" panose="02020603050405020304" pitchFamily="18" charset="0"/>
-              </a:rPr>
-              <a:t>3. </a:t>
-            </a:r>
-            <a:r>
-              <a:rPr lang="en-US" sz="3200" b="1"/>
-              <a:t>Solve the current problem</a:t>
-            </a:r>
-            <a:endParaRPr lang="en-US" sz="3200"/>
-          </a:p>
-        </p:txBody>
-      </p:sp>
-      <p:sp>
-        <p:nvSpPr>
-          <p:cNvPr id="3" name="Content Placeholder 2">
-            <a:extLst>
-              <a:ext uri="{FF2B5EF4-FFF2-40B4-BE49-F238E27FC236}">
-                <a16:creationId xmlns:a16="http://schemas.microsoft.com/office/drawing/2014/main" id="{C06BBC46-E08E-BFF3-D4B6-D444BBE06D7C}"/>
-              </a:ext>
-            </a:extLst>
-          </p:cNvPr>
-          <p:cNvSpPr>
-            <a:spLocks noGrp="1"/>
-          </p:cNvSpPr>
-          <p:nvPr>
-            <p:ph idx="1"/>
-          </p:nvPr>
-        </p:nvSpPr>
-        <p:spPr>
-          <a:xfrm>
-            <a:off x="477464" y="965086"/>
-            <a:ext cx="11714536" cy="4927827"/>
-          </a:xfrm>
-        </p:spPr>
-        <p:txBody>
-          <a:bodyPr/>
-          <a:lstStyle/>
-          <a:p>
-            <a:r>
-              <a:rPr lang="en-US" b="1">
-                <a:solidFill>
-                  <a:schemeClr val="tx1"/>
-                </a:solidFill>
-                <a:latin typeface="open sans" panose="020B0606030504020204" pitchFamily="34" charset="0"/>
-                <a:ea typeface="open sans" panose="020B0606030504020204" pitchFamily="34" charset="0"/>
-                <a:cs typeface="open sans" panose="020B0606030504020204" pitchFamily="34" charset="0"/>
-              </a:rPr>
-              <a:t>Setup</a:t>
-            </a:r>
-          </a:p>
-          <a:p>
-            <a:pPr lvl="1">
-              <a:buFont typeface="Arial" panose="020B0604020202020204" pitchFamily="34" charset="0"/>
-              <a:buChar char="•"/>
+          <a:bodyPr>
+            <a:spAutoFit/>
+          </a:bodyPr>
+          <a:lstStyle>
+            <a:lvl1pPr>
+              <a:defRPr>
+                <a:solidFill>
+                  <a:schemeClr val="tx1"/>
+                </a:solidFill>
+                <a:latin typeface="Calibri" panose="020F0502020204030204" pitchFamily="34" charset="0"/>
+              </a:defRPr>
+            </a:lvl1pPr>
+            <a:lvl2pPr marL="742950" indent="-285750">
+              <a:defRPr>
+                <a:solidFill>
+                  <a:schemeClr val="tx1"/>
+                </a:solidFill>
+                <a:latin typeface="Calibri" panose="020F0502020204030204" pitchFamily="34" charset="0"/>
+              </a:defRPr>
+            </a:lvl2pPr>
+            <a:lvl3pPr marL="1143000" indent="-228600">
+              <a:defRPr>
+                <a:solidFill>
+                  <a:schemeClr val="tx1"/>
+                </a:solidFill>
+                <a:latin typeface="Calibri" panose="020F0502020204030204" pitchFamily="34" charset="0"/>
+              </a:defRPr>
+            </a:lvl3pPr>
+            <a:lvl4pPr marL="1600200" indent="-228600">
+              <a:defRPr>
+                <a:solidFill>
+                  <a:schemeClr val="tx1"/>
+                </a:solidFill>
+                <a:latin typeface="Calibri" panose="020F0502020204030204" pitchFamily="34" charset="0"/>
+              </a:defRPr>
+            </a:lvl4pPr>
+            <a:lvl5pPr marL="2057400" indent="-228600">
+              <a:defRPr>
+                <a:solidFill>
+                  <a:schemeClr val="tx1"/>
+                </a:solidFill>
+                <a:latin typeface="Calibri" panose="020F0502020204030204" pitchFamily="34" charset="0"/>
+              </a:defRPr>
+            </a:lvl5pPr>
+            <a:lvl6pPr marL="2514600" indent="-228600" fontAlgn="base">
+              <a:spcBef>
+                <a:spcPct val="0"/>
+              </a:spcBef>
+              <a:spcAft>
+                <a:spcPct val="0"/>
+              </a:spcAft>
+              <a:defRPr>
+                <a:solidFill>
+                  <a:schemeClr val="tx1"/>
+                </a:solidFill>
+                <a:latin typeface="Calibri" panose="020F0502020204030204" pitchFamily="34" charset="0"/>
+              </a:defRPr>
+            </a:lvl6pPr>
+            <a:lvl7pPr marL="2971800" indent="-228600" fontAlgn="base">
+              <a:spcBef>
+                <a:spcPct val="0"/>
+              </a:spcBef>
+              <a:spcAft>
+                <a:spcPct val="0"/>
+              </a:spcAft>
+              <a:defRPr>
+                <a:solidFill>
+                  <a:schemeClr val="tx1"/>
+                </a:solidFill>
+                <a:latin typeface="Calibri" panose="020F0502020204030204" pitchFamily="34" charset="0"/>
+              </a:defRPr>
+            </a:lvl7pPr>
+            <a:lvl8pPr marL="3429000" indent="-228600" fontAlgn="base">
+              <a:spcBef>
+                <a:spcPct val="0"/>
+              </a:spcBef>
+              <a:spcAft>
+                <a:spcPct val="0"/>
+              </a:spcAft>
+              <a:defRPr>
+                <a:solidFill>
+                  <a:schemeClr val="tx1"/>
+                </a:solidFill>
+                <a:latin typeface="Calibri" panose="020F0502020204030204" pitchFamily="34" charset="0"/>
+              </a:defRPr>
+            </a:lvl8pPr>
+            <a:lvl9pPr marL="3886200" indent="-228600" fontAlgn="base">
+              <a:spcBef>
+                <a:spcPct val="0"/>
+              </a:spcBef>
+              <a:spcAft>
+                <a:spcPct val="0"/>
+              </a:spcAft>
+              <a:defRPr>
+                <a:solidFill>
+                  <a:schemeClr val="tx1"/>
+                </a:solidFill>
+                <a:latin typeface="Calibri" panose="020F0502020204030204" pitchFamily="34" charset="0"/>
+              </a:defRPr>
+            </a:lvl9pPr>
+          </a:lstStyle>
+          <a:p>
+            <a:pPr eaLnBrk="1" hangingPunct="1">
+              <a:defRPr/>
             </a:pPr>
             <a:r>
-              <a:rPr lang="en-US">
-                <a:solidFill>
-                  <a:schemeClr val="tx1"/>
-                </a:solidFill>
-                <a:latin typeface="open sans" panose="020B0606030504020204" pitchFamily="34" charset="0"/>
-                <a:ea typeface="open sans" panose="020B0606030504020204" pitchFamily="34" charset="0"/>
-                <a:cs typeface="open sans" panose="020B0606030504020204" pitchFamily="34" charset="0"/>
-              </a:rPr>
-              <a:t>Using BDD cucumber setup</a:t>
-            </a:r>
-          </a:p>
-          <a:p>
-            <a:pPr lvl="1">
-              <a:buFont typeface="Arial" panose="020B0604020202020204" pitchFamily="34" charset="0"/>
-              <a:buChar char="•"/>
-            </a:pPr>
-            <a:r>
-              <a:rPr lang="en-US">
-                <a:solidFill>
-                  <a:schemeClr val="tx1"/>
-                </a:solidFill>
-                <a:latin typeface="open sans" panose="020B0606030504020204" pitchFamily="34" charset="0"/>
-                <a:ea typeface="open sans" panose="020B0606030504020204" pitchFamily="34" charset="0"/>
-                <a:cs typeface="open sans" panose="020B0606030504020204" pitchFamily="34" charset="0"/>
-              </a:rPr>
-              <a:t>Dependencies:</a:t>
-            </a:r>
-          </a:p>
-          <a:p>
-            <a:pPr marL="742950" lvl="2" indent="0">
-              <a:buNone/>
-            </a:pPr>
-            <a:r>
-              <a:rPr lang="en-US" i="1">
-                <a:solidFill>
-                  <a:schemeClr val="tx1"/>
-                </a:solidFill>
-                <a:latin typeface="open sans" panose="020B0606030504020204" pitchFamily="34" charset="0"/>
-                <a:ea typeface="open sans" panose="020B0606030504020204" pitchFamily="34" charset="0"/>
-                <a:cs typeface="open sans" panose="020B0606030504020204" pitchFamily="34" charset="0"/>
-              </a:rPr>
-              <a:t>&lt;!-- https://mvnrepository.com/artifact/io.fabric8/kubernetes-client --&gt;</a:t>
-            </a:r>
-            <a:br>
-              <a:rPr lang="en-US" i="1">
-                <a:solidFill>
-                  <a:schemeClr val="tx1"/>
-                </a:solidFill>
-                <a:latin typeface="open sans" panose="020B0606030504020204" pitchFamily="34" charset="0"/>
-                <a:ea typeface="open sans" panose="020B0606030504020204" pitchFamily="34" charset="0"/>
-                <a:cs typeface="open sans" panose="020B0606030504020204" pitchFamily="34" charset="0"/>
-              </a:rPr>
-            </a:br>
-            <a:r>
-              <a:rPr lang="en-US" i="1">
-                <a:solidFill>
-                  <a:schemeClr val="tx1"/>
-                </a:solidFill>
-                <a:latin typeface="open sans" panose="020B0606030504020204" pitchFamily="34" charset="0"/>
-                <a:ea typeface="open sans" panose="020B0606030504020204" pitchFamily="34" charset="0"/>
-                <a:cs typeface="open sans" panose="020B0606030504020204" pitchFamily="34" charset="0"/>
-              </a:rPr>
-              <a:t>&lt;dependency&gt;</a:t>
-            </a:r>
-            <a:br>
-              <a:rPr lang="en-US" i="1">
-                <a:solidFill>
-                  <a:schemeClr val="tx1"/>
-                </a:solidFill>
-                <a:latin typeface="open sans" panose="020B0606030504020204" pitchFamily="34" charset="0"/>
-                <a:ea typeface="open sans" panose="020B0606030504020204" pitchFamily="34" charset="0"/>
-                <a:cs typeface="open sans" panose="020B0606030504020204" pitchFamily="34" charset="0"/>
-              </a:rPr>
-            </a:br>
-            <a:r>
-              <a:rPr lang="en-US" i="1">
-                <a:solidFill>
-                  <a:schemeClr val="tx1"/>
-                </a:solidFill>
-                <a:latin typeface="open sans" panose="020B0606030504020204" pitchFamily="34" charset="0"/>
-                <a:ea typeface="open sans" panose="020B0606030504020204" pitchFamily="34" charset="0"/>
-                <a:cs typeface="open sans" panose="020B0606030504020204" pitchFamily="34" charset="0"/>
-              </a:rPr>
-              <a:t>    &lt;groupId&gt;io.fabric8&lt;/groupId&gt;</a:t>
-            </a:r>
-            <a:br>
-              <a:rPr lang="en-US" i="1">
-                <a:solidFill>
-                  <a:schemeClr val="tx1"/>
-                </a:solidFill>
-                <a:latin typeface="open sans" panose="020B0606030504020204" pitchFamily="34" charset="0"/>
-                <a:ea typeface="open sans" panose="020B0606030504020204" pitchFamily="34" charset="0"/>
-                <a:cs typeface="open sans" panose="020B0606030504020204" pitchFamily="34" charset="0"/>
-              </a:rPr>
-            </a:br>
-            <a:r>
-              <a:rPr lang="en-US" i="1">
-                <a:solidFill>
-                  <a:schemeClr val="tx1"/>
-                </a:solidFill>
-                <a:latin typeface="open sans" panose="020B0606030504020204" pitchFamily="34" charset="0"/>
-                <a:ea typeface="open sans" panose="020B0606030504020204" pitchFamily="34" charset="0"/>
-                <a:cs typeface="open sans" panose="020B0606030504020204" pitchFamily="34" charset="0"/>
-              </a:rPr>
-              <a:t>    &lt;artifactId&gt;kubernetes-client&lt;/artifactId&gt;</a:t>
-            </a:r>
-            <a:br>
-              <a:rPr lang="en-US" i="1">
-                <a:solidFill>
-                  <a:schemeClr val="tx1"/>
-                </a:solidFill>
-                <a:latin typeface="open sans" panose="020B0606030504020204" pitchFamily="34" charset="0"/>
-                <a:ea typeface="open sans" panose="020B0606030504020204" pitchFamily="34" charset="0"/>
-                <a:cs typeface="open sans" panose="020B0606030504020204" pitchFamily="34" charset="0"/>
-              </a:rPr>
-            </a:br>
-            <a:r>
-              <a:rPr lang="en-US" i="1">
-                <a:solidFill>
-                  <a:schemeClr val="tx1"/>
-                </a:solidFill>
-                <a:latin typeface="open sans" panose="020B0606030504020204" pitchFamily="34" charset="0"/>
-                <a:ea typeface="open sans" panose="020B0606030504020204" pitchFamily="34" charset="0"/>
-                <a:cs typeface="open sans" panose="020B0606030504020204" pitchFamily="34" charset="0"/>
-              </a:rPr>
-              <a:t>    &lt;version&gt;6.10.0&lt;/version&gt;</a:t>
-            </a:r>
-            <a:br>
-              <a:rPr lang="en-US" i="1">
-                <a:solidFill>
-                  <a:schemeClr val="tx1"/>
-                </a:solidFill>
-                <a:latin typeface="open sans" panose="020B0606030504020204" pitchFamily="34" charset="0"/>
-                <a:ea typeface="open sans" panose="020B0606030504020204" pitchFamily="34" charset="0"/>
-                <a:cs typeface="open sans" panose="020B0606030504020204" pitchFamily="34" charset="0"/>
-              </a:rPr>
-            </a:br>
-            <a:r>
-              <a:rPr lang="en-US" i="1">
-                <a:solidFill>
-                  <a:schemeClr val="tx1"/>
-                </a:solidFill>
-                <a:latin typeface="open sans" panose="020B0606030504020204" pitchFamily="34" charset="0"/>
-                <a:ea typeface="open sans" panose="020B0606030504020204" pitchFamily="34" charset="0"/>
-                <a:cs typeface="open sans" panose="020B0606030504020204" pitchFamily="34" charset="0"/>
-              </a:rPr>
-              <a:t>&lt;/dependency&gt;</a:t>
-            </a:r>
-          </a:p>
-          <a:p>
-            <a:pPr lvl="1">
-              <a:buFont typeface="Arial" panose="020B0604020202020204" pitchFamily="34" charset="0"/>
-              <a:buChar char="•"/>
-            </a:pPr>
-            <a:r>
-              <a:rPr lang="en-US">
-                <a:solidFill>
-                  <a:schemeClr val="tx1"/>
-                </a:solidFill>
-                <a:latin typeface="open sans" panose="020B0606030504020204" pitchFamily="34" charset="0"/>
-                <a:ea typeface="open sans" panose="020B0606030504020204" pitchFamily="34" charset="0"/>
-                <a:cs typeface="open sans" panose="020B0606030504020204" pitchFamily="34" charset="0"/>
-              </a:rPr>
-              <a:t>Using kubernete/azure config file to connect to K8s</a:t>
-            </a:r>
+              <a:rPr lang="en-US" altLang="en-US" sz="5400" b="1">
+                <a:solidFill>
+                  <a:srgbClr val="00B0F0"/>
+                </a:solidFill>
+                <a:latin typeface="Century Gothic" panose="020B0502020202020204" pitchFamily="34" charset="0"/>
+                <a:cs typeface="Arial" panose="020B0604020202020204" pitchFamily="34" charset="0"/>
+              </a:rPr>
+              <a:t>THANK YOU !</a:t>
+            </a:r>
+            <a:endParaRPr lang="en-US" altLang="en-US" sz="5400">
+              <a:solidFill>
+                <a:srgbClr val="00B0F0"/>
+              </a:solidFill>
+              <a:latin typeface="Century Gothic" panose="020B0502020202020204" pitchFamily="34" charset="0"/>
+              <a:cs typeface="Arial" panose="020B0604020202020204" pitchFamily="34" charset="0"/>
+            </a:endParaRPr>
           </a:p>
         </p:txBody>
       </p:sp>
     </p:spTree>
     <p:extLst>
       <p:ext uri="{BB962C8B-B14F-4D97-AF65-F5344CB8AC3E}">
-        <p14:creationId xmlns:p14="http://schemas.microsoft.com/office/powerpoint/2010/main" val="2854209569"/>
+        <p14:creationId xmlns:p14="http://schemas.microsoft.com/office/powerpoint/2010/main" val="883376971"/>
       </p:ext>
     </p:extLst>
   </p:cSld>
@@ -9691,1457 +9727,50 @@
           <a:lstStyle/>
           <a:p>
             <a:r>
-              <a:rPr lang="en-US" sz="3200">
-                <a:cs typeface="Times New Roman" panose="02020603050405020304" pitchFamily="18" charset="0"/>
-              </a:rPr>
-              <a:t>4. </a:t>
-            </a:r>
-            <a:r>
-              <a:rPr lang="en-US" sz="3200" b="1"/>
-              <a:t>Automation Handle Pods/Deployments</a:t>
-            </a:r>
-            <a:endParaRPr lang="en-US" sz="3200"/>
-          </a:p>
-        </p:txBody>
-      </p:sp>
-      <p:sp>
-        <p:nvSpPr>
-          <p:cNvPr id="5" name="Content Placeholder 2">
+              <a:rPr lang="en-US" sz="3200" dirty="0" err="1"/>
+              <a:t>Akka</a:t>
+            </a:r>
+            <a:r>
+              <a:rPr lang="en-US" sz="3200" dirty="0"/>
+              <a:t> Framework</a:t>
+            </a:r>
+          </a:p>
+        </p:txBody>
+      </p:sp>
+      <p:pic>
+        <p:nvPicPr>
+          <p:cNvPr id="3" name="Picture 2">
             <a:extLst>
               <a:ext uri="{FF2B5EF4-FFF2-40B4-BE49-F238E27FC236}">
-                <a16:creationId xmlns:a16="http://schemas.microsoft.com/office/drawing/2014/main" id="{47BE8158-89B5-82FE-003E-0FDE31901447}"/>
+                <a16:creationId xmlns:a16="http://schemas.microsoft.com/office/drawing/2014/main" id="{7D00D502-9651-4D38-8D8E-7AA15C7E68EA}"/>
               </a:ext>
             </a:extLst>
           </p:cNvPr>
-          <p:cNvSpPr txBox="1">
-            <a:spLocks/>
-          </p:cNvSpPr>
+          <p:cNvPicPr>
+            <a:picLocks noChangeAspect="1"/>
+          </p:cNvPicPr>
           <p:nvPr/>
-        </p:nvSpPr>
+        </p:nvPicPr>
+        <p:blipFill>
+          <a:blip r:embed="rId3"/>
+          <a:stretch>
+            <a:fillRect/>
+          </a:stretch>
+        </p:blipFill>
         <p:spPr>
           <a:xfrm>
-            <a:off x="466579" y="1439666"/>
-            <a:ext cx="5354118" cy="1827670"/>
-          </a:xfrm>
-          <a:prstGeom prst="snip2SameRect">
-            <a:avLst>
-              <a:gd name="adj1" fmla="val 12977"/>
-              <a:gd name="adj2" fmla="val 13653"/>
-            </a:avLst>
-          </a:prstGeom>
-          <a:ln w="38100">
-            <a:solidFill>
-              <a:srgbClr val="249DD8"/>
-            </a:solidFill>
-          </a:ln>
-        </p:spPr>
-        <p:txBody>
-          <a:bodyPr>
-            <a:noAutofit/>
-          </a:bodyPr>
-          <a:lstStyle>
-            <a:defPPr>
-              <a:defRPr lang="en-US"/>
-            </a:defPPr>
-            <a:lvl1pPr marL="228600" indent="-228600" eaLnBrk="1" hangingPunct="1">
-              <a:lnSpc>
-                <a:spcPct val="90000"/>
-              </a:lnSpc>
-              <a:spcBef>
-                <a:spcPts val="1000"/>
-              </a:spcBef>
-              <a:buFont typeface="Arial" panose="020B0604020202020204" pitchFamily="34" charset="0"/>
-              <a:buChar char="•"/>
-              <a:defRPr sz="2000">
-                <a:latin typeface="Century Gothic" panose="020B0502020202020204" pitchFamily="34" charset="0"/>
-              </a:defRPr>
-            </a:lvl1pPr>
-            <a:lvl2pPr marL="685800" indent="-228600" eaLnBrk="1" hangingPunct="1">
-              <a:lnSpc>
-                <a:spcPct val="90000"/>
-              </a:lnSpc>
-              <a:spcBef>
-                <a:spcPts val="500"/>
-              </a:spcBef>
-              <a:buFont typeface="Arial" panose="020B0604020202020204" pitchFamily="34" charset="0"/>
-              <a:buChar char="•"/>
-              <a:defRPr sz="2400">
-                <a:latin typeface="Century Gothic" panose="020B0502020202020204" pitchFamily="34" charset="0"/>
-              </a:defRPr>
-            </a:lvl2pPr>
-            <a:lvl3pPr marL="1143000" indent="-228600" eaLnBrk="1" hangingPunct="1">
-              <a:lnSpc>
-                <a:spcPct val="90000"/>
-              </a:lnSpc>
-              <a:spcBef>
-                <a:spcPts val="500"/>
-              </a:spcBef>
-              <a:buFont typeface="Arial" panose="020B0604020202020204" pitchFamily="34" charset="0"/>
-              <a:buChar char="•"/>
-              <a:defRPr sz="2000">
-                <a:latin typeface="Century Gothic" panose="020B0502020202020204" pitchFamily="34" charset="0"/>
-              </a:defRPr>
-            </a:lvl3pPr>
-            <a:lvl4pPr marL="1600200" indent="-228600" eaLnBrk="1" hangingPunct="1">
-              <a:lnSpc>
-                <a:spcPct val="90000"/>
-              </a:lnSpc>
-              <a:spcBef>
-                <a:spcPts val="500"/>
-              </a:spcBef>
-              <a:buFont typeface="Arial" panose="020B0604020202020204" pitchFamily="34" charset="0"/>
-              <a:buChar char="•"/>
-              <a:defRPr>
-                <a:latin typeface="Century Gothic" panose="020B0502020202020204" pitchFamily="34" charset="0"/>
-              </a:defRPr>
-            </a:lvl4pPr>
-            <a:lvl5pPr marL="2057400" indent="-228600" eaLnBrk="1" hangingPunct="1">
-              <a:lnSpc>
-                <a:spcPct val="90000"/>
-              </a:lnSpc>
-              <a:spcBef>
-                <a:spcPts val="500"/>
-              </a:spcBef>
-              <a:buFont typeface="Arial" panose="020B0604020202020204" pitchFamily="34" charset="0"/>
-              <a:buChar char="•"/>
-              <a:defRPr>
-                <a:latin typeface="Century Gothic" panose="020B0502020202020204" pitchFamily="34" charset="0"/>
-              </a:defRPr>
-            </a:lvl5pPr>
-            <a:lvl6pPr marL="2514600" indent="-228600">
-              <a:lnSpc>
-                <a:spcPct val="90000"/>
-              </a:lnSpc>
-              <a:spcBef>
-                <a:spcPts val="500"/>
-              </a:spcBef>
-              <a:buFont typeface="Arial" panose="020B0604020202020204" pitchFamily="34" charset="0"/>
-              <a:buChar char="•"/>
-              <a:defRPr sz="1800">
-                <a:latin typeface="+mn-lt"/>
-              </a:defRPr>
-            </a:lvl6pPr>
-            <a:lvl7pPr marL="2971800" indent="-228600">
-              <a:lnSpc>
-                <a:spcPct val="90000"/>
-              </a:lnSpc>
-              <a:spcBef>
-                <a:spcPts val="500"/>
-              </a:spcBef>
-              <a:buFont typeface="Arial" panose="020B0604020202020204" pitchFamily="34" charset="0"/>
-              <a:buChar char="•"/>
-              <a:defRPr sz="1800">
-                <a:latin typeface="+mn-lt"/>
-              </a:defRPr>
-            </a:lvl7pPr>
-            <a:lvl8pPr marL="3429000" indent="-228600">
-              <a:lnSpc>
-                <a:spcPct val="90000"/>
-              </a:lnSpc>
-              <a:spcBef>
-                <a:spcPts val="500"/>
-              </a:spcBef>
-              <a:buFont typeface="Arial" panose="020B0604020202020204" pitchFamily="34" charset="0"/>
-              <a:buChar char="•"/>
-              <a:defRPr sz="1800">
-                <a:latin typeface="+mn-lt"/>
-              </a:defRPr>
-            </a:lvl8pPr>
-            <a:lvl9pPr marL="3886200" indent="-228600">
-              <a:lnSpc>
-                <a:spcPct val="90000"/>
-              </a:lnSpc>
-              <a:spcBef>
-                <a:spcPts val="500"/>
-              </a:spcBef>
-              <a:buFont typeface="Arial" panose="020B0604020202020204" pitchFamily="34" charset="0"/>
-              <a:buChar char="•"/>
-              <a:defRPr sz="1800">
-                <a:latin typeface="+mn-lt"/>
-              </a:defRPr>
-            </a:lvl9pPr>
-          </a:lstStyle>
-          <a:p>
-            <a:r>
-              <a:rPr lang="en-US" sz="1600">
-                <a:latin typeface="open sans" panose="020B0606030504020204" pitchFamily="34" charset="0"/>
-                <a:ea typeface="open sans" panose="020B0606030504020204" pitchFamily="34" charset="0"/>
-                <a:cs typeface="open sans" panose="020B0606030504020204" pitchFamily="34" charset="0"/>
-              </a:rPr>
-              <a:t>public List&lt;Pod&gt; </a:t>
-            </a:r>
-            <a:r>
-              <a:rPr lang="en-US" sz="1600" b="1">
-                <a:latin typeface="open sans" panose="020B0606030504020204" pitchFamily="34" charset="0"/>
-                <a:ea typeface="open sans" panose="020B0606030504020204" pitchFamily="34" charset="0"/>
-                <a:cs typeface="open sans" panose="020B0606030504020204" pitchFamily="34" charset="0"/>
-              </a:rPr>
-              <a:t>findPodDetails</a:t>
-            </a:r>
-            <a:r>
-              <a:rPr lang="en-US" sz="1600">
-                <a:latin typeface="open sans" panose="020B0606030504020204" pitchFamily="34" charset="0"/>
-                <a:ea typeface="open sans" panose="020B0606030504020204" pitchFamily="34" charset="0"/>
-                <a:cs typeface="open sans" panose="020B0606030504020204" pitchFamily="34" charset="0"/>
-              </a:rPr>
-              <a:t>(String NameSpaceDetails)</a:t>
-            </a:r>
-          </a:p>
-          <a:p>
-            <a:endParaRPr lang="en-US" sz="1600">
-              <a:latin typeface="open sans" panose="020B0606030504020204" pitchFamily="34" charset="0"/>
-              <a:ea typeface="open sans" panose="020B0606030504020204" pitchFamily="34" charset="0"/>
-              <a:cs typeface="open sans" panose="020B0606030504020204" pitchFamily="34" charset="0"/>
-            </a:endParaRPr>
-          </a:p>
-          <a:p>
-            <a:r>
-              <a:rPr lang="en-US" sz="1600">
-                <a:latin typeface="open sans" panose="020B0606030504020204" pitchFamily="34" charset="0"/>
-                <a:ea typeface="open sans" panose="020B0606030504020204" pitchFamily="34" charset="0"/>
-                <a:cs typeface="open sans" panose="020B0606030504020204" pitchFamily="34" charset="0"/>
-                <a:sym typeface="Wingdings" panose="05000000000000000000" pitchFamily="2" charset="2"/>
-              </a:rPr>
-              <a:t></a:t>
-            </a:r>
-            <a:r>
-              <a:rPr lang="en-US" sz="1600">
-                <a:latin typeface="open sans" panose="020B0606030504020204" pitchFamily="34" charset="0"/>
-                <a:ea typeface="open sans" panose="020B0606030504020204" pitchFamily="34" charset="0"/>
-                <a:cs typeface="open sans" panose="020B0606030504020204" pitchFamily="34" charset="0"/>
-              </a:rPr>
-              <a:t> </a:t>
-            </a:r>
-            <a:r>
-              <a:rPr lang="en-US" sz="1400">
-                <a:latin typeface="open sans" panose="020B0606030504020204" pitchFamily="34" charset="0"/>
-                <a:ea typeface="open sans" panose="020B0606030504020204" pitchFamily="34" charset="0"/>
-                <a:cs typeface="open sans" panose="020B0606030504020204" pitchFamily="34" charset="0"/>
-              </a:rPr>
-              <a:t>Retrun list Pods base on Namespace</a:t>
-            </a:r>
-          </a:p>
-          <a:p>
-            <a:endParaRPr lang="en-US" sz="1600">
-              <a:latin typeface="open sans" panose="020B0606030504020204" pitchFamily="34" charset="0"/>
-              <a:ea typeface="open sans" panose="020B0606030504020204" pitchFamily="34" charset="0"/>
-              <a:cs typeface="open sans" panose="020B0606030504020204" pitchFamily="34" charset="0"/>
-            </a:endParaRPr>
-          </a:p>
-        </p:txBody>
-      </p:sp>
-      <p:sp>
-        <p:nvSpPr>
-          <p:cNvPr id="6" name="Content Placeholder 2">
-            <a:extLst>
-              <a:ext uri="{FF2B5EF4-FFF2-40B4-BE49-F238E27FC236}">
-                <a16:creationId xmlns:a16="http://schemas.microsoft.com/office/drawing/2014/main" id="{74ECCD8D-9C36-88AF-1DF6-FC569B901098}"/>
-              </a:ext>
-            </a:extLst>
-          </p:cNvPr>
-          <p:cNvSpPr txBox="1">
-            <a:spLocks/>
-          </p:cNvSpPr>
-          <p:nvPr/>
-        </p:nvSpPr>
-        <p:spPr>
-          <a:xfrm>
-            <a:off x="6055727" y="1482398"/>
-            <a:ext cx="5536503" cy="1827670"/>
-          </a:xfrm>
-          <a:prstGeom prst="snip2SameRect">
-            <a:avLst>
-              <a:gd name="adj1" fmla="val 12977"/>
-              <a:gd name="adj2" fmla="val 13653"/>
-            </a:avLst>
-          </a:prstGeom>
-          <a:ln w="38100">
-            <a:solidFill>
-              <a:srgbClr val="249DD8"/>
-            </a:solidFill>
-          </a:ln>
-        </p:spPr>
-        <p:txBody>
-          <a:bodyPr>
-            <a:normAutofit/>
-          </a:bodyPr>
-          <a:lstStyle>
-            <a:defPPr>
-              <a:defRPr lang="en-US"/>
-            </a:defPPr>
-            <a:lvl1pPr marL="228600" indent="-228600" eaLnBrk="1" hangingPunct="1">
-              <a:lnSpc>
-                <a:spcPct val="90000"/>
-              </a:lnSpc>
-              <a:spcBef>
-                <a:spcPts val="1000"/>
-              </a:spcBef>
-              <a:buFont typeface="Arial" panose="020B0604020202020204" pitchFamily="34" charset="0"/>
-              <a:buChar char="•"/>
-              <a:defRPr sz="2000">
-                <a:latin typeface="Century Gothic" panose="020B0502020202020204" pitchFamily="34" charset="0"/>
-              </a:defRPr>
-            </a:lvl1pPr>
-            <a:lvl2pPr marL="685800" indent="-228600" eaLnBrk="1" hangingPunct="1">
-              <a:lnSpc>
-                <a:spcPct val="90000"/>
-              </a:lnSpc>
-              <a:spcBef>
-                <a:spcPts val="500"/>
-              </a:spcBef>
-              <a:buFont typeface="Arial" panose="020B0604020202020204" pitchFamily="34" charset="0"/>
-              <a:buChar char="•"/>
-              <a:defRPr sz="2400">
-                <a:latin typeface="Century Gothic" panose="020B0502020202020204" pitchFamily="34" charset="0"/>
-              </a:defRPr>
-            </a:lvl2pPr>
-            <a:lvl3pPr marL="1143000" indent="-228600" eaLnBrk="1" hangingPunct="1">
-              <a:lnSpc>
-                <a:spcPct val="90000"/>
-              </a:lnSpc>
-              <a:spcBef>
-                <a:spcPts val="500"/>
-              </a:spcBef>
-              <a:buFont typeface="Arial" panose="020B0604020202020204" pitchFamily="34" charset="0"/>
-              <a:buChar char="•"/>
-              <a:defRPr sz="2000">
-                <a:latin typeface="Century Gothic" panose="020B0502020202020204" pitchFamily="34" charset="0"/>
-              </a:defRPr>
-            </a:lvl3pPr>
-            <a:lvl4pPr marL="1600200" indent="-228600" eaLnBrk="1" hangingPunct="1">
-              <a:lnSpc>
-                <a:spcPct val="90000"/>
-              </a:lnSpc>
-              <a:spcBef>
-                <a:spcPts val="500"/>
-              </a:spcBef>
-              <a:buFont typeface="Arial" panose="020B0604020202020204" pitchFamily="34" charset="0"/>
-              <a:buChar char="•"/>
-              <a:defRPr>
-                <a:latin typeface="Century Gothic" panose="020B0502020202020204" pitchFamily="34" charset="0"/>
-              </a:defRPr>
-            </a:lvl4pPr>
-            <a:lvl5pPr marL="2057400" indent="-228600" eaLnBrk="1" hangingPunct="1">
-              <a:lnSpc>
-                <a:spcPct val="90000"/>
-              </a:lnSpc>
-              <a:spcBef>
-                <a:spcPts val="500"/>
-              </a:spcBef>
-              <a:buFont typeface="Arial" panose="020B0604020202020204" pitchFamily="34" charset="0"/>
-              <a:buChar char="•"/>
-              <a:defRPr>
-                <a:latin typeface="Century Gothic" panose="020B0502020202020204" pitchFamily="34" charset="0"/>
-              </a:defRPr>
-            </a:lvl5pPr>
-            <a:lvl6pPr marL="2514600" indent="-228600">
-              <a:lnSpc>
-                <a:spcPct val="90000"/>
-              </a:lnSpc>
-              <a:spcBef>
-                <a:spcPts val="500"/>
-              </a:spcBef>
-              <a:buFont typeface="Arial" panose="020B0604020202020204" pitchFamily="34" charset="0"/>
-              <a:buChar char="•"/>
-              <a:defRPr sz="1800">
-                <a:latin typeface="+mn-lt"/>
-              </a:defRPr>
-            </a:lvl6pPr>
-            <a:lvl7pPr marL="2971800" indent="-228600">
-              <a:lnSpc>
-                <a:spcPct val="90000"/>
-              </a:lnSpc>
-              <a:spcBef>
-                <a:spcPts val="500"/>
-              </a:spcBef>
-              <a:buFont typeface="Arial" panose="020B0604020202020204" pitchFamily="34" charset="0"/>
-              <a:buChar char="•"/>
-              <a:defRPr sz="1800">
-                <a:latin typeface="+mn-lt"/>
-              </a:defRPr>
-            </a:lvl7pPr>
-            <a:lvl8pPr marL="3429000" indent="-228600">
-              <a:lnSpc>
-                <a:spcPct val="90000"/>
-              </a:lnSpc>
-              <a:spcBef>
-                <a:spcPts val="500"/>
-              </a:spcBef>
-              <a:buFont typeface="Arial" panose="020B0604020202020204" pitchFamily="34" charset="0"/>
-              <a:buChar char="•"/>
-              <a:defRPr sz="1800">
-                <a:latin typeface="+mn-lt"/>
-              </a:defRPr>
-            </a:lvl8pPr>
-            <a:lvl9pPr marL="3886200" indent="-228600">
-              <a:lnSpc>
-                <a:spcPct val="90000"/>
-              </a:lnSpc>
-              <a:spcBef>
-                <a:spcPts val="500"/>
-              </a:spcBef>
-              <a:buFont typeface="Arial" panose="020B0604020202020204" pitchFamily="34" charset="0"/>
-              <a:buChar char="•"/>
-              <a:defRPr sz="1800">
-                <a:latin typeface="+mn-lt"/>
-              </a:defRPr>
-            </a:lvl9pPr>
-          </a:lstStyle>
-          <a:p>
-            <a:r>
-              <a:rPr lang="en-US" sz="1600">
-                <a:latin typeface="open sans" panose="020B0606030504020204" pitchFamily="34" charset="0"/>
-                <a:ea typeface="open sans" panose="020B0606030504020204" pitchFamily="34" charset="0"/>
-                <a:cs typeface="open sans" panose="020B0606030504020204" pitchFamily="34" charset="0"/>
-              </a:rPr>
-              <a:t>public void </a:t>
-            </a:r>
-            <a:r>
-              <a:rPr lang="en-US" sz="1600" b="1">
-                <a:latin typeface="open sans" panose="020B0606030504020204" pitchFamily="34" charset="0"/>
-                <a:ea typeface="open sans" panose="020B0606030504020204" pitchFamily="34" charset="0"/>
-                <a:cs typeface="open sans" panose="020B0606030504020204" pitchFamily="34" charset="0"/>
-              </a:rPr>
-              <a:t>scalePods</a:t>
-            </a:r>
-            <a:r>
-              <a:rPr lang="en-US" sz="1600">
-                <a:latin typeface="open sans" panose="020B0606030504020204" pitchFamily="34" charset="0"/>
-                <a:ea typeface="open sans" panose="020B0606030504020204" pitchFamily="34" charset="0"/>
-                <a:cs typeface="open sans" panose="020B0606030504020204" pitchFamily="34" charset="0"/>
-              </a:rPr>
-              <a:t>(String deploymentType, String deploymentDetails, String NameSpaceDetails, int NoOfReplicas)</a:t>
-            </a:r>
-          </a:p>
-          <a:p>
-            <a:endParaRPr lang="en-US" sz="1600">
-              <a:latin typeface="open sans" panose="020B0606030504020204" pitchFamily="34" charset="0"/>
-              <a:ea typeface="open sans" panose="020B0606030504020204" pitchFamily="34" charset="0"/>
-              <a:cs typeface="open sans" panose="020B0606030504020204" pitchFamily="34" charset="0"/>
-              <a:sym typeface="Wingdings" panose="05000000000000000000" pitchFamily="2" charset="2"/>
-            </a:endParaRPr>
-          </a:p>
-          <a:p>
-            <a:r>
-              <a:rPr lang="en-US" sz="1600">
-                <a:latin typeface="open sans" panose="020B0606030504020204" pitchFamily="34" charset="0"/>
-                <a:ea typeface="open sans" panose="020B0606030504020204" pitchFamily="34" charset="0"/>
-                <a:cs typeface="open sans" panose="020B0606030504020204" pitchFamily="34" charset="0"/>
-                <a:sym typeface="Wingdings" panose="05000000000000000000" pitchFamily="2" charset="2"/>
-              </a:rPr>
-              <a:t> </a:t>
-            </a:r>
-            <a:r>
-              <a:rPr lang="en-US" sz="1400">
-                <a:latin typeface="open sans" panose="020B0606030504020204" pitchFamily="34" charset="0"/>
-                <a:ea typeface="open sans" panose="020B0606030504020204" pitchFamily="34" charset="0"/>
-                <a:cs typeface="open sans" panose="020B0606030504020204" pitchFamily="34" charset="0"/>
-                <a:sym typeface="Wingdings" panose="05000000000000000000" pitchFamily="2" charset="2"/>
-              </a:rPr>
-              <a:t>Scale pods of deployment</a:t>
-            </a:r>
-            <a:endParaRPr lang="en-US" sz="1400">
-              <a:latin typeface="open sans" panose="020B0606030504020204" pitchFamily="34" charset="0"/>
-              <a:ea typeface="open sans" panose="020B0606030504020204" pitchFamily="34" charset="0"/>
-              <a:cs typeface="open sans" panose="020B0606030504020204" pitchFamily="34" charset="0"/>
-            </a:endParaRPr>
-          </a:p>
-        </p:txBody>
-      </p:sp>
-      <p:sp>
-        <p:nvSpPr>
-          <p:cNvPr id="7" name="Content Placeholder 2">
-            <a:extLst>
-              <a:ext uri="{FF2B5EF4-FFF2-40B4-BE49-F238E27FC236}">
-                <a16:creationId xmlns:a16="http://schemas.microsoft.com/office/drawing/2014/main" id="{08A9FF55-4363-8AA9-1788-6248C20C6BF2}"/>
-              </a:ext>
-            </a:extLst>
-          </p:cNvPr>
-          <p:cNvSpPr txBox="1">
-            <a:spLocks/>
-          </p:cNvSpPr>
-          <p:nvPr/>
-        </p:nvSpPr>
-        <p:spPr>
-          <a:xfrm>
-            <a:off x="466577" y="3793728"/>
-            <a:ext cx="5354119" cy="1827670"/>
-          </a:xfrm>
-          <a:prstGeom prst="snip2SameRect">
-            <a:avLst>
-              <a:gd name="adj1" fmla="val 12977"/>
-              <a:gd name="adj2" fmla="val 13653"/>
-            </a:avLst>
-          </a:prstGeom>
-          <a:ln w="38100">
-            <a:solidFill>
-              <a:srgbClr val="249DD8"/>
-            </a:solidFill>
-          </a:ln>
-        </p:spPr>
-        <p:txBody>
-          <a:bodyPr>
-            <a:noAutofit/>
-          </a:bodyPr>
-          <a:lstStyle>
-            <a:defPPr>
-              <a:defRPr lang="en-US"/>
-            </a:defPPr>
-            <a:lvl1pPr marL="228600" indent="-228600" eaLnBrk="1" hangingPunct="1">
-              <a:lnSpc>
-                <a:spcPct val="90000"/>
-              </a:lnSpc>
-              <a:spcBef>
-                <a:spcPts val="1000"/>
-              </a:spcBef>
-              <a:buFont typeface="Arial" panose="020B0604020202020204" pitchFamily="34" charset="0"/>
-              <a:buChar char="•"/>
-              <a:defRPr sz="2000">
-                <a:latin typeface="Century Gothic" panose="020B0502020202020204" pitchFamily="34" charset="0"/>
-              </a:defRPr>
-            </a:lvl1pPr>
-            <a:lvl2pPr marL="685800" indent="-228600" eaLnBrk="1" hangingPunct="1">
-              <a:lnSpc>
-                <a:spcPct val="90000"/>
-              </a:lnSpc>
-              <a:spcBef>
-                <a:spcPts val="500"/>
-              </a:spcBef>
-              <a:buFont typeface="Arial" panose="020B0604020202020204" pitchFamily="34" charset="0"/>
-              <a:buChar char="•"/>
-              <a:defRPr sz="2400">
-                <a:latin typeface="Century Gothic" panose="020B0502020202020204" pitchFamily="34" charset="0"/>
-              </a:defRPr>
-            </a:lvl2pPr>
-            <a:lvl3pPr marL="1143000" indent="-228600" eaLnBrk="1" hangingPunct="1">
-              <a:lnSpc>
-                <a:spcPct val="90000"/>
-              </a:lnSpc>
-              <a:spcBef>
-                <a:spcPts val="500"/>
-              </a:spcBef>
-              <a:buFont typeface="Arial" panose="020B0604020202020204" pitchFamily="34" charset="0"/>
-              <a:buChar char="•"/>
-              <a:defRPr sz="2000">
-                <a:latin typeface="Century Gothic" panose="020B0502020202020204" pitchFamily="34" charset="0"/>
-              </a:defRPr>
-            </a:lvl3pPr>
-            <a:lvl4pPr marL="1600200" indent="-228600" eaLnBrk="1" hangingPunct="1">
-              <a:lnSpc>
-                <a:spcPct val="90000"/>
-              </a:lnSpc>
-              <a:spcBef>
-                <a:spcPts val="500"/>
-              </a:spcBef>
-              <a:buFont typeface="Arial" panose="020B0604020202020204" pitchFamily="34" charset="0"/>
-              <a:buChar char="•"/>
-              <a:defRPr>
-                <a:latin typeface="Century Gothic" panose="020B0502020202020204" pitchFamily="34" charset="0"/>
-              </a:defRPr>
-            </a:lvl4pPr>
-            <a:lvl5pPr marL="2057400" indent="-228600" eaLnBrk="1" hangingPunct="1">
-              <a:lnSpc>
-                <a:spcPct val="90000"/>
-              </a:lnSpc>
-              <a:spcBef>
-                <a:spcPts val="500"/>
-              </a:spcBef>
-              <a:buFont typeface="Arial" panose="020B0604020202020204" pitchFamily="34" charset="0"/>
-              <a:buChar char="•"/>
-              <a:defRPr>
-                <a:latin typeface="Century Gothic" panose="020B0502020202020204" pitchFamily="34" charset="0"/>
-              </a:defRPr>
-            </a:lvl5pPr>
-            <a:lvl6pPr marL="2514600" indent="-228600">
-              <a:lnSpc>
-                <a:spcPct val="90000"/>
-              </a:lnSpc>
-              <a:spcBef>
-                <a:spcPts val="500"/>
-              </a:spcBef>
-              <a:buFont typeface="Arial" panose="020B0604020202020204" pitchFamily="34" charset="0"/>
-              <a:buChar char="•"/>
-              <a:defRPr sz="1800">
-                <a:latin typeface="+mn-lt"/>
-              </a:defRPr>
-            </a:lvl6pPr>
-            <a:lvl7pPr marL="2971800" indent="-228600">
-              <a:lnSpc>
-                <a:spcPct val="90000"/>
-              </a:lnSpc>
-              <a:spcBef>
-                <a:spcPts val="500"/>
-              </a:spcBef>
-              <a:buFont typeface="Arial" panose="020B0604020202020204" pitchFamily="34" charset="0"/>
-              <a:buChar char="•"/>
-              <a:defRPr sz="1800">
-                <a:latin typeface="+mn-lt"/>
-              </a:defRPr>
-            </a:lvl7pPr>
-            <a:lvl8pPr marL="3429000" indent="-228600">
-              <a:lnSpc>
-                <a:spcPct val="90000"/>
-              </a:lnSpc>
-              <a:spcBef>
-                <a:spcPts val="500"/>
-              </a:spcBef>
-              <a:buFont typeface="Arial" panose="020B0604020202020204" pitchFamily="34" charset="0"/>
-              <a:buChar char="•"/>
-              <a:defRPr sz="1800">
-                <a:latin typeface="+mn-lt"/>
-              </a:defRPr>
-            </a:lvl8pPr>
-            <a:lvl9pPr marL="3886200" indent="-228600">
-              <a:lnSpc>
-                <a:spcPct val="90000"/>
-              </a:lnSpc>
-              <a:spcBef>
-                <a:spcPts val="500"/>
-              </a:spcBef>
-              <a:buFont typeface="Arial" panose="020B0604020202020204" pitchFamily="34" charset="0"/>
-              <a:buChar char="•"/>
-              <a:defRPr sz="1800">
-                <a:latin typeface="+mn-lt"/>
-              </a:defRPr>
-            </a:lvl9pPr>
-          </a:lstStyle>
-          <a:p>
-            <a:r>
-              <a:rPr lang="en-US" sz="1600">
-                <a:latin typeface="open sans" panose="020B0606030504020204" pitchFamily="34" charset="0"/>
-                <a:ea typeface="open sans" panose="020B0606030504020204" pitchFamily="34" charset="0"/>
-                <a:cs typeface="open sans" panose="020B0606030504020204" pitchFamily="34" charset="0"/>
-              </a:rPr>
-              <a:t>public void </a:t>
-            </a:r>
-            <a:r>
-              <a:rPr lang="en-US" sz="1600" b="1">
-                <a:latin typeface="open sans" panose="020B0606030504020204" pitchFamily="34" charset="0"/>
-                <a:ea typeface="open sans" panose="020B0606030504020204" pitchFamily="34" charset="0"/>
-                <a:cs typeface="open sans" panose="020B0606030504020204" pitchFamily="34" charset="0"/>
-              </a:rPr>
-              <a:t>restartDeployment</a:t>
-            </a:r>
-            <a:r>
-              <a:rPr lang="en-US" sz="1600">
-                <a:latin typeface="open sans" panose="020B0606030504020204" pitchFamily="34" charset="0"/>
-                <a:ea typeface="open sans" panose="020B0606030504020204" pitchFamily="34" charset="0"/>
-                <a:cs typeface="open sans" panose="020B0606030504020204" pitchFamily="34" charset="0"/>
-              </a:rPr>
-              <a:t>(String deploymentType, String deploymentDetails, String NameSpaceDetails)</a:t>
-            </a:r>
-          </a:p>
-          <a:p>
-            <a:endParaRPr lang="en-US" sz="1600">
-              <a:latin typeface="open sans" panose="020B0606030504020204" pitchFamily="34" charset="0"/>
-              <a:ea typeface="open sans" panose="020B0606030504020204" pitchFamily="34" charset="0"/>
-              <a:cs typeface="open sans" panose="020B0606030504020204" pitchFamily="34" charset="0"/>
-              <a:sym typeface="Wingdings" panose="05000000000000000000" pitchFamily="2" charset="2"/>
-            </a:endParaRPr>
-          </a:p>
-          <a:p>
-            <a:r>
-              <a:rPr lang="en-US" sz="1600">
-                <a:latin typeface="open sans" panose="020B0606030504020204" pitchFamily="34" charset="0"/>
-                <a:ea typeface="open sans" panose="020B0606030504020204" pitchFamily="34" charset="0"/>
-                <a:cs typeface="open sans" panose="020B0606030504020204" pitchFamily="34" charset="0"/>
-                <a:sym typeface="Wingdings" panose="05000000000000000000" pitchFamily="2" charset="2"/>
-              </a:rPr>
-              <a:t> </a:t>
-            </a:r>
-            <a:r>
-              <a:rPr lang="en-US" sz="1400">
-                <a:latin typeface="open sans" panose="020B0606030504020204" pitchFamily="34" charset="0"/>
-                <a:ea typeface="open sans" panose="020B0606030504020204" pitchFamily="34" charset="0"/>
-                <a:cs typeface="open sans" panose="020B0606030504020204" pitchFamily="34" charset="0"/>
-                <a:sym typeface="Wingdings" panose="05000000000000000000" pitchFamily="2" charset="2"/>
-              </a:rPr>
-              <a:t>Restart all pods of deployment</a:t>
-            </a:r>
-            <a:endParaRPr lang="en-US" sz="1400">
-              <a:latin typeface="open sans" panose="020B0606030504020204" pitchFamily="34" charset="0"/>
-              <a:ea typeface="open sans" panose="020B0606030504020204" pitchFamily="34" charset="0"/>
-              <a:cs typeface="open sans" panose="020B0606030504020204" pitchFamily="34" charset="0"/>
-            </a:endParaRPr>
-          </a:p>
-        </p:txBody>
-      </p:sp>
-      <p:sp>
-        <p:nvSpPr>
-          <p:cNvPr id="8" name="Content Placeholder 2">
-            <a:extLst>
-              <a:ext uri="{FF2B5EF4-FFF2-40B4-BE49-F238E27FC236}">
-                <a16:creationId xmlns:a16="http://schemas.microsoft.com/office/drawing/2014/main" id="{2FEFB2CF-EFC1-62B4-BEF9-A366BE5E46B8}"/>
-              </a:ext>
-            </a:extLst>
-          </p:cNvPr>
-          <p:cNvSpPr txBox="1">
-            <a:spLocks/>
-          </p:cNvSpPr>
-          <p:nvPr/>
-        </p:nvSpPr>
-        <p:spPr>
-          <a:xfrm>
-            <a:off x="6055728" y="3836460"/>
-            <a:ext cx="5536503" cy="1827670"/>
-          </a:xfrm>
-          <a:prstGeom prst="snip2SameRect">
-            <a:avLst>
-              <a:gd name="adj1" fmla="val 12977"/>
-              <a:gd name="adj2" fmla="val 13653"/>
-            </a:avLst>
-          </a:prstGeom>
-          <a:ln w="38100">
-            <a:solidFill>
-              <a:srgbClr val="249DD8"/>
-            </a:solidFill>
-          </a:ln>
-        </p:spPr>
-        <p:txBody>
-          <a:bodyPr>
-            <a:normAutofit/>
-          </a:bodyPr>
-          <a:lstStyle>
-            <a:defPPr>
-              <a:defRPr lang="en-US"/>
-            </a:defPPr>
-            <a:lvl1pPr marL="228600" indent="-228600" eaLnBrk="1" hangingPunct="1">
-              <a:lnSpc>
-                <a:spcPct val="90000"/>
-              </a:lnSpc>
-              <a:spcBef>
-                <a:spcPts val="1000"/>
-              </a:spcBef>
-              <a:buFont typeface="Arial" panose="020B0604020202020204" pitchFamily="34" charset="0"/>
-              <a:buChar char="•"/>
-              <a:defRPr sz="2000">
-                <a:latin typeface="Century Gothic" panose="020B0502020202020204" pitchFamily="34" charset="0"/>
-              </a:defRPr>
-            </a:lvl1pPr>
-            <a:lvl2pPr marL="685800" indent="-228600" eaLnBrk="1" hangingPunct="1">
-              <a:lnSpc>
-                <a:spcPct val="90000"/>
-              </a:lnSpc>
-              <a:spcBef>
-                <a:spcPts val="500"/>
-              </a:spcBef>
-              <a:buFont typeface="Arial" panose="020B0604020202020204" pitchFamily="34" charset="0"/>
-              <a:buChar char="•"/>
-              <a:defRPr sz="2400">
-                <a:latin typeface="Century Gothic" panose="020B0502020202020204" pitchFamily="34" charset="0"/>
-              </a:defRPr>
-            </a:lvl2pPr>
-            <a:lvl3pPr marL="1143000" indent="-228600" eaLnBrk="1" hangingPunct="1">
-              <a:lnSpc>
-                <a:spcPct val="90000"/>
-              </a:lnSpc>
-              <a:spcBef>
-                <a:spcPts val="500"/>
-              </a:spcBef>
-              <a:buFont typeface="Arial" panose="020B0604020202020204" pitchFamily="34" charset="0"/>
-              <a:buChar char="•"/>
-              <a:defRPr sz="2000">
-                <a:latin typeface="Century Gothic" panose="020B0502020202020204" pitchFamily="34" charset="0"/>
-              </a:defRPr>
-            </a:lvl3pPr>
-            <a:lvl4pPr marL="1600200" indent="-228600" eaLnBrk="1" hangingPunct="1">
-              <a:lnSpc>
-                <a:spcPct val="90000"/>
-              </a:lnSpc>
-              <a:spcBef>
-                <a:spcPts val="500"/>
-              </a:spcBef>
-              <a:buFont typeface="Arial" panose="020B0604020202020204" pitchFamily="34" charset="0"/>
-              <a:buChar char="•"/>
-              <a:defRPr>
-                <a:latin typeface="Century Gothic" panose="020B0502020202020204" pitchFamily="34" charset="0"/>
-              </a:defRPr>
-            </a:lvl4pPr>
-            <a:lvl5pPr marL="2057400" indent="-228600" eaLnBrk="1" hangingPunct="1">
-              <a:lnSpc>
-                <a:spcPct val="90000"/>
-              </a:lnSpc>
-              <a:spcBef>
-                <a:spcPts val="500"/>
-              </a:spcBef>
-              <a:buFont typeface="Arial" panose="020B0604020202020204" pitchFamily="34" charset="0"/>
-              <a:buChar char="•"/>
-              <a:defRPr>
-                <a:latin typeface="Century Gothic" panose="020B0502020202020204" pitchFamily="34" charset="0"/>
-              </a:defRPr>
-            </a:lvl5pPr>
-            <a:lvl6pPr marL="2514600" indent="-228600">
-              <a:lnSpc>
-                <a:spcPct val="90000"/>
-              </a:lnSpc>
-              <a:spcBef>
-                <a:spcPts val="500"/>
-              </a:spcBef>
-              <a:buFont typeface="Arial" panose="020B0604020202020204" pitchFamily="34" charset="0"/>
-              <a:buChar char="•"/>
-              <a:defRPr sz="1800">
-                <a:latin typeface="+mn-lt"/>
-              </a:defRPr>
-            </a:lvl6pPr>
-            <a:lvl7pPr marL="2971800" indent="-228600">
-              <a:lnSpc>
-                <a:spcPct val="90000"/>
-              </a:lnSpc>
-              <a:spcBef>
-                <a:spcPts val="500"/>
-              </a:spcBef>
-              <a:buFont typeface="Arial" panose="020B0604020202020204" pitchFamily="34" charset="0"/>
-              <a:buChar char="•"/>
-              <a:defRPr sz="1800">
-                <a:latin typeface="+mn-lt"/>
-              </a:defRPr>
-            </a:lvl7pPr>
-            <a:lvl8pPr marL="3429000" indent="-228600">
-              <a:lnSpc>
-                <a:spcPct val="90000"/>
-              </a:lnSpc>
-              <a:spcBef>
-                <a:spcPts val="500"/>
-              </a:spcBef>
-              <a:buFont typeface="Arial" panose="020B0604020202020204" pitchFamily="34" charset="0"/>
-              <a:buChar char="•"/>
-              <a:defRPr sz="1800">
-                <a:latin typeface="+mn-lt"/>
-              </a:defRPr>
-            </a:lvl8pPr>
-            <a:lvl9pPr marL="3886200" indent="-228600">
-              <a:lnSpc>
-                <a:spcPct val="90000"/>
-              </a:lnSpc>
-              <a:spcBef>
-                <a:spcPts val="500"/>
-              </a:spcBef>
-              <a:buFont typeface="Arial" panose="020B0604020202020204" pitchFamily="34" charset="0"/>
-              <a:buChar char="•"/>
-              <a:defRPr sz="1800">
-                <a:latin typeface="+mn-lt"/>
-              </a:defRPr>
-            </a:lvl9pPr>
-          </a:lstStyle>
-          <a:p>
-            <a:r>
-              <a:rPr lang="en-US" sz="1600">
-                <a:latin typeface="open sans" panose="020B0606030504020204" pitchFamily="34" charset="0"/>
-                <a:ea typeface="open sans" panose="020B0606030504020204" pitchFamily="34" charset="0"/>
-                <a:cs typeface="open sans" panose="020B0606030504020204" pitchFamily="34" charset="0"/>
-              </a:rPr>
-              <a:t>public List&lt;PodMetrics&gt; </a:t>
-            </a:r>
-            <a:r>
-              <a:rPr lang="en-US" sz="1600" b="1">
-                <a:latin typeface="open sans" panose="020B0606030504020204" pitchFamily="34" charset="0"/>
-                <a:ea typeface="open sans" panose="020B0606030504020204" pitchFamily="34" charset="0"/>
-                <a:cs typeface="open sans" panose="020B0606030504020204" pitchFamily="34" charset="0"/>
-              </a:rPr>
-              <a:t>getResourceUsed</a:t>
-            </a:r>
-            <a:r>
-              <a:rPr lang="en-US" sz="1600">
-                <a:latin typeface="open sans" panose="020B0606030504020204" pitchFamily="34" charset="0"/>
-                <a:ea typeface="open sans" panose="020B0606030504020204" pitchFamily="34" charset="0"/>
-                <a:cs typeface="open sans" panose="020B0606030504020204" pitchFamily="34" charset="0"/>
-              </a:rPr>
-              <a:t>()</a:t>
-            </a:r>
-          </a:p>
-          <a:p>
-            <a:endParaRPr lang="en-US" sz="1600">
-              <a:latin typeface="open sans" panose="020B0606030504020204" pitchFamily="34" charset="0"/>
-              <a:ea typeface="open sans" panose="020B0606030504020204" pitchFamily="34" charset="0"/>
-              <a:cs typeface="open sans" panose="020B0606030504020204" pitchFamily="34" charset="0"/>
-            </a:endParaRPr>
-          </a:p>
-          <a:p>
-            <a:r>
-              <a:rPr lang="en-US" sz="1600">
-                <a:latin typeface="open sans" panose="020B0606030504020204" pitchFamily="34" charset="0"/>
-                <a:ea typeface="open sans" panose="020B0606030504020204" pitchFamily="34" charset="0"/>
-                <a:cs typeface="open sans" panose="020B0606030504020204" pitchFamily="34" charset="0"/>
-                <a:sym typeface="Wingdings" panose="05000000000000000000" pitchFamily="2" charset="2"/>
-              </a:rPr>
-              <a:t> </a:t>
-            </a:r>
-            <a:r>
-              <a:rPr lang="en-US" sz="1400">
-                <a:latin typeface="open sans" panose="020B0606030504020204" pitchFamily="34" charset="0"/>
-                <a:ea typeface="open sans" panose="020B0606030504020204" pitchFamily="34" charset="0"/>
-                <a:cs typeface="open sans" panose="020B0606030504020204" pitchFamily="34" charset="0"/>
-                <a:sym typeface="Wingdings" panose="05000000000000000000" pitchFamily="2" charset="2"/>
-              </a:rPr>
-              <a:t>Get list ResourceUsed of Pods</a:t>
-            </a:r>
-            <a:endParaRPr lang="en-US" sz="1400">
-              <a:latin typeface="open sans" panose="020B0606030504020204" pitchFamily="34" charset="0"/>
-              <a:ea typeface="open sans" panose="020B0606030504020204" pitchFamily="34" charset="0"/>
-              <a:cs typeface="open sans" panose="020B0606030504020204" pitchFamily="34" charset="0"/>
-            </a:endParaRPr>
-          </a:p>
-        </p:txBody>
-      </p:sp>
-    </p:spTree>
-    <p:extLst>
-      <p:ext uri="{BB962C8B-B14F-4D97-AF65-F5344CB8AC3E}">
-        <p14:creationId xmlns:p14="http://schemas.microsoft.com/office/powerpoint/2010/main" val="2985321251"/>
-      </p:ext>
-    </p:extLst>
-  </p:cSld>
-  <p:clrMapOvr>
-    <a:masterClrMapping/>
-  </p:clrMapOvr>
-</p:sld>
-</file>
-
-<file path=ppt/slides/slide22.xml><?xml version="1.0" encoding="utf-8"?>
-<p:sld xmlns:a="http://schemas.openxmlformats.org/drawingml/2006/main" xmlns:r="http://schemas.openxmlformats.org/officeDocument/2006/relationships" xmlns:p="http://schemas.openxmlformats.org/presentationml/2006/main">
-  <p:cSld>
-    <p:spTree>
-      <p:nvGrpSpPr>
-        <p:cNvPr id="1" name=""/>
-        <p:cNvGrpSpPr/>
-        <p:nvPr/>
-      </p:nvGrpSpPr>
-      <p:grpSpPr>
-        <a:xfrm>
-          <a:off x="0" y="0"/>
-          <a:ext cx="0" cy="0"/>
-          <a:chOff x="0" y="0"/>
-          <a:chExt cx="0" cy="0"/>
-        </a:xfrm>
-      </p:grpSpPr>
-      <p:sp>
-        <p:nvSpPr>
-          <p:cNvPr id="4" name="Title 3"/>
-          <p:cNvSpPr>
-            <a:spLocks noGrp="1"/>
-          </p:cNvSpPr>
-          <p:nvPr>
-            <p:ph type="title"/>
-          </p:nvPr>
-        </p:nvSpPr>
-        <p:spPr/>
-        <p:txBody>
-          <a:bodyPr/>
-          <a:lstStyle/>
-          <a:p>
-            <a:r>
-              <a:rPr lang="en-US" sz="3200">
-                <a:cs typeface="Times New Roman" panose="02020603050405020304" pitchFamily="18" charset="0"/>
-              </a:rPr>
-              <a:t>5. </a:t>
-            </a:r>
-            <a:r>
-              <a:rPr lang="en-US" sz="3200" b="1"/>
-              <a:t>USER CASE </a:t>
-            </a:r>
-            <a:endParaRPr lang="en-US" sz="3200"/>
-          </a:p>
-        </p:txBody>
-      </p:sp>
-      <p:sp>
-        <p:nvSpPr>
-          <p:cNvPr id="2" name="Content Placeholder 1">
-            <a:extLst>
-              <a:ext uri="{FF2B5EF4-FFF2-40B4-BE49-F238E27FC236}">
-                <a16:creationId xmlns:a16="http://schemas.microsoft.com/office/drawing/2014/main" id="{7A8EA494-6D02-E937-23B3-5358CA3059BF}"/>
-              </a:ext>
-            </a:extLst>
-          </p:cNvPr>
-          <p:cNvSpPr>
-            <a:spLocks noGrp="1"/>
-          </p:cNvSpPr>
-          <p:nvPr>
-            <p:ph idx="1"/>
-          </p:nvPr>
-        </p:nvSpPr>
-        <p:spPr/>
-        <p:txBody>
-          <a:bodyPr/>
-          <a:lstStyle/>
-          <a:p>
-            <a:pPr>
-              <a:buFont typeface="Wingdings" panose="05000000000000000000" pitchFamily="2" charset="2"/>
-              <a:buChar char="ü"/>
-            </a:pPr>
-            <a:r>
-              <a:rPr lang="en-US">
-                <a:solidFill>
-                  <a:schemeClr val="tx1"/>
-                </a:solidFill>
-                <a:latin typeface="open sans" panose="020B0606030504020204" pitchFamily="34" charset="0"/>
-                <a:ea typeface="open sans" panose="020B0606030504020204" pitchFamily="34" charset="0"/>
-                <a:cs typeface="open sans" panose="020B0606030504020204" pitchFamily="34" charset="0"/>
-              </a:rPr>
-              <a:t>Monitor status of Pods</a:t>
-            </a:r>
-          </a:p>
-          <a:p>
-            <a:pPr lvl="1">
-              <a:buFont typeface="Arial" panose="020B0604020202020204" pitchFamily="34" charset="0"/>
-              <a:buChar char="•"/>
-            </a:pPr>
-            <a:r>
-              <a:rPr lang="en-US">
-                <a:solidFill>
-                  <a:schemeClr val="tx1"/>
-                </a:solidFill>
-                <a:latin typeface="open sans" panose="020B0606030504020204" pitchFamily="34" charset="0"/>
-                <a:ea typeface="open sans" panose="020B0606030504020204" pitchFamily="34" charset="0"/>
-                <a:cs typeface="open sans" panose="020B0606030504020204" pitchFamily="34" charset="0"/>
-              </a:rPr>
-              <a:t>User can monitor status all Pods of the application</a:t>
-            </a:r>
-          </a:p>
-          <a:p>
-            <a:pPr>
-              <a:buFont typeface="Wingdings" panose="05000000000000000000" pitchFamily="2" charset="2"/>
-              <a:buChar char="ü"/>
-            </a:pPr>
-            <a:r>
-              <a:rPr lang="en-US">
-                <a:solidFill>
-                  <a:schemeClr val="tx1"/>
-                </a:solidFill>
-                <a:latin typeface="open sans" panose="020B0606030504020204" pitchFamily="34" charset="0"/>
-                <a:ea typeface="open sans" panose="020B0606030504020204" pitchFamily="34" charset="0"/>
-                <a:cs typeface="open sans" panose="020B0606030504020204" pitchFamily="34" charset="0"/>
-              </a:rPr>
-              <a:t>Restart Pods during application running and monitor</a:t>
-            </a:r>
-          </a:p>
-          <a:p>
-            <a:pPr lvl="1">
-              <a:buFont typeface="Arial" panose="020B0604020202020204" pitchFamily="34" charset="0"/>
-              <a:buChar char="•"/>
-            </a:pPr>
-            <a:r>
-              <a:rPr lang="en-US">
-                <a:solidFill>
-                  <a:schemeClr val="tx1"/>
-                </a:solidFill>
-                <a:latin typeface="open sans" panose="020B0606030504020204" pitchFamily="34" charset="0"/>
-                <a:ea typeface="open sans" panose="020B0606030504020204" pitchFamily="34" charset="0"/>
-                <a:cs typeface="open sans" panose="020B0606030504020204" pitchFamily="34" charset="0"/>
-              </a:rPr>
-              <a:t>Verify Restart contact actor during import contact list with 1k contacts in csv</a:t>
-            </a:r>
-          </a:p>
-          <a:p>
-            <a:pPr>
-              <a:buFont typeface="Wingdings" panose="05000000000000000000" pitchFamily="2" charset="2"/>
-              <a:buChar char="ü"/>
-            </a:pPr>
-            <a:r>
-              <a:rPr lang="en-US">
-                <a:solidFill>
-                  <a:schemeClr val="tx1"/>
-                </a:solidFill>
-                <a:latin typeface="open sans" panose="020B0606030504020204" pitchFamily="34" charset="0"/>
-                <a:ea typeface="open sans" panose="020B0606030504020204" pitchFamily="34" charset="0"/>
-                <a:cs typeface="open sans" panose="020B0606030504020204" pitchFamily="34" charset="0"/>
-              </a:rPr>
-              <a:t>Scale up/down Pods during application running and monitor</a:t>
-            </a:r>
-          </a:p>
-          <a:p>
-            <a:pPr lvl="1">
-              <a:buFont typeface="Arial" panose="020B0604020202020204" pitchFamily="34" charset="0"/>
-              <a:buChar char="•"/>
-            </a:pPr>
-            <a:r>
-              <a:rPr lang="en-US">
-                <a:solidFill>
-                  <a:schemeClr val="tx1"/>
-                </a:solidFill>
-                <a:latin typeface="open sans" panose="020B0606030504020204" pitchFamily="34" charset="0"/>
-                <a:ea typeface="open sans" panose="020B0606030504020204" pitchFamily="34" charset="0"/>
-                <a:cs typeface="open sans" panose="020B0606030504020204" pitchFamily="34" charset="0"/>
-              </a:rPr>
-              <a:t>Verify Scale contact actor during import contact list with 1k contacts in csv</a:t>
-            </a:r>
-          </a:p>
-          <a:p>
-            <a:pPr>
-              <a:buFont typeface="Wingdings" panose="05000000000000000000" pitchFamily="2" charset="2"/>
-              <a:buChar char="ü"/>
-            </a:pPr>
-            <a:r>
-              <a:rPr lang="en-US">
-                <a:solidFill>
-                  <a:schemeClr val="tx1"/>
-                </a:solidFill>
-                <a:latin typeface="open sans" panose="020B0606030504020204" pitchFamily="34" charset="0"/>
-                <a:ea typeface="open sans" panose="020B0606030504020204" pitchFamily="34" charset="0"/>
-                <a:cs typeface="open sans" panose="020B0606030504020204" pitchFamily="34" charset="0"/>
-              </a:rPr>
-              <a:t>Monitor resources used of application during application running</a:t>
-            </a:r>
-          </a:p>
-          <a:p>
-            <a:pPr lvl="1">
-              <a:buFont typeface="Arial" panose="020B0604020202020204" pitchFamily="34" charset="0"/>
-              <a:buChar char="•"/>
-            </a:pPr>
-            <a:r>
-              <a:rPr lang="en-US">
-                <a:solidFill>
-                  <a:schemeClr val="tx1"/>
-                </a:solidFill>
-                <a:latin typeface="open sans" panose="020B0606030504020204" pitchFamily="34" charset="0"/>
-                <a:ea typeface="open sans" panose="020B0606030504020204" pitchFamily="34" charset="0"/>
-                <a:cs typeface="open sans" panose="020B0606030504020204" pitchFamily="34" charset="0"/>
-              </a:rPr>
-              <a:t>User can read resources used of pods real time</a:t>
-            </a:r>
-          </a:p>
-          <a:p>
-            <a:pPr lvl="1">
-              <a:buFont typeface="Arial" panose="020B0604020202020204" pitchFamily="34" charset="0"/>
-              <a:buChar char="•"/>
-            </a:pPr>
-            <a:endParaRPr lang="en-US">
-              <a:solidFill>
-                <a:schemeClr val="tx1"/>
-              </a:solidFill>
-              <a:latin typeface="open sans" panose="020B0606030504020204" pitchFamily="34" charset="0"/>
-              <a:ea typeface="open sans" panose="020B0606030504020204" pitchFamily="34" charset="0"/>
-              <a:cs typeface="open sans" panose="020B0606030504020204" pitchFamily="34" charset="0"/>
-            </a:endParaRPr>
-          </a:p>
-        </p:txBody>
-      </p:sp>
-    </p:spTree>
-    <p:extLst>
-      <p:ext uri="{BB962C8B-B14F-4D97-AF65-F5344CB8AC3E}">
-        <p14:creationId xmlns:p14="http://schemas.microsoft.com/office/powerpoint/2010/main" val="3065375754"/>
-      </p:ext>
-    </p:extLst>
-  </p:cSld>
-  <p:clrMapOvr>
-    <a:masterClrMapping/>
-  </p:clrMapOvr>
-</p:sld>
-</file>
-
-<file path=ppt/slides/slide23.xml><?xml version="1.0" encoding="utf-8"?>
-<p:sld xmlns:a="http://schemas.openxmlformats.org/drawingml/2006/main" xmlns:r="http://schemas.openxmlformats.org/officeDocument/2006/relationships" xmlns:p="http://schemas.openxmlformats.org/presentationml/2006/main">
-  <p:cSld>
-    <p:spTree>
-      <p:nvGrpSpPr>
-        <p:cNvPr id="1" name=""/>
-        <p:cNvGrpSpPr/>
-        <p:nvPr/>
-      </p:nvGrpSpPr>
-      <p:grpSpPr>
-        <a:xfrm>
-          <a:off x="0" y="0"/>
-          <a:ext cx="0" cy="0"/>
-          <a:chOff x="0" y="0"/>
-          <a:chExt cx="0" cy="0"/>
-        </a:xfrm>
-      </p:grpSpPr>
-      <p:sp>
-        <p:nvSpPr>
-          <p:cNvPr id="4" name="Title 3"/>
-          <p:cNvSpPr>
-            <a:spLocks noGrp="1"/>
-          </p:cNvSpPr>
-          <p:nvPr>
-            <p:ph type="title"/>
-          </p:nvPr>
-        </p:nvSpPr>
-        <p:spPr>
-          <a:xfrm>
-            <a:off x="466579" y="240324"/>
-            <a:ext cx="11714536" cy="933957"/>
-          </a:xfrm>
-        </p:spPr>
-        <p:txBody>
-          <a:bodyPr/>
-          <a:lstStyle/>
-          <a:p>
-            <a:r>
-              <a:rPr lang="en-US" sz="3200">
-                <a:cs typeface="Times New Roman" panose="02020603050405020304" pitchFamily="18" charset="0"/>
-              </a:rPr>
-              <a:t>6. </a:t>
-            </a:r>
-            <a:r>
-              <a:rPr lang="en-US" sz="3200" b="1"/>
-              <a:t>Demo</a:t>
-            </a:r>
-            <a:endParaRPr lang="en-US" sz="3200"/>
-          </a:p>
-        </p:txBody>
-      </p:sp>
-    </p:spTree>
-    <p:extLst>
-      <p:ext uri="{BB962C8B-B14F-4D97-AF65-F5344CB8AC3E}">
-        <p14:creationId xmlns:p14="http://schemas.microsoft.com/office/powerpoint/2010/main" val="316322501"/>
-      </p:ext>
-    </p:extLst>
-  </p:cSld>
-  <p:clrMapOvr>
-    <a:masterClrMapping/>
-  </p:clrMapOvr>
-</p:sld>
-</file>
-
-<file path=ppt/slides/slide24.xml><?xml version="1.0" encoding="utf-8"?>
-<p:sld xmlns:a="http://schemas.openxmlformats.org/drawingml/2006/main" xmlns:r="http://schemas.openxmlformats.org/officeDocument/2006/relationships" xmlns:p="http://schemas.openxmlformats.org/presentationml/2006/main">
-  <p:cSld>
-    <p:spTree>
-      <p:nvGrpSpPr>
-        <p:cNvPr id="1" name=""/>
-        <p:cNvGrpSpPr/>
-        <p:nvPr/>
-      </p:nvGrpSpPr>
-      <p:grpSpPr>
-        <a:xfrm>
-          <a:off x="0" y="0"/>
-          <a:ext cx="0" cy="0"/>
-          <a:chOff x="0" y="0"/>
-          <a:chExt cx="0" cy="0"/>
-        </a:xfrm>
-      </p:grpSpPr>
-      <p:sp>
-        <p:nvSpPr>
-          <p:cNvPr id="4" name="Title 3"/>
-          <p:cNvSpPr>
-            <a:spLocks noGrp="1"/>
-          </p:cNvSpPr>
-          <p:nvPr>
-            <p:ph type="title"/>
-          </p:nvPr>
-        </p:nvSpPr>
-        <p:spPr>
-          <a:xfrm>
-            <a:off x="466579" y="240324"/>
-            <a:ext cx="11714536" cy="933957"/>
-          </a:xfrm>
-        </p:spPr>
-        <p:txBody>
-          <a:bodyPr/>
-          <a:lstStyle/>
-          <a:p>
-            <a:r>
-              <a:rPr lang="en-US" sz="3200">
-                <a:cs typeface="Times New Roman" panose="02020603050405020304" pitchFamily="18" charset="0"/>
-              </a:rPr>
-              <a:t>7. </a:t>
-            </a:r>
-            <a:r>
-              <a:rPr lang="en-US" sz="3200" b="1"/>
-              <a:t>QA</a:t>
-            </a:r>
-            <a:endParaRPr lang="en-US" sz="3200"/>
-          </a:p>
-        </p:txBody>
-      </p:sp>
-    </p:spTree>
-    <p:extLst>
-      <p:ext uri="{BB962C8B-B14F-4D97-AF65-F5344CB8AC3E}">
-        <p14:creationId xmlns:p14="http://schemas.microsoft.com/office/powerpoint/2010/main" val="1679520085"/>
-      </p:ext>
-    </p:extLst>
-  </p:cSld>
-  <p:clrMapOvr>
-    <a:masterClrMapping/>
-  </p:clrMapOvr>
-</p:sld>
-</file>
-
-<file path=ppt/slides/slide25.xml><?xml version="1.0" encoding="utf-8"?>
-<p:sld xmlns:a="http://schemas.openxmlformats.org/drawingml/2006/main" xmlns:r="http://schemas.openxmlformats.org/officeDocument/2006/relationships" xmlns:p="http://schemas.openxmlformats.org/presentationml/2006/main">
-  <p:cSld>
-    <p:spTree>
-      <p:nvGrpSpPr>
-        <p:cNvPr id="1" name=""/>
-        <p:cNvGrpSpPr/>
-        <p:nvPr/>
-      </p:nvGrpSpPr>
-      <p:grpSpPr>
-        <a:xfrm>
-          <a:off x="0" y="0"/>
-          <a:ext cx="0" cy="0"/>
-          <a:chOff x="0" y="0"/>
-          <a:chExt cx="0" cy="0"/>
-        </a:xfrm>
-      </p:grpSpPr>
-      <p:sp>
-        <p:nvSpPr>
-          <p:cNvPr id="3" name="TextBox 2"/>
-          <p:cNvSpPr txBox="1">
-            <a:spLocks noChangeArrowheads="1"/>
-          </p:cNvSpPr>
-          <p:nvPr/>
-        </p:nvSpPr>
-        <p:spPr bwMode="auto">
-          <a:xfrm>
-            <a:off x="3870008" y="3069273"/>
-            <a:ext cx="4421187" cy="922337"/>
+            <a:off x="2438857" y="686143"/>
+            <a:ext cx="7314286" cy="5485714"/>
           </a:xfrm>
           <a:prstGeom prst="rect">
             <a:avLst/>
           </a:prstGeom>
-          <a:noFill/>
-          <a:ln>
-            <a:noFill/>
-          </a:ln>
-          <a:extLst>
-            <a:ext uri="{909E8E84-426E-40DD-AFC4-6F175D3DCCD1}">
-              <a14:hiddenFill xmlns:a14="http://schemas.microsoft.com/office/drawing/2010/main">
-                <a:solidFill>
-                  <a:srgbClr val="FFFFFF"/>
-                </a:solidFill>
-              </a14:hiddenFill>
-            </a:ext>
-            <a:ext uri="{91240B29-F687-4F45-9708-019B960494DF}">
-              <a14:hiddenLine xmlns:a14="http://schemas.microsoft.com/office/drawing/2010/main" w="9525">
-                <a:solidFill>
-                  <a:srgbClr val="000000"/>
-                </a:solidFill>
-                <a:miter lim="800000"/>
-                <a:headEnd/>
-                <a:tailEnd/>
-              </a14:hiddenLine>
-            </a:ext>
-          </a:extLst>
         </p:spPr>
-        <p:txBody>
-          <a:bodyPr>
-            <a:spAutoFit/>
-          </a:bodyPr>
-          <a:lstStyle>
-            <a:lvl1pPr>
-              <a:defRPr>
-                <a:solidFill>
-                  <a:schemeClr val="tx1"/>
-                </a:solidFill>
-                <a:latin typeface="Calibri" panose="020F0502020204030204" pitchFamily="34" charset="0"/>
-              </a:defRPr>
-            </a:lvl1pPr>
-            <a:lvl2pPr marL="742950" indent="-285750">
-              <a:defRPr>
-                <a:solidFill>
-                  <a:schemeClr val="tx1"/>
-                </a:solidFill>
-                <a:latin typeface="Calibri" panose="020F0502020204030204" pitchFamily="34" charset="0"/>
-              </a:defRPr>
-            </a:lvl2pPr>
-            <a:lvl3pPr marL="1143000" indent="-228600">
-              <a:defRPr>
-                <a:solidFill>
-                  <a:schemeClr val="tx1"/>
-                </a:solidFill>
-                <a:latin typeface="Calibri" panose="020F0502020204030204" pitchFamily="34" charset="0"/>
-              </a:defRPr>
-            </a:lvl3pPr>
-            <a:lvl4pPr marL="1600200" indent="-228600">
-              <a:defRPr>
-                <a:solidFill>
-                  <a:schemeClr val="tx1"/>
-                </a:solidFill>
-                <a:latin typeface="Calibri" panose="020F0502020204030204" pitchFamily="34" charset="0"/>
-              </a:defRPr>
-            </a:lvl4pPr>
-            <a:lvl5pPr marL="2057400" indent="-228600">
-              <a:defRPr>
-                <a:solidFill>
-                  <a:schemeClr val="tx1"/>
-                </a:solidFill>
-                <a:latin typeface="Calibri" panose="020F0502020204030204" pitchFamily="34" charset="0"/>
-              </a:defRPr>
-            </a:lvl5pPr>
-            <a:lvl6pPr marL="2514600" indent="-228600" fontAlgn="base">
-              <a:spcBef>
-                <a:spcPct val="0"/>
-              </a:spcBef>
-              <a:spcAft>
-                <a:spcPct val="0"/>
-              </a:spcAft>
-              <a:defRPr>
-                <a:solidFill>
-                  <a:schemeClr val="tx1"/>
-                </a:solidFill>
-                <a:latin typeface="Calibri" panose="020F0502020204030204" pitchFamily="34" charset="0"/>
-              </a:defRPr>
-            </a:lvl6pPr>
-            <a:lvl7pPr marL="2971800" indent="-228600" fontAlgn="base">
-              <a:spcBef>
-                <a:spcPct val="0"/>
-              </a:spcBef>
-              <a:spcAft>
-                <a:spcPct val="0"/>
-              </a:spcAft>
-              <a:defRPr>
-                <a:solidFill>
-                  <a:schemeClr val="tx1"/>
-                </a:solidFill>
-                <a:latin typeface="Calibri" panose="020F0502020204030204" pitchFamily="34" charset="0"/>
-              </a:defRPr>
-            </a:lvl7pPr>
-            <a:lvl8pPr marL="3429000" indent="-228600" fontAlgn="base">
-              <a:spcBef>
-                <a:spcPct val="0"/>
-              </a:spcBef>
-              <a:spcAft>
-                <a:spcPct val="0"/>
-              </a:spcAft>
-              <a:defRPr>
-                <a:solidFill>
-                  <a:schemeClr val="tx1"/>
-                </a:solidFill>
-                <a:latin typeface="Calibri" panose="020F0502020204030204" pitchFamily="34" charset="0"/>
-              </a:defRPr>
-            </a:lvl8pPr>
-            <a:lvl9pPr marL="3886200" indent="-228600" fontAlgn="base">
-              <a:spcBef>
-                <a:spcPct val="0"/>
-              </a:spcBef>
-              <a:spcAft>
-                <a:spcPct val="0"/>
-              </a:spcAft>
-              <a:defRPr>
-                <a:solidFill>
-                  <a:schemeClr val="tx1"/>
-                </a:solidFill>
-                <a:latin typeface="Calibri" panose="020F0502020204030204" pitchFamily="34" charset="0"/>
-              </a:defRPr>
-            </a:lvl9pPr>
-          </a:lstStyle>
-          <a:p>
-            <a:pPr eaLnBrk="1" hangingPunct="1">
-              <a:defRPr/>
-            </a:pPr>
-            <a:r>
-              <a:rPr lang="en-US" altLang="en-US" sz="5400" b="1">
-                <a:solidFill>
-                  <a:srgbClr val="00B0F0"/>
-                </a:solidFill>
-                <a:latin typeface="Century Gothic" panose="020B0502020202020204" pitchFamily="34" charset="0"/>
-                <a:cs typeface="Arial" panose="020B0604020202020204" pitchFamily="34" charset="0"/>
-              </a:rPr>
-              <a:t>THANK YOU !</a:t>
-            </a:r>
-            <a:endParaRPr lang="en-US" altLang="en-US" sz="5400">
-              <a:solidFill>
-                <a:srgbClr val="00B0F0"/>
-              </a:solidFill>
-              <a:latin typeface="Century Gothic" panose="020B0502020202020204" pitchFamily="34" charset="0"/>
-              <a:cs typeface="Arial" panose="020B0604020202020204" pitchFamily="34" charset="0"/>
-            </a:endParaRPr>
-          </a:p>
-        </p:txBody>
-      </p:sp>
+      </p:pic>
     </p:spTree>
     <p:extLst>
       <p:ext uri="{BB962C8B-B14F-4D97-AF65-F5344CB8AC3E}">
-        <p14:creationId xmlns:p14="http://schemas.microsoft.com/office/powerpoint/2010/main" val="883376971"/>
+        <p14:creationId xmlns:p14="http://schemas.microsoft.com/office/powerpoint/2010/main" val="4207234665"/>
       </p:ext>
     </p:extLst>
   </p:cSld>
@@ -11355,12 +9984,12 @@
           <a:lstStyle/>
           <a:p>
             <a:r>
-              <a:rPr lang="en-US" sz="3200">
+              <a:rPr lang="en-US" sz="3200" dirty="0">
                 <a:cs typeface="Times New Roman" panose="02020603050405020304" pitchFamily="18" charset="0"/>
               </a:rPr>
-              <a:t>2. Solution Overview</a:t>
-            </a:r>
-            <a:endParaRPr lang="en-US" sz="3200"/>
+              <a:t>1. Solution Overview</a:t>
+            </a:r>
+            <a:endParaRPr lang="en-US" sz="3200" dirty="0"/>
           </a:p>
         </p:txBody>
       </p:sp>
@@ -11445,12 +10074,12 @@
           <a:lstStyle/>
           <a:p>
             <a:r>
-              <a:rPr lang="en-US" sz="3200">
+              <a:rPr lang="en-US" sz="3200" dirty="0">
                 <a:cs typeface="Times New Roman" panose="02020603050405020304" pitchFamily="18" charset="0"/>
               </a:rPr>
-              <a:t>2. Data flow Diagram</a:t>
-            </a:r>
-            <a:endParaRPr lang="en-US" sz="3200"/>
+              <a:t>1. Data flow Diagram</a:t>
+            </a:r>
+            <a:endParaRPr lang="en-US" sz="3200" dirty="0"/>
           </a:p>
         </p:txBody>
       </p:sp>
@@ -11535,12 +10164,12 @@
           <a:lstStyle/>
           <a:p>
             <a:r>
-              <a:rPr lang="en-US" sz="3200">
+              <a:rPr lang="en-US" sz="3200" dirty="0">
                 <a:cs typeface="Times New Roman" panose="02020603050405020304" pitchFamily="18" charset="0"/>
               </a:rPr>
-              <a:t>2. Network Diagram</a:t>
-            </a:r>
-            <a:endParaRPr lang="en-US" sz="3200"/>
+              <a:t>1. Network Diagram</a:t>
+            </a:r>
+            <a:endParaRPr lang="en-US" sz="3200" dirty="0"/>
           </a:p>
         </p:txBody>
       </p:sp>
@@ -11679,10 +10308,10 @@
       </p:sp>
       <p:pic>
         <p:nvPicPr>
-          <p:cNvPr id="6" name="Picture 5">
+          <p:cNvPr id="3" name="Picture 2">
             <a:extLst>
               <a:ext uri="{FF2B5EF4-FFF2-40B4-BE49-F238E27FC236}">
-                <a16:creationId xmlns:a16="http://schemas.microsoft.com/office/drawing/2014/main" id="{C4D400B2-BA21-476B-999B-B26B03BFBF9D}"/>
+                <a16:creationId xmlns:a16="http://schemas.microsoft.com/office/drawing/2014/main" id="{2163BBBF-F2E7-4A4F-A3C7-C66C7540412D}"/>
               </a:ext>
             </a:extLst>
           </p:cNvPr>
@@ -11699,8 +10328,8 @@
         </p:blipFill>
         <p:spPr>
           <a:xfrm>
-            <a:off x="2000450" y="2128690"/>
-            <a:ext cx="8191100" cy="4308860"/>
+            <a:off x="1878644" y="2156060"/>
+            <a:ext cx="8434711" cy="4243797"/>
           </a:xfrm>
           <a:prstGeom prst="rect">
             <a:avLst/>
@@ -11761,7 +10390,7 @@
               <a:rPr lang="en-US" sz="3200">
                 <a:cs typeface="Times New Roman" panose="02020603050405020304" pitchFamily="18" charset="0"/>
               </a:rPr>
-              <a:t>3. ObaaS components and testing approach</a:t>
+              <a:t>2. ObaaS cloud deployments</a:t>
             </a:r>
             <a:endParaRPr lang="en-US" sz="3200"/>
           </a:p>
@@ -11772,7 +10401,7 @@
           <p:cNvPr id="7" name="Picture 6">
             <a:extLst>
               <a:ext uri="{FF2B5EF4-FFF2-40B4-BE49-F238E27FC236}">
-                <a16:creationId xmlns:a16="http://schemas.microsoft.com/office/drawing/2014/main" id="{8A286470-5D0D-4108-AD86-C9D578A18E37}"/>
+                <a16:creationId xmlns:a16="http://schemas.microsoft.com/office/drawing/2014/main" id="{FB60EAFF-A543-4ECA-8D59-9E0999859C8F}"/>
               </a:ext>
             </a:extLst>
           </p:cNvPr>
@@ -11789,8 +10418,8 @@
         </p:blipFill>
         <p:spPr>
           <a:xfrm>
-            <a:off x="2073106" y="798897"/>
-            <a:ext cx="8045787" cy="5608648"/>
+            <a:off x="1357162" y="1174281"/>
+            <a:ext cx="9933272" cy="5225585"/>
           </a:xfrm>
           <a:prstGeom prst="rect">
             <a:avLst/>
@@ -11800,7 +10429,7 @@
     </p:spTree>
     <p:extLst>
       <p:ext uri="{BB962C8B-B14F-4D97-AF65-F5344CB8AC3E}">
-        <p14:creationId xmlns:p14="http://schemas.microsoft.com/office/powerpoint/2010/main" val="1091930360"/>
+        <p14:creationId xmlns:p14="http://schemas.microsoft.com/office/powerpoint/2010/main" val="1321615606"/>
       </p:ext>
     </p:extLst>
   </p:cSld>
@@ -11851,130 +10480,46 @@
               <a:rPr lang="en-US" sz="3200">
                 <a:cs typeface="Times New Roman" panose="02020603050405020304" pitchFamily="18" charset="0"/>
               </a:rPr>
-              <a:t>3. ObaaS components and testing approach</a:t>
+              <a:t>2. ObaaS cloud deployments</a:t>
             </a:r>
             <a:endParaRPr lang="en-US" sz="3200"/>
           </a:p>
         </p:txBody>
       </p:sp>
-      <p:sp>
-        <p:nvSpPr>
-          <p:cNvPr id="6" name="Content Placeholder 1">
+      <p:pic>
+        <p:nvPicPr>
+          <p:cNvPr id="9" name="Picture 8">
             <a:extLst>
               <a:ext uri="{FF2B5EF4-FFF2-40B4-BE49-F238E27FC236}">
-                <a16:creationId xmlns:a16="http://schemas.microsoft.com/office/drawing/2014/main" id="{084D3E99-250A-4E8D-40ED-A2CAE1244A9B}"/>
+                <a16:creationId xmlns:a16="http://schemas.microsoft.com/office/drawing/2014/main" id="{FA298086-D0CD-4DB0-86B9-D980751B2D94}"/>
               </a:ext>
             </a:extLst>
           </p:cNvPr>
-          <p:cNvSpPr>
-            <a:spLocks noGrp="1"/>
-          </p:cNvSpPr>
-          <p:nvPr>
-            <p:ph idx="1"/>
-          </p:nvPr>
-        </p:nvSpPr>
+          <p:cNvPicPr>
+            <a:picLocks noChangeAspect="1"/>
+          </p:cNvPicPr>
+          <p:nvPr/>
+        </p:nvPicPr>
+        <p:blipFill>
+          <a:blip r:embed="rId3"/>
+          <a:stretch>
+            <a:fillRect/>
+          </a:stretch>
+        </p:blipFill>
         <p:spPr>
           <a:xfrm>
-            <a:off x="466579" y="965086"/>
-            <a:ext cx="11714536" cy="4927827"/>
+            <a:off x="1381301" y="1174281"/>
+            <a:ext cx="9429398" cy="5195304"/>
           </a:xfrm>
+          <a:prstGeom prst="rect">
+            <a:avLst/>
+          </a:prstGeom>
         </p:spPr>
-        <p:txBody>
-          <a:bodyPr/>
-          <a:lstStyle/>
-          <a:p>
-            <a:r>
-              <a:rPr lang="en-US" b="1" dirty="0">
-                <a:solidFill>
-                  <a:schemeClr val="tx1"/>
-                </a:solidFill>
-                <a:latin typeface="open sans" panose="020B0606030504020204" pitchFamily="34" charset="0"/>
-                <a:ea typeface="open sans" panose="020B0606030504020204" pitchFamily="34" charset="0"/>
-                <a:cs typeface="open sans" panose="020B0606030504020204" pitchFamily="34" charset="0"/>
-              </a:rPr>
-              <a:t>Components</a:t>
-            </a:r>
-          </a:p>
-          <a:p>
-            <a:pPr>
-              <a:buFont typeface="Arial" panose="020B0604020202020204" pitchFamily="34" charset="0"/>
-              <a:buChar char="•"/>
-            </a:pPr>
-            <a:r>
-              <a:rPr lang="en-US" dirty="0">
-                <a:solidFill>
-                  <a:schemeClr val="tx1"/>
-                </a:solidFill>
-                <a:latin typeface="open sans" panose="020B0606030504020204" pitchFamily="34" charset="0"/>
-                <a:ea typeface="open sans" panose="020B0606030504020204" pitchFamily="34" charset="0"/>
-                <a:cs typeface="open sans" panose="020B0606030504020204" pitchFamily="34" charset="0"/>
-              </a:rPr>
-              <a:t>Namespace: outbound-campaigns, outbound-contacts, outbound-provision, outbound-campaign-actors, outbound-contacts-</a:t>
-            </a:r>
-            <a:r>
-              <a:rPr lang="en-US" dirty="0" err="1">
-                <a:solidFill>
-                  <a:schemeClr val="tx1"/>
-                </a:solidFill>
-                <a:latin typeface="open sans" panose="020B0606030504020204" pitchFamily="34" charset="0"/>
-                <a:ea typeface="open sans" panose="020B0606030504020204" pitchFamily="34" charset="0"/>
-                <a:cs typeface="open sans" panose="020B0606030504020204" pitchFamily="34" charset="0"/>
-              </a:rPr>
-              <a:t>actors,outbound</a:t>
-            </a:r>
-            <a:r>
-              <a:rPr lang="en-US" dirty="0">
-                <a:solidFill>
-                  <a:schemeClr val="tx1"/>
-                </a:solidFill>
-                <a:latin typeface="open sans" panose="020B0606030504020204" pitchFamily="34" charset="0"/>
-                <a:ea typeface="open sans" panose="020B0606030504020204" pitchFamily="34" charset="0"/>
-                <a:cs typeface="open sans" panose="020B0606030504020204" pitchFamily="34" charset="0"/>
-              </a:rPr>
-              <a:t>-simulator</a:t>
-            </a:r>
-          </a:p>
-          <a:p>
-            <a:pPr>
-              <a:buFont typeface="Arial" panose="020B0604020202020204" pitchFamily="34" charset="0"/>
-              <a:buChar char="•"/>
-            </a:pPr>
-            <a:r>
-              <a:rPr lang="en-US" dirty="0">
-                <a:solidFill>
-                  <a:schemeClr val="tx1"/>
-                </a:solidFill>
-                <a:latin typeface="open sans" panose="020B0606030504020204" pitchFamily="34" charset="0"/>
-                <a:ea typeface="open sans" panose="020B0606030504020204" pitchFamily="34" charset="0"/>
-                <a:cs typeface="open sans" panose="020B0606030504020204" pitchFamily="34" charset="0"/>
-              </a:rPr>
-              <a:t>Pod group: UI, API, Actors</a:t>
-            </a:r>
-          </a:p>
-          <a:p>
-            <a:pPr>
-              <a:buFont typeface="Arial" panose="020B0604020202020204" pitchFamily="34" charset="0"/>
-              <a:buChar char="•"/>
-            </a:pPr>
-            <a:r>
-              <a:rPr lang="en-US" dirty="0">
-                <a:solidFill>
-                  <a:schemeClr val="tx1"/>
-                </a:solidFill>
-                <a:latin typeface="open sans" panose="020B0606030504020204" pitchFamily="34" charset="0"/>
-                <a:ea typeface="open sans" panose="020B0606030504020204" pitchFamily="34" charset="0"/>
-                <a:cs typeface="open sans" panose="020B0606030504020204" pitchFamily="34" charset="0"/>
-              </a:rPr>
-              <a:t>Horizontal Pod Autoscaling (HPA): campaign-actors, contact-actors </a:t>
-            </a:r>
-            <a:endParaRPr lang="en-US" dirty="0"/>
-          </a:p>
-        </p:txBody>
-      </p:sp>
+      </p:pic>
     </p:spTree>
     <p:extLst>
       <p:ext uri="{BB962C8B-B14F-4D97-AF65-F5344CB8AC3E}">
-        <p14:creationId xmlns:p14="http://schemas.microsoft.com/office/powerpoint/2010/main" val="2396587199"/>
+        <p14:creationId xmlns:p14="http://schemas.microsoft.com/office/powerpoint/2010/main" val="757133274"/>
       </p:ext>
     </p:extLst>
   </p:cSld>
